--- a/preface/fig/fig.pptx
+++ b/preface/fig/fig.pptx
@@ -6,6 +6,7 @@
   </p:sldMasterIdLst>
   <p:sldIdLst>
     <p:sldId id="256" r:id="rId2"/>
+    <p:sldId id="257" r:id="rId3"/>
   </p:sldIdLst>
   <p:sldSz cx="12192000" cy="6858000"/>
   <p:notesSz cx="6858000" cy="9144000"/>
@@ -104,6 +105,11 @@
       </a:defRPr>
     </a:lvl9pPr>
   </p:defaultTextStyle>
+  <p:extLst>
+    <p:ext uri="{EFAFB233-063F-42B5-8137-9DF3F51BA10A}">
+      <p15:sldGuideLst xmlns:p15="http://schemas.microsoft.com/office/powerpoint/2012/main"/>
+    </p:ext>
+  </p:extLst>
 </p:presentation>
 </file>
 
@@ -470,8 +476,8 @@
           <a:chExt cx="0" cy="0"/>
         </a:xfrm>
       </p:grpSpPr>
-      <mc:AlternateContent xmlns:mc="http://schemas.openxmlformats.org/markup-compatibility/2006">
-        <mc:Choice xmlns:a14="http://schemas.microsoft.com/office/drawing/2010/main" Requires="a14">
+      <mc:AlternateContent xmlns:mc="http://schemas.openxmlformats.org/markup-compatibility/2006" xmlns:a14="http://schemas.microsoft.com/office/drawing/2010/main">
+        <mc:Choice Requires="a14">
           <p:sp>
             <p:nvSpPr>
               <p:cNvPr id="4" name="テキスト ボックス 3">
@@ -500,6 +506,7 @@
               </a:bodyPr>
               <a:lstStyle/>
               <a:p>
+                <a:pPr/>
                 <a14:m>
                   <m:oMathPara xmlns:m="http://schemas.openxmlformats.org/officeDocument/2006/math">
                     <m:oMathParaPr>
@@ -648,7 +655,7 @@
             </p:txBody>
           </p:sp>
         </mc:Choice>
-        <mc:Fallback>
+        <mc:Fallback xmlns="">
           <p:sp>
             <p:nvSpPr>
               <p:cNvPr id="4" name="テキスト ボックス 3">
@@ -747,8 +754,8 @@
           </a:p>
         </p:txBody>
       </p:sp>
-      <mc:AlternateContent xmlns:mc="http://schemas.openxmlformats.org/markup-compatibility/2006">
-        <mc:Choice xmlns:a14="http://schemas.microsoft.com/office/drawing/2010/main" Requires="a14">
+      <mc:AlternateContent xmlns:mc="http://schemas.openxmlformats.org/markup-compatibility/2006" xmlns:a14="http://schemas.microsoft.com/office/drawing/2010/main">
+        <mc:Choice Requires="a14">
           <p:sp>
             <p:nvSpPr>
               <p:cNvPr id="6" name="テキスト ボックス 5">
@@ -777,6 +784,7 @@
               </a:bodyPr>
               <a:lstStyle/>
               <a:p>
+                <a:pPr/>
                 <a14:m>
                   <m:oMathPara xmlns:m="http://schemas.openxmlformats.org/officeDocument/2006/math">
                     <m:oMathParaPr>
@@ -844,7 +852,7 @@
             </p:txBody>
           </p:sp>
         </mc:Choice>
-        <mc:Fallback>
+        <mc:Fallback xmlns="">
           <p:sp>
             <p:nvSpPr>
               <p:cNvPr id="6" name="テキスト ボックス 5">
@@ -889,8 +897,8 @@
           </p:sp>
         </mc:Fallback>
       </mc:AlternateContent>
-      <mc:AlternateContent xmlns:mc="http://schemas.openxmlformats.org/markup-compatibility/2006">
-        <mc:Choice xmlns:a14="http://schemas.microsoft.com/office/drawing/2010/main" Requires="a14">
+      <mc:AlternateContent xmlns:mc="http://schemas.openxmlformats.org/markup-compatibility/2006" xmlns:a14="http://schemas.microsoft.com/office/drawing/2010/main">
+        <mc:Choice Requires="a14">
           <p:sp>
             <p:nvSpPr>
               <p:cNvPr id="7" name="テキスト ボックス 6">
@@ -919,6 +927,7 @@
               </a:bodyPr>
               <a:lstStyle/>
               <a:p>
+                <a:pPr/>
                 <a14:m>
                   <m:oMathPara xmlns:m="http://schemas.openxmlformats.org/officeDocument/2006/math">
                     <m:oMathParaPr>
@@ -1067,7 +1076,7 @@
             </p:txBody>
           </p:sp>
         </mc:Choice>
-        <mc:Fallback>
+        <mc:Fallback xmlns="">
           <p:sp>
             <p:nvSpPr>
               <p:cNvPr id="7" name="テキスト ボックス 6">
@@ -1112,8 +1121,8 @@
           </p:sp>
         </mc:Fallback>
       </mc:AlternateContent>
-      <mc:AlternateContent xmlns:mc="http://schemas.openxmlformats.org/markup-compatibility/2006">
-        <mc:Choice xmlns:a14="http://schemas.microsoft.com/office/drawing/2010/main" Requires="a14">
+      <mc:AlternateContent xmlns:mc="http://schemas.openxmlformats.org/markup-compatibility/2006" xmlns:a14="http://schemas.microsoft.com/office/drawing/2010/main">
+        <mc:Choice Requires="a14">
           <p:sp>
             <p:nvSpPr>
               <p:cNvPr id="11" name="テキスト ボックス 10">
@@ -1142,6 +1151,7 @@
               </a:bodyPr>
               <a:lstStyle/>
               <a:p>
+                <a:pPr/>
                 <a14:m>
                   <m:oMathPara xmlns:m="http://schemas.openxmlformats.org/officeDocument/2006/math">
                     <m:oMathParaPr>
@@ -1296,7 +1306,7 @@
             </p:txBody>
           </p:sp>
         </mc:Choice>
-        <mc:Fallback>
+        <mc:Fallback xmlns="">
           <p:sp>
             <p:nvSpPr>
               <p:cNvPr id="11" name="テキスト ボックス 10">
@@ -1638,8 +1648,8 @@
           </a:p>
         </p:txBody>
       </p:sp>
-      <mc:AlternateContent xmlns:mc="http://schemas.openxmlformats.org/markup-compatibility/2006">
-        <mc:Choice xmlns:a14="http://schemas.microsoft.com/office/drawing/2010/main" Requires="a14">
+      <mc:AlternateContent xmlns:mc="http://schemas.openxmlformats.org/markup-compatibility/2006" xmlns:a14="http://schemas.microsoft.com/office/drawing/2010/main">
+        <mc:Choice Requires="a14">
           <p:sp>
             <p:nvSpPr>
               <p:cNvPr id="29" name="テキスト ボックス 28">
@@ -1668,6 +1678,7 @@
               </a:bodyPr>
               <a:lstStyle/>
               <a:p>
+                <a:pPr/>
                 <a14:m>
                   <m:oMathPara xmlns:m="http://schemas.openxmlformats.org/officeDocument/2006/math">
                     <m:oMathParaPr>
@@ -1712,7 +1723,7 @@
             </p:txBody>
           </p:sp>
         </mc:Choice>
-        <mc:Fallback>
+        <mc:Fallback xmlns="">
           <p:sp>
             <p:nvSpPr>
               <p:cNvPr id="29" name="テキスト ボックス 28">
@@ -1757,8 +1768,8 @@
           </p:sp>
         </mc:Fallback>
       </mc:AlternateContent>
-      <mc:AlternateContent xmlns:mc="http://schemas.openxmlformats.org/markup-compatibility/2006">
-        <mc:Choice xmlns:a14="http://schemas.microsoft.com/office/drawing/2010/main" Requires="a14">
+      <mc:AlternateContent xmlns:mc="http://schemas.openxmlformats.org/markup-compatibility/2006" xmlns:a14="http://schemas.microsoft.com/office/drawing/2010/main">
+        <mc:Choice Requires="a14">
           <p:sp>
             <p:nvSpPr>
               <p:cNvPr id="30" name="テキスト ボックス 29">
@@ -1787,6 +1798,7 @@
               </a:bodyPr>
               <a:lstStyle/>
               <a:p>
+                <a:pPr/>
                 <a14:m>
                   <m:oMathPara xmlns:m="http://schemas.openxmlformats.org/officeDocument/2006/math">
                     <m:oMathParaPr>
@@ -1866,7 +1878,7 @@
             </p:txBody>
           </p:sp>
         </mc:Choice>
-        <mc:Fallback>
+        <mc:Fallback xmlns="">
           <p:sp>
             <p:nvSpPr>
               <p:cNvPr id="30" name="テキスト ボックス 29">
@@ -1965,8 +1977,8 @@
           </a:p>
         </p:txBody>
       </p:sp>
-      <mc:AlternateContent xmlns:mc="http://schemas.openxmlformats.org/markup-compatibility/2006">
-        <mc:Choice xmlns:a14="http://schemas.microsoft.com/office/drawing/2010/main" Requires="a14">
+      <mc:AlternateContent xmlns:mc="http://schemas.openxmlformats.org/markup-compatibility/2006" xmlns:a14="http://schemas.microsoft.com/office/drawing/2010/main">
+        <mc:Choice Requires="a14">
           <p:sp>
             <p:nvSpPr>
               <p:cNvPr id="32" name="テキスト ボックス 31">
@@ -1995,6 +2007,7 @@
               </a:bodyPr>
               <a:lstStyle/>
               <a:p>
+                <a:pPr/>
                 <a14:m>
                   <m:oMathPara xmlns:m="http://schemas.openxmlformats.org/officeDocument/2006/math">
                     <m:oMathParaPr>
@@ -2146,7 +2159,7 @@
             </p:txBody>
           </p:sp>
         </mc:Choice>
-        <mc:Fallback>
+        <mc:Fallback xmlns="">
           <p:sp>
             <p:nvSpPr>
               <p:cNvPr id="32" name="テキスト ボックス 31">
@@ -2324,8 +2337,8 @@
           </a:p>
         </p:txBody>
       </p:sp>
-      <mc:AlternateContent xmlns:mc="http://schemas.openxmlformats.org/markup-compatibility/2006">
-        <mc:Choice xmlns:a14="http://schemas.microsoft.com/office/drawing/2010/main" Requires="a14">
+      <mc:AlternateContent xmlns:mc="http://schemas.openxmlformats.org/markup-compatibility/2006" xmlns:a14="http://schemas.microsoft.com/office/drawing/2010/main">
+        <mc:Choice Requires="a14">
           <p:sp>
             <p:nvSpPr>
               <p:cNvPr id="41" name="テキスト ボックス 40">
@@ -2354,6 +2367,7 @@
               </a:bodyPr>
               <a:lstStyle/>
               <a:p>
+                <a:pPr/>
                 <a14:m>
                   <m:oMathPara xmlns:m="http://schemas.openxmlformats.org/officeDocument/2006/math">
                     <m:oMathParaPr>
@@ -2531,7 +2545,7 @@
             </p:txBody>
           </p:sp>
         </mc:Choice>
-        <mc:Fallback>
+        <mc:Fallback xmlns="">
           <p:sp>
             <p:nvSpPr>
               <p:cNvPr id="41" name="テキスト ボックス 40">
@@ -2618,8 +2632,8 @@
           </a:p>
         </p:txBody>
       </p:sp>
-      <mc:AlternateContent xmlns:mc="http://schemas.openxmlformats.org/markup-compatibility/2006">
-        <mc:Choice xmlns:a14="http://schemas.microsoft.com/office/drawing/2010/main" Requires="a14">
+      <mc:AlternateContent xmlns:mc="http://schemas.openxmlformats.org/markup-compatibility/2006" xmlns:a14="http://schemas.microsoft.com/office/drawing/2010/main">
+        <mc:Choice Requires="a14">
           <p:sp>
             <p:nvSpPr>
               <p:cNvPr id="48" name="テキスト ボックス 47">
@@ -2648,6 +2662,7 @@
               </a:bodyPr>
               <a:lstStyle/>
               <a:p>
+                <a:pPr/>
                 <a14:m>
                   <m:oMathPara xmlns:m="http://schemas.openxmlformats.org/officeDocument/2006/math">
                     <m:oMathParaPr>
@@ -2721,6 +2736,7 @@
                 <a:endParaRPr kumimoji="1" lang="en-US" altLang="ja-JP" b="0"/>
               </a:p>
               <a:p>
+                <a:pPr/>
                 <a14:m>
                   <m:oMathPara xmlns:m="http://schemas.openxmlformats.org/officeDocument/2006/math">
                     <m:oMathParaPr>
@@ -2783,7 +2799,7 @@
             </p:txBody>
           </p:sp>
         </mc:Choice>
-        <mc:Fallback>
+        <mc:Fallback xmlns="">
           <p:sp>
             <p:nvSpPr>
               <p:cNvPr id="48" name="テキスト ボックス 47">
@@ -3007,8 +3023,8 @@
           </a:p>
         </p:txBody>
       </p:sp>
-      <mc:AlternateContent xmlns:mc="http://schemas.openxmlformats.org/markup-compatibility/2006">
-        <mc:Choice xmlns:a14="http://schemas.microsoft.com/office/drawing/2010/main" Requires="a14">
+      <mc:AlternateContent xmlns:mc="http://schemas.openxmlformats.org/markup-compatibility/2006" xmlns:a14="http://schemas.microsoft.com/office/drawing/2010/main">
+        <mc:Choice Requires="a14">
           <p:sp>
             <p:nvSpPr>
               <p:cNvPr id="56" name="テキスト ボックス 55">
@@ -3037,6 +3053,7 @@
               </a:bodyPr>
               <a:lstStyle/>
               <a:p>
+                <a:pPr/>
                 <a14:m>
                   <m:oMathPara xmlns:m="http://schemas.openxmlformats.org/officeDocument/2006/math">
                     <m:oMathParaPr>
@@ -3110,6 +3127,7 @@
                 <a:endParaRPr kumimoji="1" lang="en-US" altLang="ja-JP" b="0"/>
               </a:p>
               <a:p>
+                <a:pPr/>
                 <a14:m>
                   <m:oMathPara xmlns:m="http://schemas.openxmlformats.org/officeDocument/2006/math">
                     <m:oMathParaPr>
@@ -3185,7 +3203,7 @@
             </p:txBody>
           </p:sp>
         </mc:Choice>
-        <mc:Fallback>
+        <mc:Fallback xmlns="">
           <p:sp>
             <p:nvSpPr>
               <p:cNvPr id="56" name="テキスト ボックス 55">
@@ -3330,8 +3348,8 @@
           </a:p>
         </p:txBody>
       </p:sp>
-      <mc:AlternateContent xmlns:mc="http://schemas.openxmlformats.org/markup-compatibility/2006">
-        <mc:Choice xmlns:a14="http://schemas.microsoft.com/office/drawing/2010/main" Requires="a14">
+      <mc:AlternateContent xmlns:mc="http://schemas.openxmlformats.org/markup-compatibility/2006" xmlns:a14="http://schemas.microsoft.com/office/drawing/2010/main">
+        <mc:Choice Requires="a14">
           <p:sp>
             <p:nvSpPr>
               <p:cNvPr id="62" name="テキスト ボックス 61">
@@ -3360,6 +3378,7 @@
               </a:bodyPr>
               <a:lstStyle/>
               <a:p>
+                <a:pPr/>
                 <a14:m>
                   <m:oMathPara xmlns:m="http://schemas.openxmlformats.org/officeDocument/2006/math">
                     <m:oMathParaPr>
@@ -3392,7 +3411,7 @@
             </p:txBody>
           </p:sp>
         </mc:Choice>
-        <mc:Fallback>
+        <mc:Fallback xmlns="">
           <p:sp>
             <p:nvSpPr>
               <p:cNvPr id="62" name="テキスト ボックス 61">
@@ -3526,8 +3545,8 @@
           </a:p>
         </p:txBody>
       </p:sp>
-      <mc:AlternateContent xmlns:mc="http://schemas.openxmlformats.org/markup-compatibility/2006">
-        <mc:Choice xmlns:a14="http://schemas.microsoft.com/office/drawing/2010/main" Requires="a14">
+      <mc:AlternateContent xmlns:mc="http://schemas.openxmlformats.org/markup-compatibility/2006" xmlns:a14="http://schemas.microsoft.com/office/drawing/2010/main">
+        <mc:Choice Requires="a14">
           <p:sp>
             <p:nvSpPr>
               <p:cNvPr id="65" name="テキスト ボックス 64">
@@ -3556,6 +3575,7 @@
               </a:bodyPr>
               <a:lstStyle/>
               <a:p>
+                <a:pPr/>
                 <a14:m>
                   <m:oMathPara xmlns:m="http://schemas.openxmlformats.org/officeDocument/2006/math">
                     <m:oMathParaPr>
@@ -3697,7 +3717,7 @@
             </p:txBody>
           </p:sp>
         </mc:Choice>
-        <mc:Fallback>
+        <mc:Fallback xmlns="">
           <p:sp>
             <p:nvSpPr>
               <p:cNvPr id="65" name="テキスト ボックス 64">
@@ -3781,8 +3801,8 @@
           </a:p>
         </p:txBody>
       </p:sp>
-      <mc:AlternateContent xmlns:mc="http://schemas.openxmlformats.org/markup-compatibility/2006">
-        <mc:Choice xmlns:a14="http://schemas.microsoft.com/office/drawing/2010/main" Requires="a14">
+      <mc:AlternateContent xmlns:mc="http://schemas.openxmlformats.org/markup-compatibility/2006" xmlns:a14="http://schemas.microsoft.com/office/drawing/2010/main">
+        <mc:Choice Requires="a14">
           <p:sp>
             <p:nvSpPr>
               <p:cNvPr id="67" name="テキスト ボックス 66">
@@ -3811,6 +3831,7 @@
               </a:bodyPr>
               <a:lstStyle/>
               <a:p>
+                <a:pPr/>
                 <a14:m>
                   <m:oMathPara xmlns:m="http://schemas.openxmlformats.org/officeDocument/2006/math">
                     <m:oMathParaPr>
@@ -3896,6 +3917,7 @@
                 <a:endParaRPr kumimoji="1" lang="en-US" altLang="ja-JP" b="0"/>
               </a:p>
               <a:p>
+                <a:pPr/>
                 <a14:m>
                   <m:oMathPara xmlns:m="http://schemas.openxmlformats.org/officeDocument/2006/math">
                     <m:oMathParaPr>
@@ -3983,7 +4005,7 @@
             </p:txBody>
           </p:sp>
         </mc:Choice>
-        <mc:Fallback>
+        <mc:Fallback xmlns="">
           <p:sp>
             <p:nvSpPr>
               <p:cNvPr id="67" name="テキスト ボックス 66">
@@ -4110,8 +4132,8 @@
           </a:p>
         </p:txBody>
       </p:sp>
-      <mc:AlternateContent xmlns:mc="http://schemas.openxmlformats.org/markup-compatibility/2006">
-        <mc:Choice xmlns:a14="http://schemas.microsoft.com/office/drawing/2010/main" Requires="a14">
+      <mc:AlternateContent xmlns:mc="http://schemas.openxmlformats.org/markup-compatibility/2006" xmlns:a14="http://schemas.microsoft.com/office/drawing/2010/main">
+        <mc:Choice Requires="a14">
           <p:sp>
             <p:nvSpPr>
               <p:cNvPr id="73" name="テキスト ボックス 72">
@@ -4140,6 +4162,7 @@
               </a:bodyPr>
               <a:lstStyle/>
               <a:p>
+                <a:pPr/>
                 <a14:m>
                   <m:oMathPara xmlns:m="http://schemas.openxmlformats.org/officeDocument/2006/math">
                     <m:oMathParaPr>
@@ -4294,7 +4317,7 @@
             </p:txBody>
           </p:sp>
         </mc:Choice>
-        <mc:Fallback>
+        <mc:Fallback xmlns="">
           <p:sp>
             <p:nvSpPr>
               <p:cNvPr id="73" name="テキスト ボックス 72">
@@ -4447,8 +4470,8 @@
           </a:p>
         </p:txBody>
       </p:sp>
-      <mc:AlternateContent xmlns:mc="http://schemas.openxmlformats.org/markup-compatibility/2006">
-        <mc:Choice xmlns:a14="http://schemas.microsoft.com/office/drawing/2010/main" Requires="a14">
+      <mc:AlternateContent xmlns:mc="http://schemas.openxmlformats.org/markup-compatibility/2006" xmlns:a14="http://schemas.microsoft.com/office/drawing/2010/main">
+        <mc:Choice Requires="a14">
           <p:sp>
             <p:nvSpPr>
               <p:cNvPr id="77" name="テキスト ボックス 76">
@@ -4477,6 +4500,7 @@
               </a:bodyPr>
               <a:lstStyle/>
               <a:p>
+                <a:pPr/>
                 <a14:m>
                   <m:oMathPara xmlns:m="http://schemas.openxmlformats.org/officeDocument/2006/math">
                     <m:oMathParaPr>
@@ -4655,7 +4679,7 @@
             </p:txBody>
           </p:sp>
         </mc:Choice>
-        <mc:Fallback>
+        <mc:Fallback xmlns="">
           <p:sp>
             <p:nvSpPr>
               <p:cNvPr id="77" name="テキスト ボックス 76">
@@ -5305,6 +5329,2293 @@
 </p:sld>
 </file>
 
+<file path=ppt/slides/slide2.xml><?xml version="1.0" encoding="utf-8"?>
+<p:sld xmlns:a="http://schemas.openxmlformats.org/drawingml/2006/main" xmlns:r="http://schemas.openxmlformats.org/officeDocument/2006/relationships" xmlns:p="http://schemas.openxmlformats.org/presentationml/2006/main">
+  <p:cSld>
+    <p:spTree>
+      <p:nvGrpSpPr>
+        <p:cNvPr id="1" name=""/>
+        <p:cNvGrpSpPr/>
+        <p:nvPr/>
+      </p:nvGrpSpPr>
+      <p:grpSpPr>
+        <a:xfrm>
+          <a:off x="0" y="0"/>
+          <a:ext cx="0" cy="0"/>
+          <a:chOff x="0" y="0"/>
+          <a:chExt cx="0" cy="0"/>
+        </a:xfrm>
+      </p:grpSpPr>
+      <mc:AlternateContent xmlns:mc="http://schemas.openxmlformats.org/markup-compatibility/2006">
+        <mc:Choice xmlns:a14="http://schemas.microsoft.com/office/drawing/2010/main" Requires="a14">
+          <p:sp>
+            <p:nvSpPr>
+              <p:cNvPr id="15" name="テキスト ボックス 14">
+                <a:extLst>
+                  <a:ext uri="{FF2B5EF4-FFF2-40B4-BE49-F238E27FC236}">
+                    <a16:creationId xmlns:a16="http://schemas.microsoft.com/office/drawing/2014/main" id="{CEB99F67-B3A2-E488-4A15-12A98D8A9FF5}"/>
+                  </a:ext>
+                </a:extLst>
+              </p:cNvPr>
+              <p:cNvSpPr txBox="1"/>
+              <p:nvPr/>
+            </p:nvSpPr>
+            <p:spPr>
+              <a:xfrm>
+                <a:off x="1847528" y="2180525"/>
+                <a:ext cx="1266885" cy="369332"/>
+              </a:xfrm>
+              <a:prstGeom prst="rect">
+                <a:avLst/>
+              </a:prstGeom>
+              <a:noFill/>
+            </p:spPr>
+            <p:txBody>
+              <a:bodyPr wrap="none" lIns="0" tIns="0" rIns="0" bIns="0" rtlCol="0">
+                <a:spAutoFit/>
+              </a:bodyPr>
+              <a:lstStyle/>
+              <a:p>
+                <a14:m>
+                  <m:oMathPara xmlns:m="http://schemas.openxmlformats.org/officeDocument/2006/math">
+                    <m:oMathParaPr>
+                      <m:jc m:val="centerGroup"/>
+                    </m:oMathParaPr>
+                    <m:oMath xmlns:m="http://schemas.openxmlformats.org/officeDocument/2006/math">
+                      <m:r>
+                        <a:rPr kumimoji="1" lang="en-US" altLang="ja-JP" sz="2400" b="0" i="1" smtClean="0">
+                          <a:latin typeface="Cambria Math" panose="02040503050406030204" pitchFamily="18" charset="0"/>
+                        </a:rPr>
+                        <m:t>𝐹</m:t>
+                      </m:r>
+                      <m:d>
+                        <m:dPr>
+                          <m:ctrlPr>
+                            <a:rPr kumimoji="1" lang="en-US" altLang="ja-JP" sz="2400" b="0" i="1" smtClean="0">
+                              <a:latin typeface="Cambria Math" panose="02040503050406030204" pitchFamily="18" charset="0"/>
+                            </a:rPr>
+                          </m:ctrlPr>
+                        </m:dPr>
+                        <m:e>
+                          <m:r>
+                            <a:rPr kumimoji="1" lang="en-US" altLang="ja-JP" sz="2400" b="0" i="1" smtClean="0">
+                              <a:latin typeface="Cambria Math" panose="02040503050406030204" pitchFamily="18" charset="0"/>
+                            </a:rPr>
+                            <m:t>𝑥</m:t>
+                          </m:r>
+                        </m:e>
+                      </m:d>
+                      <m:r>
+                        <a:rPr kumimoji="1" lang="en-US" altLang="ja-JP" sz="2400" b="0" i="1" smtClean="0">
+                          <a:latin typeface="Cambria Math" panose="02040503050406030204" pitchFamily="18" charset="0"/>
+                        </a:rPr>
+                        <m:t>=0</m:t>
+                      </m:r>
+                    </m:oMath>
+                  </m:oMathPara>
+                </a14:m>
+                <a:endParaRPr kumimoji="1" lang="ja-JP" altLang="en-US" sz="2400"/>
+              </a:p>
+            </p:txBody>
+          </p:sp>
+        </mc:Choice>
+        <mc:Fallback>
+          <p:sp>
+            <p:nvSpPr>
+              <p:cNvPr id="15" name="テキスト ボックス 14">
+                <a:extLst>
+                  <a:ext uri="{FF2B5EF4-FFF2-40B4-BE49-F238E27FC236}">
+                    <a16:creationId xmlns:a16="http://schemas.microsoft.com/office/drawing/2014/main" id="{CEB99F67-B3A2-E488-4A15-12A98D8A9FF5}"/>
+                  </a:ext>
+                </a:extLst>
+              </p:cNvPr>
+              <p:cNvSpPr txBox="1">
+                <a:spLocks noRot="1" noChangeAspect="1" noMove="1" noResize="1" noEditPoints="1" noAdjustHandles="1" noChangeArrowheads="1" noChangeShapeType="1" noTextEdit="1"/>
+              </p:cNvSpPr>
+              <p:nvPr/>
+            </p:nvSpPr>
+            <p:spPr>
+              <a:xfrm>
+                <a:off x="1847528" y="2180525"/>
+                <a:ext cx="1266885" cy="369332"/>
+              </a:xfrm>
+              <a:prstGeom prst="rect">
+                <a:avLst/>
+              </a:prstGeom>
+              <a:blipFill>
+                <a:blip r:embed="rId2"/>
+                <a:stretch>
+                  <a:fillRect l="-4808" r="-5769" b="-6667"/>
+                </a:stretch>
+              </a:blipFill>
+            </p:spPr>
+            <p:txBody>
+              <a:bodyPr/>
+              <a:lstStyle/>
+              <a:p>
+                <a:r>
+                  <a:rPr lang="ja-JP" altLang="en-US">
+                    <a:noFill/>
+                  </a:rPr>
+                  <a:t> </a:t>
+                </a:r>
+              </a:p>
+            </p:txBody>
+          </p:sp>
+        </mc:Fallback>
+      </mc:AlternateContent>
+      <p:sp>
+        <p:nvSpPr>
+          <p:cNvPr id="16" name="テキスト ボックス 15">
+            <a:extLst>
+              <a:ext uri="{FF2B5EF4-FFF2-40B4-BE49-F238E27FC236}">
+                <a16:creationId xmlns:a16="http://schemas.microsoft.com/office/drawing/2014/main" id="{1F1217A8-50EC-5754-304C-4B18E668E672}"/>
+              </a:ext>
+            </a:extLst>
+          </p:cNvPr>
+          <p:cNvSpPr txBox="1"/>
+          <p:nvPr/>
+        </p:nvSpPr>
+        <p:spPr>
+          <a:xfrm>
+            <a:off x="191344" y="1412776"/>
+            <a:ext cx="877163" cy="369332"/>
+          </a:xfrm>
+          <a:prstGeom prst="rect">
+            <a:avLst/>
+          </a:prstGeom>
+          <a:noFill/>
+        </p:spPr>
+        <p:txBody>
+          <a:bodyPr wrap="none" rtlCol="0">
+            <a:spAutoFit/>
+          </a:bodyPr>
+          <a:lstStyle/>
+          <a:p>
+            <a:r>
+              <a:rPr kumimoji="1" lang="ja-JP" altLang="en-US" b="1">
+                <a:solidFill>
+                  <a:srgbClr val="0070C0"/>
+                </a:solidFill>
+              </a:rPr>
+              <a:t>静力学</a:t>
+            </a:r>
+          </a:p>
+        </p:txBody>
+      </p:sp>
+      <p:sp>
+        <p:nvSpPr>
+          <p:cNvPr id="17" name="テキスト ボックス 16">
+            <a:extLst>
+              <a:ext uri="{FF2B5EF4-FFF2-40B4-BE49-F238E27FC236}">
+                <a16:creationId xmlns:a16="http://schemas.microsoft.com/office/drawing/2014/main" id="{6D91DF5C-2026-9102-0092-55478BB0D23A}"/>
+              </a:ext>
+            </a:extLst>
+          </p:cNvPr>
+          <p:cNvSpPr txBox="1"/>
+          <p:nvPr/>
+        </p:nvSpPr>
+        <p:spPr>
+          <a:xfrm>
+            <a:off x="191344" y="3212976"/>
+            <a:ext cx="877163" cy="369332"/>
+          </a:xfrm>
+          <a:prstGeom prst="rect">
+            <a:avLst/>
+          </a:prstGeom>
+          <a:noFill/>
+        </p:spPr>
+        <p:txBody>
+          <a:bodyPr wrap="none" rtlCol="0">
+            <a:spAutoFit/>
+          </a:bodyPr>
+          <a:lstStyle/>
+          <a:p>
+            <a:r>
+              <a:rPr kumimoji="1" lang="ja-JP" altLang="en-US" b="1">
+                <a:solidFill>
+                  <a:srgbClr val="FF0000"/>
+                </a:solidFill>
+              </a:rPr>
+              <a:t>動力学</a:t>
+            </a:r>
+          </a:p>
+        </p:txBody>
+      </p:sp>
+      <mc:AlternateContent xmlns:mc="http://schemas.openxmlformats.org/markup-compatibility/2006">
+        <mc:Choice xmlns:a14="http://schemas.microsoft.com/office/drawing/2010/main" Requires="a14">
+          <p:sp>
+            <p:nvSpPr>
+              <p:cNvPr id="18" name="テキスト ボックス 17">
+                <a:extLst>
+                  <a:ext uri="{FF2B5EF4-FFF2-40B4-BE49-F238E27FC236}">
+                    <a16:creationId xmlns:a16="http://schemas.microsoft.com/office/drawing/2014/main" id="{08D82D26-9843-D55A-DF2B-EE11936D202A}"/>
+                  </a:ext>
+                </a:extLst>
+              </p:cNvPr>
+              <p:cNvSpPr txBox="1"/>
+              <p:nvPr/>
+            </p:nvSpPr>
+            <p:spPr>
+              <a:xfrm>
+                <a:off x="839416" y="3805242"/>
+                <a:ext cx="2434513" cy="741100"/>
+              </a:xfrm>
+              <a:prstGeom prst="rect">
+                <a:avLst/>
+              </a:prstGeom>
+              <a:noFill/>
+            </p:spPr>
+            <p:txBody>
+              <a:bodyPr wrap="none" lIns="0" tIns="0" rIns="0" bIns="0" rtlCol="0">
+                <a:spAutoFit/>
+              </a:bodyPr>
+              <a:lstStyle/>
+              <a:p>
+                <a14:m>
+                  <m:oMathPara xmlns:m="http://schemas.openxmlformats.org/officeDocument/2006/math">
+                    <m:oMathParaPr>
+                      <m:jc m:val="centerGroup"/>
+                    </m:oMathParaPr>
+                    <m:oMath xmlns:m="http://schemas.openxmlformats.org/officeDocument/2006/math">
+                      <m:r>
+                        <a:rPr kumimoji="1" lang="en-US" altLang="ja-JP" sz="2400" b="0" i="1" smtClean="0">
+                          <a:latin typeface="Cambria Math" panose="02040503050406030204" pitchFamily="18" charset="0"/>
+                        </a:rPr>
+                        <m:t>𝑚</m:t>
+                      </m:r>
+                      <m:f>
+                        <m:fPr>
+                          <m:ctrlPr>
+                            <a:rPr kumimoji="1" lang="en-US" altLang="ja-JP" sz="2400" b="0" i="1" smtClean="0">
+                              <a:latin typeface="Cambria Math" panose="02040503050406030204" pitchFamily="18" charset="0"/>
+                            </a:rPr>
+                          </m:ctrlPr>
+                        </m:fPr>
+                        <m:num>
+                          <m:sSup>
+                            <m:sSupPr>
+                              <m:ctrlPr>
+                                <a:rPr kumimoji="1" lang="en-US" altLang="ja-JP" sz="2400" b="0" i="1" smtClean="0">
+                                  <a:latin typeface="Cambria Math" panose="02040503050406030204" pitchFamily="18" charset="0"/>
+                                </a:rPr>
+                              </m:ctrlPr>
+                            </m:sSupPr>
+                            <m:e>
+                              <m:r>
+                                <m:rPr>
+                                  <m:sty m:val="p"/>
+                                </m:rPr>
+                                <a:rPr kumimoji="1" lang="en-US" altLang="ja-JP" sz="2400" i="1" smtClean="0">
+                                  <a:latin typeface="Cambria Math" panose="02040503050406030204" pitchFamily="18" charset="0"/>
+                                </a:rPr>
+                                <m:t>d</m:t>
+                              </m:r>
+                            </m:e>
+                            <m:sup>
+                              <m:r>
+                                <a:rPr kumimoji="1" lang="en-US" altLang="ja-JP" sz="2400" b="0" i="1" smtClean="0">
+                                  <a:latin typeface="Cambria Math" panose="02040503050406030204" pitchFamily="18" charset="0"/>
+                                </a:rPr>
+                                <m:t>2</m:t>
+                              </m:r>
+                            </m:sup>
+                          </m:sSup>
+                          <m:r>
+                            <a:rPr kumimoji="1" lang="en-US" altLang="ja-JP" sz="2400" b="0" i="1" smtClean="0">
+                              <a:latin typeface="Cambria Math" panose="02040503050406030204" pitchFamily="18" charset="0"/>
+                            </a:rPr>
+                            <m:t>𝑥</m:t>
+                          </m:r>
+                        </m:num>
+                        <m:den>
+                          <m:r>
+                            <a:rPr kumimoji="1" lang="en-US" altLang="ja-JP" sz="2400" b="0" i="1" smtClean="0">
+                              <a:latin typeface="Cambria Math" panose="02040503050406030204" pitchFamily="18" charset="0"/>
+                            </a:rPr>
+                            <m:t>𝑑</m:t>
+                          </m:r>
+                          <m:sSup>
+                            <m:sSupPr>
+                              <m:ctrlPr>
+                                <a:rPr kumimoji="1" lang="en-US" altLang="ja-JP" sz="2400" b="0" i="1" smtClean="0">
+                                  <a:latin typeface="Cambria Math" panose="02040503050406030204" pitchFamily="18" charset="0"/>
+                                </a:rPr>
+                              </m:ctrlPr>
+                            </m:sSupPr>
+                            <m:e>
+                              <m:r>
+                                <a:rPr kumimoji="1" lang="en-US" altLang="ja-JP" sz="2400" b="0" i="1" smtClean="0">
+                                  <a:latin typeface="Cambria Math" panose="02040503050406030204" pitchFamily="18" charset="0"/>
+                                </a:rPr>
+                                <m:t>𝑡</m:t>
+                              </m:r>
+                            </m:e>
+                            <m:sup>
+                              <m:r>
+                                <a:rPr kumimoji="1" lang="en-US" altLang="ja-JP" sz="2400" b="0" i="1" smtClean="0">
+                                  <a:latin typeface="Cambria Math" panose="02040503050406030204" pitchFamily="18" charset="0"/>
+                                </a:rPr>
+                                <m:t>2</m:t>
+                              </m:r>
+                            </m:sup>
+                          </m:sSup>
+                        </m:den>
+                      </m:f>
+                      <m:r>
+                        <a:rPr kumimoji="1" lang="en-US" altLang="ja-JP" sz="2400" b="0" i="1" smtClean="0">
+                          <a:latin typeface="Cambria Math" panose="02040503050406030204" pitchFamily="18" charset="0"/>
+                        </a:rPr>
+                        <m:t>−</m:t>
+                      </m:r>
+                      <m:r>
+                        <a:rPr kumimoji="1" lang="en-US" altLang="ja-JP" sz="2400" b="0" i="1" smtClean="0">
+                          <a:latin typeface="Cambria Math" panose="02040503050406030204" pitchFamily="18" charset="0"/>
+                        </a:rPr>
+                        <m:t>𝐹</m:t>
+                      </m:r>
+                      <m:d>
+                        <m:dPr>
+                          <m:ctrlPr>
+                            <a:rPr kumimoji="1" lang="en-US" altLang="ja-JP" sz="2400" b="0" i="1" smtClean="0">
+                              <a:latin typeface="Cambria Math" panose="02040503050406030204" pitchFamily="18" charset="0"/>
+                            </a:rPr>
+                          </m:ctrlPr>
+                        </m:dPr>
+                        <m:e>
+                          <m:r>
+                            <a:rPr kumimoji="1" lang="en-US" altLang="ja-JP" sz="2400" b="0" i="1" smtClean="0">
+                              <a:latin typeface="Cambria Math" panose="02040503050406030204" pitchFamily="18" charset="0"/>
+                            </a:rPr>
+                            <m:t>𝑥</m:t>
+                          </m:r>
+                        </m:e>
+                      </m:d>
+                      <m:r>
+                        <a:rPr kumimoji="1" lang="en-US" altLang="ja-JP" sz="2400" b="0" i="1" smtClean="0">
+                          <a:latin typeface="Cambria Math" panose="02040503050406030204" pitchFamily="18" charset="0"/>
+                        </a:rPr>
+                        <m:t>=0</m:t>
+                      </m:r>
+                    </m:oMath>
+                  </m:oMathPara>
+                </a14:m>
+                <a:endParaRPr kumimoji="1" lang="ja-JP" altLang="en-US" sz="2400"/>
+              </a:p>
+            </p:txBody>
+          </p:sp>
+        </mc:Choice>
+        <mc:Fallback>
+          <p:sp>
+            <p:nvSpPr>
+              <p:cNvPr id="18" name="テキスト ボックス 17">
+                <a:extLst>
+                  <a:ext uri="{FF2B5EF4-FFF2-40B4-BE49-F238E27FC236}">
+                    <a16:creationId xmlns:a16="http://schemas.microsoft.com/office/drawing/2014/main" id="{08D82D26-9843-D55A-DF2B-EE11936D202A}"/>
+                  </a:ext>
+                </a:extLst>
+              </p:cNvPr>
+              <p:cNvSpPr txBox="1">
+                <a:spLocks noRot="1" noChangeAspect="1" noMove="1" noResize="1" noEditPoints="1" noAdjustHandles="1" noChangeArrowheads="1" noChangeShapeType="1" noTextEdit="1"/>
+              </p:cNvSpPr>
+              <p:nvPr/>
+            </p:nvSpPr>
+            <p:spPr>
+              <a:xfrm>
+                <a:off x="839416" y="3805242"/>
+                <a:ext cx="2434513" cy="741100"/>
+              </a:xfrm>
+              <a:prstGeom prst="rect">
+                <a:avLst/>
+              </a:prstGeom>
+              <a:blipFill>
+                <a:blip r:embed="rId3"/>
+                <a:stretch>
+                  <a:fillRect/>
+                </a:stretch>
+              </a:blipFill>
+            </p:spPr>
+            <p:txBody>
+              <a:bodyPr/>
+              <a:lstStyle/>
+              <a:p>
+                <a:r>
+                  <a:rPr lang="ja-JP" altLang="en-US">
+                    <a:noFill/>
+                  </a:rPr>
+                  <a:t> </a:t>
+                </a:r>
+              </a:p>
+            </p:txBody>
+          </p:sp>
+        </mc:Fallback>
+      </mc:AlternateContent>
+      <mc:AlternateContent xmlns:mc="http://schemas.openxmlformats.org/markup-compatibility/2006">
+        <mc:Choice xmlns:a14="http://schemas.microsoft.com/office/drawing/2010/main" Requires="a14">
+          <p:sp>
+            <p:nvSpPr>
+              <p:cNvPr id="19" name="テキスト ボックス 18">
+                <a:extLst>
+                  <a:ext uri="{FF2B5EF4-FFF2-40B4-BE49-F238E27FC236}">
+                    <a16:creationId xmlns:a16="http://schemas.microsoft.com/office/drawing/2014/main" id="{28F33C02-F08E-9E51-E568-BF789381C856}"/>
+                  </a:ext>
+                </a:extLst>
+              </p:cNvPr>
+              <p:cNvSpPr txBox="1"/>
+              <p:nvPr/>
+            </p:nvSpPr>
+            <p:spPr>
+              <a:xfrm>
+                <a:off x="5663952" y="1880828"/>
+                <a:ext cx="2245423" cy="968727"/>
+              </a:xfrm>
+              <a:prstGeom prst="rect">
+                <a:avLst/>
+              </a:prstGeom>
+              <a:noFill/>
+            </p:spPr>
+            <p:txBody>
+              <a:bodyPr wrap="none" lIns="0" tIns="0" rIns="0" bIns="0" rtlCol="0">
+                <a:spAutoFit/>
+              </a:bodyPr>
+              <a:lstStyle/>
+              <a:p>
+                <a14:m>
+                  <m:oMathPara xmlns:m="http://schemas.openxmlformats.org/officeDocument/2006/math">
+                    <m:oMathParaPr>
+                      <m:jc m:val="centerGroup"/>
+                    </m:oMathParaPr>
+                    <m:oMath xmlns:m="http://schemas.openxmlformats.org/officeDocument/2006/math">
+                      <m:r>
+                        <a:rPr kumimoji="1" lang="en-US" altLang="ja-JP" sz="2400" b="0" i="1" smtClean="0">
+                          <a:latin typeface="Cambria Math" panose="02040503050406030204" pitchFamily="18" charset="0"/>
+                        </a:rPr>
+                        <m:t>𝑈</m:t>
+                      </m:r>
+                      <m:r>
+                        <a:rPr kumimoji="1" lang="en-US" altLang="ja-JP" sz="2400" b="0" i="1" smtClean="0">
+                          <a:latin typeface="Cambria Math" panose="02040503050406030204" pitchFamily="18" charset="0"/>
+                        </a:rPr>
+                        <m:t>=−</m:t>
+                      </m:r>
+                      <m:nary>
+                        <m:naryPr>
+                          <m:limLoc m:val="undOvr"/>
+                          <m:subHide m:val="on"/>
+                          <m:supHide m:val="on"/>
+                          <m:ctrlPr>
+                            <a:rPr kumimoji="1" lang="en-US" altLang="ja-JP" sz="2400" b="0" i="1" smtClean="0">
+                              <a:latin typeface="Cambria Math" panose="02040503050406030204" pitchFamily="18" charset="0"/>
+                            </a:rPr>
+                          </m:ctrlPr>
+                        </m:naryPr>
+                        <m:sub/>
+                        <m:sup/>
+                        <m:e>
+                          <m:r>
+                            <a:rPr kumimoji="1" lang="en-US" altLang="ja-JP" sz="2400" b="0" i="1" smtClean="0">
+                              <a:latin typeface="Cambria Math" panose="02040503050406030204" pitchFamily="18" charset="0"/>
+                            </a:rPr>
+                            <m:t>𝐹</m:t>
+                          </m:r>
+                          <m:d>
+                            <m:dPr>
+                              <m:ctrlPr>
+                                <a:rPr kumimoji="1" lang="en-US" altLang="ja-JP" sz="2400" b="0" i="1" smtClean="0">
+                                  <a:latin typeface="Cambria Math" panose="02040503050406030204" pitchFamily="18" charset="0"/>
+                                </a:rPr>
+                              </m:ctrlPr>
+                            </m:dPr>
+                            <m:e>
+                              <m:r>
+                                <a:rPr kumimoji="1" lang="en-US" altLang="ja-JP" sz="2400" b="0" i="1" smtClean="0">
+                                  <a:latin typeface="Cambria Math" panose="02040503050406030204" pitchFamily="18" charset="0"/>
+                                </a:rPr>
+                                <m:t>𝑥</m:t>
+                              </m:r>
+                            </m:e>
+                          </m:d>
+                          <m:r>
+                            <a:rPr kumimoji="1" lang="en-US" altLang="ja-JP" sz="2400" b="0" i="1" smtClean="0">
+                              <a:latin typeface="Cambria Math" panose="02040503050406030204" pitchFamily="18" charset="0"/>
+                            </a:rPr>
+                            <m:t>𝑑𝑥</m:t>
+                          </m:r>
+                        </m:e>
+                      </m:nary>
+                    </m:oMath>
+                  </m:oMathPara>
+                </a14:m>
+                <a:endParaRPr kumimoji="1" lang="ja-JP" altLang="en-US" sz="2400"/>
+              </a:p>
+            </p:txBody>
+          </p:sp>
+        </mc:Choice>
+        <mc:Fallback>
+          <p:sp>
+            <p:nvSpPr>
+              <p:cNvPr id="19" name="テキスト ボックス 18">
+                <a:extLst>
+                  <a:ext uri="{FF2B5EF4-FFF2-40B4-BE49-F238E27FC236}">
+                    <a16:creationId xmlns:a16="http://schemas.microsoft.com/office/drawing/2014/main" id="{28F33C02-F08E-9E51-E568-BF789381C856}"/>
+                  </a:ext>
+                </a:extLst>
+              </p:cNvPr>
+              <p:cNvSpPr txBox="1">
+                <a:spLocks noRot="1" noChangeAspect="1" noMove="1" noResize="1" noEditPoints="1" noAdjustHandles="1" noChangeArrowheads="1" noChangeShapeType="1" noTextEdit="1"/>
+              </p:cNvSpPr>
+              <p:nvPr/>
+            </p:nvSpPr>
+            <p:spPr>
+              <a:xfrm>
+                <a:off x="5663952" y="1880828"/>
+                <a:ext cx="2245423" cy="968727"/>
+              </a:xfrm>
+              <a:prstGeom prst="rect">
+                <a:avLst/>
+              </a:prstGeom>
+              <a:blipFill>
+                <a:blip r:embed="rId4"/>
+                <a:stretch>
+                  <a:fillRect/>
+                </a:stretch>
+              </a:blipFill>
+            </p:spPr>
+            <p:txBody>
+              <a:bodyPr/>
+              <a:lstStyle/>
+              <a:p>
+                <a:r>
+                  <a:rPr lang="ja-JP" altLang="en-US">
+                    <a:noFill/>
+                  </a:rPr>
+                  <a:t> </a:t>
+                </a:r>
+              </a:p>
+            </p:txBody>
+          </p:sp>
+        </mc:Fallback>
+      </mc:AlternateContent>
+      <p:sp>
+        <p:nvSpPr>
+          <p:cNvPr id="20" name="テキスト ボックス 19">
+            <a:extLst>
+              <a:ext uri="{FF2B5EF4-FFF2-40B4-BE49-F238E27FC236}">
+                <a16:creationId xmlns:a16="http://schemas.microsoft.com/office/drawing/2014/main" id="{4EEEC8EA-679C-F61E-6A6F-C1D35EEB2314}"/>
+              </a:ext>
+            </a:extLst>
+          </p:cNvPr>
+          <p:cNvSpPr txBox="1"/>
+          <p:nvPr/>
+        </p:nvSpPr>
+        <p:spPr>
+          <a:xfrm>
+            <a:off x="1847528" y="1268760"/>
+            <a:ext cx="1338828" cy="369332"/>
+          </a:xfrm>
+          <a:prstGeom prst="rect">
+            <a:avLst/>
+          </a:prstGeom>
+          <a:noFill/>
+        </p:spPr>
+        <p:txBody>
+          <a:bodyPr wrap="none" rtlCol="0">
+            <a:spAutoFit/>
+          </a:bodyPr>
+          <a:lstStyle/>
+          <a:p>
+            <a:r>
+              <a:rPr kumimoji="1" lang="ja-JP" altLang="en-US"/>
+              <a:t>運動方程式</a:t>
+            </a:r>
+          </a:p>
+        </p:txBody>
+      </p:sp>
+      <p:sp>
+        <p:nvSpPr>
+          <p:cNvPr id="21" name="テキスト ボックス 20">
+            <a:extLst>
+              <a:ext uri="{FF2B5EF4-FFF2-40B4-BE49-F238E27FC236}">
+                <a16:creationId xmlns:a16="http://schemas.microsoft.com/office/drawing/2014/main" id="{68A18ACA-719E-3EE6-F085-DFC5544D16AB}"/>
+              </a:ext>
+            </a:extLst>
+          </p:cNvPr>
+          <p:cNvSpPr txBox="1"/>
+          <p:nvPr/>
+        </p:nvSpPr>
+        <p:spPr>
+          <a:xfrm>
+            <a:off x="3431704" y="1052736"/>
+            <a:ext cx="1107996" cy="646331"/>
+          </a:xfrm>
+          <a:prstGeom prst="rect">
+            <a:avLst/>
+          </a:prstGeom>
+          <a:noFill/>
+        </p:spPr>
+        <p:txBody>
+          <a:bodyPr wrap="none" rtlCol="0">
+            <a:spAutoFit/>
+          </a:bodyPr>
+          <a:lstStyle/>
+          <a:p>
+            <a:r>
+              <a:rPr kumimoji="1" lang="ja-JP" altLang="en-US"/>
+              <a:t>決めたい</a:t>
+            </a:r>
+            <a:endParaRPr kumimoji="1" lang="en-US" altLang="ja-JP"/>
+          </a:p>
+          <a:p>
+            <a:r>
+              <a:rPr kumimoji="1" lang="ja-JP" altLang="en-US"/>
+              <a:t>もの</a:t>
+            </a:r>
+          </a:p>
+        </p:txBody>
+      </p:sp>
+      <mc:AlternateContent xmlns:mc="http://schemas.openxmlformats.org/markup-compatibility/2006">
+        <mc:Choice xmlns:a14="http://schemas.microsoft.com/office/drawing/2010/main" Requires="a14">
+          <p:sp>
+            <p:nvSpPr>
+              <p:cNvPr id="22" name="テキスト ボックス 21">
+                <a:extLst>
+                  <a:ext uri="{FF2B5EF4-FFF2-40B4-BE49-F238E27FC236}">
+                    <a16:creationId xmlns:a16="http://schemas.microsoft.com/office/drawing/2014/main" id="{BCD08053-0E16-292C-5778-2E19F4767B83}"/>
+                  </a:ext>
+                </a:extLst>
+              </p:cNvPr>
+              <p:cNvSpPr txBox="1"/>
+              <p:nvPr/>
+            </p:nvSpPr>
+            <p:spPr>
+              <a:xfrm>
+                <a:off x="3864836" y="2180525"/>
+                <a:ext cx="241733" cy="369332"/>
+              </a:xfrm>
+              <a:prstGeom prst="rect">
+                <a:avLst/>
+              </a:prstGeom>
+              <a:noFill/>
+            </p:spPr>
+            <p:txBody>
+              <a:bodyPr wrap="none" lIns="0" tIns="0" rIns="0" bIns="0" rtlCol="0">
+                <a:spAutoFit/>
+              </a:bodyPr>
+              <a:lstStyle/>
+              <a:p>
+                <a14:m>
+                  <m:oMathPara xmlns:m="http://schemas.openxmlformats.org/officeDocument/2006/math">
+                    <m:oMathParaPr>
+                      <m:jc m:val="centerGroup"/>
+                    </m:oMathParaPr>
+                    <m:oMath xmlns:m="http://schemas.openxmlformats.org/officeDocument/2006/math">
+                      <m:r>
+                        <a:rPr kumimoji="1" lang="en-US" altLang="ja-JP" sz="2400" b="0" i="1" smtClean="0">
+                          <a:latin typeface="Cambria Math" panose="02040503050406030204" pitchFamily="18" charset="0"/>
+                        </a:rPr>
+                        <m:t>𝑥</m:t>
+                      </m:r>
+                    </m:oMath>
+                  </m:oMathPara>
+                </a14:m>
+                <a:endParaRPr kumimoji="1" lang="ja-JP" altLang="en-US" sz="2400"/>
+              </a:p>
+            </p:txBody>
+          </p:sp>
+        </mc:Choice>
+        <mc:Fallback>
+          <p:sp>
+            <p:nvSpPr>
+              <p:cNvPr id="22" name="テキスト ボックス 21">
+                <a:extLst>
+                  <a:ext uri="{FF2B5EF4-FFF2-40B4-BE49-F238E27FC236}">
+                    <a16:creationId xmlns:a16="http://schemas.microsoft.com/office/drawing/2014/main" id="{BCD08053-0E16-292C-5778-2E19F4767B83}"/>
+                  </a:ext>
+                </a:extLst>
+              </p:cNvPr>
+              <p:cNvSpPr txBox="1">
+                <a:spLocks noRot="1" noChangeAspect="1" noMove="1" noResize="1" noEditPoints="1" noAdjustHandles="1" noChangeArrowheads="1" noChangeShapeType="1" noTextEdit="1"/>
+              </p:cNvSpPr>
+              <p:nvPr/>
+            </p:nvSpPr>
+            <p:spPr>
+              <a:xfrm>
+                <a:off x="3864836" y="2180525"/>
+                <a:ext cx="241733" cy="369332"/>
+              </a:xfrm>
+              <a:prstGeom prst="rect">
+                <a:avLst/>
+              </a:prstGeom>
+              <a:blipFill>
+                <a:blip r:embed="rId5"/>
+                <a:stretch>
+                  <a:fillRect l="-17500" r="-12500"/>
+                </a:stretch>
+              </a:blipFill>
+            </p:spPr>
+            <p:txBody>
+              <a:bodyPr/>
+              <a:lstStyle/>
+              <a:p>
+                <a:r>
+                  <a:rPr lang="ja-JP" altLang="en-US">
+                    <a:noFill/>
+                  </a:rPr>
+                  <a:t> </a:t>
+                </a:r>
+              </a:p>
+            </p:txBody>
+          </p:sp>
+        </mc:Fallback>
+      </mc:AlternateContent>
+      <mc:AlternateContent xmlns:mc="http://schemas.openxmlformats.org/markup-compatibility/2006">
+        <mc:Choice xmlns:a14="http://schemas.microsoft.com/office/drawing/2010/main" Requires="a14">
+          <p:sp>
+            <p:nvSpPr>
+              <p:cNvPr id="23" name="テキスト ボックス 22">
+                <a:extLst>
+                  <a:ext uri="{FF2B5EF4-FFF2-40B4-BE49-F238E27FC236}">
+                    <a16:creationId xmlns:a16="http://schemas.microsoft.com/office/drawing/2014/main" id="{0A7D180B-EFBD-D4CF-F200-04FB628DEEEB}"/>
+                  </a:ext>
+                </a:extLst>
+              </p:cNvPr>
+              <p:cNvSpPr txBox="1"/>
+              <p:nvPr/>
+            </p:nvSpPr>
+            <p:spPr>
+              <a:xfrm>
+                <a:off x="3671930" y="3991126"/>
+                <a:ext cx="627544" cy="369332"/>
+              </a:xfrm>
+              <a:prstGeom prst="rect">
+                <a:avLst/>
+              </a:prstGeom>
+              <a:noFill/>
+            </p:spPr>
+            <p:txBody>
+              <a:bodyPr wrap="none" lIns="0" tIns="0" rIns="0" bIns="0" rtlCol="0">
+                <a:spAutoFit/>
+              </a:bodyPr>
+              <a:lstStyle/>
+              <a:p>
+                <a14:m>
+                  <m:oMathPara xmlns:m="http://schemas.openxmlformats.org/officeDocument/2006/math">
+                    <m:oMathParaPr>
+                      <m:jc m:val="centerGroup"/>
+                    </m:oMathParaPr>
+                    <m:oMath xmlns:m="http://schemas.openxmlformats.org/officeDocument/2006/math">
+                      <m:r>
+                        <a:rPr kumimoji="1" lang="en-US" altLang="ja-JP" sz="2400" b="0" i="1" smtClean="0">
+                          <a:latin typeface="Cambria Math" panose="02040503050406030204" pitchFamily="18" charset="0"/>
+                        </a:rPr>
+                        <m:t>𝑥</m:t>
+                      </m:r>
+                      <m:r>
+                        <a:rPr kumimoji="1" lang="en-US" altLang="ja-JP" sz="2400" b="0" i="1" smtClean="0">
+                          <a:latin typeface="Cambria Math" panose="02040503050406030204" pitchFamily="18" charset="0"/>
+                        </a:rPr>
+                        <m:t>(</m:t>
+                      </m:r>
+                      <m:r>
+                        <a:rPr kumimoji="1" lang="en-US" altLang="ja-JP" sz="2400" b="0" i="1" smtClean="0">
+                          <a:latin typeface="Cambria Math" panose="02040503050406030204" pitchFamily="18" charset="0"/>
+                        </a:rPr>
+                        <m:t>𝑡</m:t>
+                      </m:r>
+                      <m:r>
+                        <a:rPr kumimoji="1" lang="en-US" altLang="ja-JP" sz="2400" b="0" i="1" smtClean="0">
+                          <a:latin typeface="Cambria Math" panose="02040503050406030204" pitchFamily="18" charset="0"/>
+                        </a:rPr>
+                        <m:t>)</m:t>
+                      </m:r>
+                    </m:oMath>
+                  </m:oMathPara>
+                </a14:m>
+                <a:endParaRPr kumimoji="1" lang="ja-JP" altLang="en-US" sz="2400"/>
+              </a:p>
+            </p:txBody>
+          </p:sp>
+        </mc:Choice>
+        <mc:Fallback>
+          <p:sp>
+            <p:nvSpPr>
+              <p:cNvPr id="23" name="テキスト ボックス 22">
+                <a:extLst>
+                  <a:ext uri="{FF2B5EF4-FFF2-40B4-BE49-F238E27FC236}">
+                    <a16:creationId xmlns:a16="http://schemas.microsoft.com/office/drawing/2014/main" id="{0A7D180B-EFBD-D4CF-F200-04FB628DEEEB}"/>
+                  </a:ext>
+                </a:extLst>
+              </p:cNvPr>
+              <p:cNvSpPr txBox="1">
+                <a:spLocks noRot="1" noChangeAspect="1" noMove="1" noResize="1" noEditPoints="1" noAdjustHandles="1" noChangeArrowheads="1" noChangeShapeType="1" noTextEdit="1"/>
+              </p:cNvSpPr>
+              <p:nvPr/>
+            </p:nvSpPr>
+            <p:spPr>
+              <a:xfrm>
+                <a:off x="3671930" y="3991126"/>
+                <a:ext cx="627544" cy="369332"/>
+              </a:xfrm>
+              <a:prstGeom prst="rect">
+                <a:avLst/>
+              </a:prstGeom>
+              <a:blipFill>
+                <a:blip r:embed="rId6"/>
+                <a:stretch>
+                  <a:fillRect l="-5825" r="-17476" b="-35000"/>
+                </a:stretch>
+              </a:blipFill>
+            </p:spPr>
+            <p:txBody>
+              <a:bodyPr/>
+              <a:lstStyle/>
+              <a:p>
+                <a:r>
+                  <a:rPr lang="ja-JP" altLang="en-US">
+                    <a:noFill/>
+                  </a:rPr>
+                  <a:t> </a:t>
+                </a:r>
+              </a:p>
+            </p:txBody>
+          </p:sp>
+        </mc:Fallback>
+      </mc:AlternateContent>
+      <p:sp>
+        <p:nvSpPr>
+          <p:cNvPr id="24" name="テキスト ボックス 23">
+            <a:extLst>
+              <a:ext uri="{FF2B5EF4-FFF2-40B4-BE49-F238E27FC236}">
+                <a16:creationId xmlns:a16="http://schemas.microsoft.com/office/drawing/2014/main" id="{1900F5A2-B692-017B-BF16-C44C80C3B643}"/>
+              </a:ext>
+            </a:extLst>
+          </p:cNvPr>
+          <p:cNvSpPr txBox="1"/>
+          <p:nvPr/>
+        </p:nvSpPr>
+        <p:spPr>
+          <a:xfrm>
+            <a:off x="4727848" y="1052736"/>
+            <a:ext cx="646331" cy="646331"/>
+          </a:xfrm>
+          <a:prstGeom prst="rect">
+            <a:avLst/>
+          </a:prstGeom>
+          <a:noFill/>
+        </p:spPr>
+        <p:txBody>
+          <a:bodyPr wrap="none" rtlCol="0">
+            <a:spAutoFit/>
+          </a:bodyPr>
+          <a:lstStyle/>
+          <a:p>
+            <a:r>
+              <a:rPr kumimoji="1" lang="ja-JP" altLang="en-US"/>
+              <a:t>積分</a:t>
+            </a:r>
+            <a:endParaRPr kumimoji="1" lang="en-US" altLang="ja-JP"/>
+          </a:p>
+          <a:p>
+            <a:r>
+              <a:rPr kumimoji="1" lang="ja-JP" altLang="en-US"/>
+              <a:t>変数</a:t>
+            </a:r>
+          </a:p>
+        </p:txBody>
+      </p:sp>
+      <mc:AlternateContent xmlns:mc="http://schemas.openxmlformats.org/markup-compatibility/2006">
+        <mc:Choice xmlns:a14="http://schemas.microsoft.com/office/drawing/2010/main" Requires="a14">
+          <p:sp>
+            <p:nvSpPr>
+              <p:cNvPr id="25" name="テキスト ボックス 24">
+                <a:extLst>
+                  <a:ext uri="{FF2B5EF4-FFF2-40B4-BE49-F238E27FC236}">
+                    <a16:creationId xmlns:a16="http://schemas.microsoft.com/office/drawing/2014/main" id="{E0D291DA-FC38-3F11-6D2C-FEE9872635B3}"/>
+                  </a:ext>
+                </a:extLst>
+              </p:cNvPr>
+              <p:cNvSpPr txBox="1"/>
+              <p:nvPr/>
+            </p:nvSpPr>
+            <p:spPr>
+              <a:xfrm>
+                <a:off x="4911898" y="2180525"/>
+                <a:ext cx="241733" cy="369332"/>
+              </a:xfrm>
+              <a:prstGeom prst="rect">
+                <a:avLst/>
+              </a:prstGeom>
+              <a:noFill/>
+            </p:spPr>
+            <p:txBody>
+              <a:bodyPr wrap="none" lIns="0" tIns="0" rIns="0" bIns="0" rtlCol="0">
+                <a:spAutoFit/>
+              </a:bodyPr>
+              <a:lstStyle/>
+              <a:p>
+                <a14:m>
+                  <m:oMathPara xmlns:m="http://schemas.openxmlformats.org/officeDocument/2006/math">
+                    <m:oMathParaPr>
+                      <m:jc m:val="centerGroup"/>
+                    </m:oMathParaPr>
+                    <m:oMath xmlns:m="http://schemas.openxmlformats.org/officeDocument/2006/math">
+                      <m:r>
+                        <a:rPr kumimoji="1" lang="en-US" altLang="ja-JP" sz="2400" b="0" i="1" smtClean="0">
+                          <a:latin typeface="Cambria Math" panose="02040503050406030204" pitchFamily="18" charset="0"/>
+                        </a:rPr>
+                        <m:t>𝑥</m:t>
+                      </m:r>
+                    </m:oMath>
+                  </m:oMathPara>
+                </a14:m>
+                <a:endParaRPr kumimoji="1" lang="ja-JP" altLang="en-US" sz="2400"/>
+              </a:p>
+            </p:txBody>
+          </p:sp>
+        </mc:Choice>
+        <mc:Fallback>
+          <p:sp>
+            <p:nvSpPr>
+              <p:cNvPr id="25" name="テキスト ボックス 24">
+                <a:extLst>
+                  <a:ext uri="{FF2B5EF4-FFF2-40B4-BE49-F238E27FC236}">
+                    <a16:creationId xmlns:a16="http://schemas.microsoft.com/office/drawing/2014/main" id="{E0D291DA-FC38-3F11-6D2C-FEE9872635B3}"/>
+                  </a:ext>
+                </a:extLst>
+              </p:cNvPr>
+              <p:cNvSpPr txBox="1">
+                <a:spLocks noRot="1" noChangeAspect="1" noMove="1" noResize="1" noEditPoints="1" noAdjustHandles="1" noChangeArrowheads="1" noChangeShapeType="1" noTextEdit="1"/>
+              </p:cNvSpPr>
+              <p:nvPr/>
+            </p:nvSpPr>
+            <p:spPr>
+              <a:xfrm>
+                <a:off x="4911898" y="2180525"/>
+                <a:ext cx="241733" cy="369332"/>
+              </a:xfrm>
+              <a:prstGeom prst="rect">
+                <a:avLst/>
+              </a:prstGeom>
+              <a:blipFill>
+                <a:blip r:embed="rId7"/>
+                <a:stretch>
+                  <a:fillRect l="-17949" r="-15385"/>
+                </a:stretch>
+              </a:blipFill>
+            </p:spPr>
+            <p:txBody>
+              <a:bodyPr/>
+              <a:lstStyle/>
+              <a:p>
+                <a:r>
+                  <a:rPr lang="ja-JP" altLang="en-US">
+                    <a:noFill/>
+                  </a:rPr>
+                  <a:t> </a:t>
+                </a:r>
+              </a:p>
+            </p:txBody>
+          </p:sp>
+        </mc:Fallback>
+      </mc:AlternateContent>
+      <mc:AlternateContent xmlns:mc="http://schemas.openxmlformats.org/markup-compatibility/2006">
+        <mc:Choice xmlns:a14="http://schemas.microsoft.com/office/drawing/2010/main" Requires="a14">
+          <p:sp>
+            <p:nvSpPr>
+              <p:cNvPr id="26" name="テキスト ボックス 25">
+                <a:extLst>
+                  <a:ext uri="{FF2B5EF4-FFF2-40B4-BE49-F238E27FC236}">
+                    <a16:creationId xmlns:a16="http://schemas.microsoft.com/office/drawing/2014/main" id="{B01273D8-6B7E-1F57-652B-5924338C2D34}"/>
+                  </a:ext>
+                </a:extLst>
+              </p:cNvPr>
+              <p:cNvSpPr txBox="1"/>
+              <p:nvPr/>
+            </p:nvSpPr>
+            <p:spPr>
+              <a:xfrm>
+                <a:off x="4963378" y="3991126"/>
+                <a:ext cx="198259" cy="369332"/>
+              </a:xfrm>
+              <a:prstGeom prst="rect">
+                <a:avLst/>
+              </a:prstGeom>
+              <a:noFill/>
+            </p:spPr>
+            <p:txBody>
+              <a:bodyPr wrap="none" lIns="0" tIns="0" rIns="0" bIns="0" rtlCol="0">
+                <a:spAutoFit/>
+              </a:bodyPr>
+              <a:lstStyle/>
+              <a:p>
+                <a14:m>
+                  <m:oMathPara xmlns:m="http://schemas.openxmlformats.org/officeDocument/2006/math">
+                    <m:oMathParaPr>
+                      <m:jc m:val="centerGroup"/>
+                    </m:oMathParaPr>
+                    <m:oMath xmlns:m="http://schemas.openxmlformats.org/officeDocument/2006/math">
+                      <m:r>
+                        <a:rPr kumimoji="1" lang="en-US" altLang="ja-JP" sz="2400" b="0" i="1" smtClean="0">
+                          <a:latin typeface="Cambria Math" panose="02040503050406030204" pitchFamily="18" charset="0"/>
+                        </a:rPr>
+                        <m:t>𝑡</m:t>
+                      </m:r>
+                    </m:oMath>
+                  </m:oMathPara>
+                </a14:m>
+                <a:endParaRPr kumimoji="1" lang="ja-JP" altLang="en-US" sz="2400"/>
+              </a:p>
+            </p:txBody>
+          </p:sp>
+        </mc:Choice>
+        <mc:Fallback>
+          <p:sp>
+            <p:nvSpPr>
+              <p:cNvPr id="26" name="テキスト ボックス 25">
+                <a:extLst>
+                  <a:ext uri="{FF2B5EF4-FFF2-40B4-BE49-F238E27FC236}">
+                    <a16:creationId xmlns:a16="http://schemas.microsoft.com/office/drawing/2014/main" id="{B01273D8-6B7E-1F57-652B-5924338C2D34}"/>
+                  </a:ext>
+                </a:extLst>
+              </p:cNvPr>
+              <p:cNvSpPr txBox="1">
+                <a:spLocks noRot="1" noChangeAspect="1" noMove="1" noResize="1" noEditPoints="1" noAdjustHandles="1" noChangeArrowheads="1" noChangeShapeType="1" noTextEdit="1"/>
+              </p:cNvSpPr>
+              <p:nvPr/>
+            </p:nvSpPr>
+            <p:spPr>
+              <a:xfrm>
+                <a:off x="4963378" y="3991126"/>
+                <a:ext cx="198259" cy="369332"/>
+              </a:xfrm>
+              <a:prstGeom prst="rect">
+                <a:avLst/>
+              </a:prstGeom>
+              <a:blipFill>
+                <a:blip r:embed="rId8"/>
+                <a:stretch>
+                  <a:fillRect l="-27273" r="-27273" b="-3333"/>
+                </a:stretch>
+              </a:blipFill>
+            </p:spPr>
+            <p:txBody>
+              <a:bodyPr/>
+              <a:lstStyle/>
+              <a:p>
+                <a:r>
+                  <a:rPr lang="ja-JP" altLang="en-US">
+                    <a:noFill/>
+                  </a:rPr>
+                  <a:t> </a:t>
+                </a:r>
+              </a:p>
+            </p:txBody>
+          </p:sp>
+        </mc:Fallback>
+      </mc:AlternateContent>
+      <mc:AlternateContent xmlns:mc="http://schemas.openxmlformats.org/markup-compatibility/2006">
+        <mc:Choice xmlns:a14="http://schemas.microsoft.com/office/drawing/2010/main" Requires="a14">
+          <p:sp>
+            <p:nvSpPr>
+              <p:cNvPr id="27" name="テキスト ボックス 26">
+                <a:extLst>
+                  <a:ext uri="{FF2B5EF4-FFF2-40B4-BE49-F238E27FC236}">
+                    <a16:creationId xmlns:a16="http://schemas.microsoft.com/office/drawing/2014/main" id="{5B0BB505-88B7-1DFB-6933-627DD4C107D6}"/>
+                  </a:ext>
+                </a:extLst>
+              </p:cNvPr>
+              <p:cNvSpPr txBox="1"/>
+              <p:nvPr/>
+            </p:nvSpPr>
+            <p:spPr>
+              <a:xfrm>
+                <a:off x="5677127" y="3691429"/>
+                <a:ext cx="2130840" cy="968727"/>
+              </a:xfrm>
+              <a:prstGeom prst="rect">
+                <a:avLst/>
+              </a:prstGeom>
+              <a:noFill/>
+            </p:spPr>
+            <p:txBody>
+              <a:bodyPr wrap="none" lIns="0" tIns="0" rIns="0" bIns="0" rtlCol="0">
+                <a:spAutoFit/>
+              </a:bodyPr>
+              <a:lstStyle/>
+              <a:p>
+                <a14:m>
+                  <m:oMathPara xmlns:m="http://schemas.openxmlformats.org/officeDocument/2006/math">
+                    <m:oMathParaPr>
+                      <m:jc m:val="centerGroup"/>
+                    </m:oMathParaPr>
+                    <m:oMath xmlns:m="http://schemas.openxmlformats.org/officeDocument/2006/math">
+                      <m:r>
+                        <a:rPr kumimoji="1" lang="en-US" altLang="ja-JP" sz="2400" b="0" i="1" smtClean="0">
+                          <a:latin typeface="Cambria Math" panose="02040503050406030204" pitchFamily="18" charset="0"/>
+                        </a:rPr>
+                        <m:t>𝐼</m:t>
+                      </m:r>
+                      <m:r>
+                        <a:rPr kumimoji="1" lang="en-US" altLang="ja-JP" sz="2400" b="0" i="1" smtClean="0">
+                          <a:latin typeface="Cambria Math" panose="02040503050406030204" pitchFamily="18" charset="0"/>
+                        </a:rPr>
+                        <m:t>=</m:t>
+                      </m:r>
+                      <m:nary>
+                        <m:naryPr>
+                          <m:limLoc m:val="undOvr"/>
+                          <m:subHide m:val="on"/>
+                          <m:supHide m:val="on"/>
+                          <m:ctrlPr>
+                            <a:rPr kumimoji="1" lang="en-US" altLang="ja-JP" sz="2400" b="0" i="1" smtClean="0">
+                              <a:latin typeface="Cambria Math" panose="02040503050406030204" pitchFamily="18" charset="0"/>
+                            </a:rPr>
+                          </m:ctrlPr>
+                        </m:naryPr>
+                        <m:sub/>
+                        <m:sup/>
+                        <m:e>
+                          <m:r>
+                            <a:rPr kumimoji="1" lang="en-US" altLang="ja-JP" sz="2400" b="0" i="1" smtClean="0">
+                              <a:latin typeface="Cambria Math" panose="02040503050406030204" pitchFamily="18" charset="0"/>
+                            </a:rPr>
+                            <m:t>𝐿</m:t>
+                          </m:r>
+                          <m:d>
+                            <m:dPr>
+                              <m:ctrlPr>
+                                <a:rPr kumimoji="1" lang="en-US" altLang="ja-JP" sz="2400" b="0" i="1" smtClean="0">
+                                  <a:latin typeface="Cambria Math" panose="02040503050406030204" pitchFamily="18" charset="0"/>
+                                </a:rPr>
+                              </m:ctrlPr>
+                            </m:dPr>
+                            <m:e>
+                              <m:r>
+                                <a:rPr kumimoji="1" lang="en-US" altLang="ja-JP" sz="2400" b="0" i="1" smtClean="0">
+                                  <a:latin typeface="Cambria Math" panose="02040503050406030204" pitchFamily="18" charset="0"/>
+                                </a:rPr>
+                                <m:t>𝑥</m:t>
+                              </m:r>
+                              <m:r>
+                                <a:rPr kumimoji="1" lang="en-US" altLang="ja-JP" sz="2400" b="0" i="1" smtClean="0">
+                                  <a:latin typeface="Cambria Math" panose="02040503050406030204" pitchFamily="18" charset="0"/>
+                                </a:rPr>
+                                <m:t>,</m:t>
+                              </m:r>
+                              <m:acc>
+                                <m:accPr>
+                                  <m:chr m:val="̇"/>
+                                  <m:ctrlPr>
+                                    <a:rPr kumimoji="1" lang="en-US" altLang="ja-JP" sz="2400" b="0" i="1" smtClean="0">
+                                      <a:latin typeface="Cambria Math" panose="02040503050406030204" pitchFamily="18" charset="0"/>
+                                    </a:rPr>
+                                  </m:ctrlPr>
+                                </m:accPr>
+                                <m:e>
+                                  <m:r>
+                                    <a:rPr kumimoji="1" lang="en-US" altLang="ja-JP" sz="2400" b="0" i="1" smtClean="0">
+                                      <a:latin typeface="Cambria Math" panose="02040503050406030204" pitchFamily="18" charset="0"/>
+                                    </a:rPr>
+                                    <m:t>𝑥</m:t>
+                                  </m:r>
+                                </m:e>
+                              </m:acc>
+                            </m:e>
+                          </m:d>
+                          <m:r>
+                            <a:rPr kumimoji="1" lang="en-US" altLang="ja-JP" sz="2400" b="0" i="1" smtClean="0">
+                              <a:latin typeface="Cambria Math" panose="02040503050406030204" pitchFamily="18" charset="0"/>
+                            </a:rPr>
+                            <m:t>𝑑𝑥</m:t>
+                          </m:r>
+                        </m:e>
+                      </m:nary>
+                    </m:oMath>
+                  </m:oMathPara>
+                </a14:m>
+                <a:endParaRPr kumimoji="1" lang="ja-JP" altLang="en-US" sz="2400"/>
+              </a:p>
+            </p:txBody>
+          </p:sp>
+        </mc:Choice>
+        <mc:Fallback>
+          <p:sp>
+            <p:nvSpPr>
+              <p:cNvPr id="27" name="テキスト ボックス 26">
+                <a:extLst>
+                  <a:ext uri="{FF2B5EF4-FFF2-40B4-BE49-F238E27FC236}">
+                    <a16:creationId xmlns:a16="http://schemas.microsoft.com/office/drawing/2014/main" id="{5B0BB505-88B7-1DFB-6933-627DD4C107D6}"/>
+                  </a:ext>
+                </a:extLst>
+              </p:cNvPr>
+              <p:cNvSpPr txBox="1">
+                <a:spLocks noRot="1" noChangeAspect="1" noMove="1" noResize="1" noEditPoints="1" noAdjustHandles="1" noChangeArrowheads="1" noChangeShapeType="1" noTextEdit="1"/>
+              </p:cNvSpPr>
+              <p:nvPr/>
+            </p:nvSpPr>
+            <p:spPr>
+              <a:xfrm>
+                <a:off x="5677127" y="3691429"/>
+                <a:ext cx="2130840" cy="968727"/>
+              </a:xfrm>
+              <a:prstGeom prst="rect">
+                <a:avLst/>
+              </a:prstGeom>
+              <a:blipFill>
+                <a:blip r:embed="rId9"/>
+                <a:stretch>
+                  <a:fillRect/>
+                </a:stretch>
+              </a:blipFill>
+            </p:spPr>
+            <p:txBody>
+              <a:bodyPr/>
+              <a:lstStyle/>
+              <a:p>
+                <a:r>
+                  <a:rPr lang="ja-JP" altLang="en-US">
+                    <a:noFill/>
+                  </a:rPr>
+                  <a:t> </a:t>
+                </a:r>
+              </a:p>
+            </p:txBody>
+          </p:sp>
+        </mc:Fallback>
+      </mc:AlternateContent>
+      <p:sp>
+        <p:nvSpPr>
+          <p:cNvPr id="28" name="テキスト ボックス 27">
+            <a:extLst>
+              <a:ext uri="{FF2B5EF4-FFF2-40B4-BE49-F238E27FC236}">
+                <a16:creationId xmlns:a16="http://schemas.microsoft.com/office/drawing/2014/main" id="{61ECA753-A85B-6C81-1EF5-D8F4C5CF37B9}"/>
+              </a:ext>
+            </a:extLst>
+          </p:cNvPr>
+          <p:cNvSpPr txBox="1"/>
+          <p:nvPr/>
+        </p:nvSpPr>
+        <p:spPr>
+          <a:xfrm>
+            <a:off x="6168008" y="1196752"/>
+            <a:ext cx="1107996" cy="369332"/>
+          </a:xfrm>
+          <a:prstGeom prst="rect">
+            <a:avLst/>
+          </a:prstGeom>
+          <a:noFill/>
+        </p:spPr>
+        <p:txBody>
+          <a:bodyPr wrap="none" rtlCol="0">
+            <a:spAutoFit/>
+          </a:bodyPr>
+          <a:lstStyle/>
+          <a:p>
+            <a:r>
+              <a:rPr kumimoji="1" lang="ja-JP" altLang="en-US"/>
+              <a:t>積分表現</a:t>
+            </a:r>
+            <a:endParaRPr kumimoji="1" lang="en-US" altLang="ja-JP"/>
+          </a:p>
+        </p:txBody>
+      </p:sp>
+      <p:sp>
+        <p:nvSpPr>
+          <p:cNvPr id="29" name="テキスト ボックス 28">
+            <a:extLst>
+              <a:ext uri="{FF2B5EF4-FFF2-40B4-BE49-F238E27FC236}">
+                <a16:creationId xmlns:a16="http://schemas.microsoft.com/office/drawing/2014/main" id="{DA60B1A1-24EE-4DE1-225E-15C4EEEC1A7D}"/>
+              </a:ext>
+            </a:extLst>
+          </p:cNvPr>
+          <p:cNvSpPr txBox="1"/>
+          <p:nvPr/>
+        </p:nvSpPr>
+        <p:spPr>
+          <a:xfrm>
+            <a:off x="8544272" y="1196752"/>
+            <a:ext cx="2031325" cy="369332"/>
+          </a:xfrm>
+          <a:prstGeom prst="rect">
+            <a:avLst/>
+          </a:prstGeom>
+          <a:noFill/>
+        </p:spPr>
+        <p:txBody>
+          <a:bodyPr wrap="none" rtlCol="0">
+            <a:spAutoFit/>
+          </a:bodyPr>
+          <a:lstStyle/>
+          <a:p>
+            <a:r>
+              <a:rPr kumimoji="1" lang="ja-JP" altLang="en-US"/>
+              <a:t>変分条件と方程式</a:t>
+            </a:r>
+            <a:endParaRPr kumimoji="1" lang="en-US" altLang="ja-JP"/>
+          </a:p>
+        </p:txBody>
+      </p:sp>
+      <mc:AlternateContent xmlns:mc="http://schemas.openxmlformats.org/markup-compatibility/2006">
+        <mc:Choice xmlns:a14="http://schemas.microsoft.com/office/drawing/2010/main" Requires="a14">
+          <p:sp>
+            <p:nvSpPr>
+              <p:cNvPr id="31" name="テキスト ボックス 30">
+                <a:extLst>
+                  <a:ext uri="{FF2B5EF4-FFF2-40B4-BE49-F238E27FC236}">
+                    <a16:creationId xmlns:a16="http://schemas.microsoft.com/office/drawing/2014/main" id="{D398B2CC-F947-1D77-ED1C-9BDE91D5CB6A}"/>
+                  </a:ext>
+                </a:extLst>
+              </p:cNvPr>
+              <p:cNvSpPr txBox="1"/>
+              <p:nvPr/>
+            </p:nvSpPr>
+            <p:spPr>
+              <a:xfrm>
+                <a:off x="8112224" y="2180525"/>
+                <a:ext cx="1021755" cy="369332"/>
+              </a:xfrm>
+              <a:prstGeom prst="rect">
+                <a:avLst/>
+              </a:prstGeom>
+              <a:noFill/>
+            </p:spPr>
+            <p:txBody>
+              <a:bodyPr wrap="none" lIns="0" tIns="0" rIns="0" bIns="0" rtlCol="0">
+                <a:spAutoFit/>
+              </a:bodyPr>
+              <a:lstStyle/>
+              <a:p>
+                <a14:m>
+                  <m:oMathPara xmlns:m="http://schemas.openxmlformats.org/officeDocument/2006/math">
+                    <m:oMathParaPr>
+                      <m:jc m:val="centerGroup"/>
+                    </m:oMathParaPr>
+                    <m:oMath xmlns:m="http://schemas.openxmlformats.org/officeDocument/2006/math">
+                      <m:r>
+                        <a:rPr kumimoji="1" lang="en-US" altLang="ja-JP" sz="2400" b="0" i="1" smtClean="0">
+                          <a:latin typeface="Cambria Math" panose="02040503050406030204" pitchFamily="18" charset="0"/>
+                        </a:rPr>
+                        <m:t>𝛿</m:t>
+                      </m:r>
+                      <m:r>
+                        <a:rPr kumimoji="1" lang="en-US" altLang="ja-JP" sz="2400" b="0" i="1" smtClean="0">
+                          <a:latin typeface="Cambria Math" panose="02040503050406030204" pitchFamily="18" charset="0"/>
+                        </a:rPr>
+                        <m:t>𝑈</m:t>
+                      </m:r>
+                      <m:r>
+                        <a:rPr kumimoji="1" lang="en-US" altLang="ja-JP" sz="2400" b="0" i="1" smtClean="0">
+                          <a:latin typeface="Cambria Math" panose="02040503050406030204" pitchFamily="18" charset="0"/>
+                        </a:rPr>
+                        <m:t>=0</m:t>
+                      </m:r>
+                    </m:oMath>
+                  </m:oMathPara>
+                </a14:m>
+                <a:endParaRPr kumimoji="1" lang="ja-JP" altLang="en-US" sz="2400"/>
+              </a:p>
+            </p:txBody>
+          </p:sp>
+        </mc:Choice>
+        <mc:Fallback>
+          <p:sp>
+            <p:nvSpPr>
+              <p:cNvPr id="31" name="テキスト ボックス 30">
+                <a:extLst>
+                  <a:ext uri="{FF2B5EF4-FFF2-40B4-BE49-F238E27FC236}">
+                    <a16:creationId xmlns:a16="http://schemas.microsoft.com/office/drawing/2014/main" id="{D398B2CC-F947-1D77-ED1C-9BDE91D5CB6A}"/>
+                  </a:ext>
+                </a:extLst>
+              </p:cNvPr>
+              <p:cNvSpPr txBox="1">
+                <a:spLocks noRot="1" noChangeAspect="1" noMove="1" noResize="1" noEditPoints="1" noAdjustHandles="1" noChangeArrowheads="1" noChangeShapeType="1" noTextEdit="1"/>
+              </p:cNvSpPr>
+              <p:nvPr/>
+            </p:nvSpPr>
+            <p:spPr>
+              <a:xfrm>
+                <a:off x="8112224" y="2180525"/>
+                <a:ext cx="1021755" cy="369332"/>
+              </a:xfrm>
+              <a:prstGeom prst="rect">
+                <a:avLst/>
+              </a:prstGeom>
+              <a:blipFill>
+                <a:blip r:embed="rId10"/>
+                <a:stretch>
+                  <a:fillRect l="-7186" r="-7186" b="-8333"/>
+                </a:stretch>
+              </a:blipFill>
+            </p:spPr>
+            <p:txBody>
+              <a:bodyPr/>
+              <a:lstStyle/>
+              <a:p>
+                <a:r>
+                  <a:rPr lang="ja-JP" altLang="en-US">
+                    <a:noFill/>
+                  </a:rPr>
+                  <a:t> </a:t>
+                </a:r>
+              </a:p>
+            </p:txBody>
+          </p:sp>
+        </mc:Fallback>
+      </mc:AlternateContent>
+      <mc:AlternateContent xmlns:mc="http://schemas.openxmlformats.org/markup-compatibility/2006">
+        <mc:Choice xmlns:a14="http://schemas.microsoft.com/office/drawing/2010/main" Requires="a14">
+          <p:sp>
+            <p:nvSpPr>
+              <p:cNvPr id="32" name="テキスト ボックス 31">
+                <a:extLst>
+                  <a:ext uri="{FF2B5EF4-FFF2-40B4-BE49-F238E27FC236}">
+                    <a16:creationId xmlns:a16="http://schemas.microsoft.com/office/drawing/2014/main" id="{FDE2D5DD-FC75-4497-802A-7676BDBECAEC}"/>
+                  </a:ext>
+                </a:extLst>
+              </p:cNvPr>
+              <p:cNvSpPr txBox="1"/>
+              <p:nvPr/>
+            </p:nvSpPr>
+            <p:spPr>
+              <a:xfrm>
+                <a:off x="8184232" y="3991126"/>
+                <a:ext cx="930896" cy="369332"/>
+              </a:xfrm>
+              <a:prstGeom prst="rect">
+                <a:avLst/>
+              </a:prstGeom>
+              <a:noFill/>
+            </p:spPr>
+            <p:txBody>
+              <a:bodyPr wrap="none" lIns="0" tIns="0" rIns="0" bIns="0" rtlCol="0">
+                <a:spAutoFit/>
+              </a:bodyPr>
+              <a:lstStyle/>
+              <a:p>
+                <a14:m>
+                  <m:oMathPara xmlns:m="http://schemas.openxmlformats.org/officeDocument/2006/math">
+                    <m:oMathParaPr>
+                      <m:jc m:val="centerGroup"/>
+                    </m:oMathParaPr>
+                    <m:oMath xmlns:m="http://schemas.openxmlformats.org/officeDocument/2006/math">
+                      <m:r>
+                        <a:rPr kumimoji="1" lang="en-US" altLang="ja-JP" sz="2400" b="0" i="1" smtClean="0">
+                          <a:latin typeface="Cambria Math" panose="02040503050406030204" pitchFamily="18" charset="0"/>
+                        </a:rPr>
+                        <m:t>𝛿</m:t>
+                      </m:r>
+                      <m:r>
+                        <a:rPr kumimoji="1" lang="en-US" altLang="ja-JP" sz="2400" b="0" i="1" smtClean="0">
+                          <a:latin typeface="Cambria Math" panose="02040503050406030204" pitchFamily="18" charset="0"/>
+                        </a:rPr>
+                        <m:t>𝐼</m:t>
+                      </m:r>
+                      <m:r>
+                        <a:rPr kumimoji="1" lang="en-US" altLang="ja-JP" sz="2400" b="0" i="1" smtClean="0">
+                          <a:latin typeface="Cambria Math" panose="02040503050406030204" pitchFamily="18" charset="0"/>
+                        </a:rPr>
+                        <m:t>=0</m:t>
+                      </m:r>
+                    </m:oMath>
+                  </m:oMathPara>
+                </a14:m>
+                <a:endParaRPr kumimoji="1" lang="ja-JP" altLang="en-US" sz="2400"/>
+              </a:p>
+            </p:txBody>
+          </p:sp>
+        </mc:Choice>
+        <mc:Fallback>
+          <p:sp>
+            <p:nvSpPr>
+              <p:cNvPr id="32" name="テキスト ボックス 31">
+                <a:extLst>
+                  <a:ext uri="{FF2B5EF4-FFF2-40B4-BE49-F238E27FC236}">
+                    <a16:creationId xmlns:a16="http://schemas.microsoft.com/office/drawing/2014/main" id="{FDE2D5DD-FC75-4497-802A-7676BDBECAEC}"/>
+                  </a:ext>
+                </a:extLst>
+              </p:cNvPr>
+              <p:cNvSpPr txBox="1">
+                <a:spLocks noRot="1" noChangeAspect="1" noMove="1" noResize="1" noEditPoints="1" noAdjustHandles="1" noChangeArrowheads="1" noChangeShapeType="1" noTextEdit="1"/>
+              </p:cNvSpPr>
+              <p:nvPr/>
+            </p:nvSpPr>
+            <p:spPr>
+              <a:xfrm>
+                <a:off x="8184232" y="3991126"/>
+                <a:ext cx="930896" cy="369332"/>
+              </a:xfrm>
+              <a:prstGeom prst="rect">
+                <a:avLst/>
+              </a:prstGeom>
+              <a:blipFill>
+                <a:blip r:embed="rId11"/>
+                <a:stretch>
+                  <a:fillRect l="-7895" r="-7895" b="-8333"/>
+                </a:stretch>
+              </a:blipFill>
+            </p:spPr>
+            <p:txBody>
+              <a:bodyPr/>
+              <a:lstStyle/>
+              <a:p>
+                <a:r>
+                  <a:rPr lang="ja-JP" altLang="en-US">
+                    <a:noFill/>
+                  </a:rPr>
+                  <a:t> </a:t>
+                </a:r>
+              </a:p>
+            </p:txBody>
+          </p:sp>
+        </mc:Fallback>
+      </mc:AlternateContent>
+      <mc:AlternateContent xmlns:mc="http://schemas.openxmlformats.org/markup-compatibility/2006">
+        <mc:Choice xmlns:a14="http://schemas.microsoft.com/office/drawing/2010/main" Requires="a14">
+          <p:sp>
+            <p:nvSpPr>
+              <p:cNvPr id="33" name="テキスト ボックス 32">
+                <a:extLst>
+                  <a:ext uri="{FF2B5EF4-FFF2-40B4-BE49-F238E27FC236}">
+                    <a16:creationId xmlns:a16="http://schemas.microsoft.com/office/drawing/2014/main" id="{F6B0CF49-079C-ABE6-D8EC-55EC6AE8A343}"/>
+                  </a:ext>
+                </a:extLst>
+              </p:cNvPr>
+              <p:cNvSpPr txBox="1"/>
+              <p:nvPr/>
+            </p:nvSpPr>
+            <p:spPr>
+              <a:xfrm>
+                <a:off x="10040309" y="2180525"/>
+                <a:ext cx="1360052" cy="369332"/>
+              </a:xfrm>
+              <a:prstGeom prst="rect">
+                <a:avLst/>
+              </a:prstGeom>
+              <a:noFill/>
+            </p:spPr>
+            <p:txBody>
+              <a:bodyPr wrap="none" lIns="0" tIns="0" rIns="0" bIns="0" rtlCol="0">
+                <a:spAutoFit/>
+              </a:bodyPr>
+              <a:lstStyle/>
+              <a:p>
+                <a14:m>
+                  <m:oMathPara xmlns:m="http://schemas.openxmlformats.org/officeDocument/2006/math">
+                    <m:oMathParaPr>
+                      <m:jc m:val="centerGroup"/>
+                    </m:oMathParaPr>
+                    <m:oMath xmlns:m="http://schemas.openxmlformats.org/officeDocument/2006/math">
+                      <m:r>
+                        <a:rPr kumimoji="1" lang="en-US" altLang="ja-JP" sz="2400" b="0" i="1" smtClean="0">
+                          <a:latin typeface="Cambria Math" panose="02040503050406030204" pitchFamily="18" charset="0"/>
+                        </a:rPr>
+                        <m:t>𝑈</m:t>
+                      </m:r>
+                      <m:r>
+                        <a:rPr kumimoji="1" lang="en-US" altLang="ja-JP" sz="2400" b="0" i="1" smtClean="0">
+                          <a:latin typeface="Cambria Math" panose="02040503050406030204" pitchFamily="18" charset="0"/>
+                        </a:rPr>
+                        <m:t>′(</m:t>
+                      </m:r>
+                      <m:r>
+                        <a:rPr kumimoji="1" lang="en-US" altLang="ja-JP" sz="2400" b="0" i="1" smtClean="0">
+                          <a:latin typeface="Cambria Math" panose="02040503050406030204" pitchFamily="18" charset="0"/>
+                        </a:rPr>
+                        <m:t>𝑥</m:t>
+                      </m:r>
+                      <m:r>
+                        <a:rPr kumimoji="1" lang="en-US" altLang="ja-JP" sz="2400" b="0" i="1" smtClean="0">
+                          <a:latin typeface="Cambria Math" panose="02040503050406030204" pitchFamily="18" charset="0"/>
+                        </a:rPr>
+                        <m:t>)=0</m:t>
+                      </m:r>
+                    </m:oMath>
+                  </m:oMathPara>
+                </a14:m>
+                <a:endParaRPr kumimoji="1" lang="ja-JP" altLang="en-US" sz="2400"/>
+              </a:p>
+            </p:txBody>
+          </p:sp>
+        </mc:Choice>
+        <mc:Fallback>
+          <p:sp>
+            <p:nvSpPr>
+              <p:cNvPr id="33" name="テキスト ボックス 32">
+                <a:extLst>
+                  <a:ext uri="{FF2B5EF4-FFF2-40B4-BE49-F238E27FC236}">
+                    <a16:creationId xmlns:a16="http://schemas.microsoft.com/office/drawing/2014/main" id="{F6B0CF49-079C-ABE6-D8EC-55EC6AE8A343}"/>
+                  </a:ext>
+                </a:extLst>
+              </p:cNvPr>
+              <p:cNvSpPr txBox="1">
+                <a:spLocks noRot="1" noChangeAspect="1" noMove="1" noResize="1" noEditPoints="1" noAdjustHandles="1" noChangeArrowheads="1" noChangeShapeType="1" noTextEdit="1"/>
+              </p:cNvSpPr>
+              <p:nvPr/>
+            </p:nvSpPr>
+            <p:spPr>
+              <a:xfrm>
+                <a:off x="10040309" y="2180525"/>
+                <a:ext cx="1360052" cy="369332"/>
+              </a:xfrm>
+              <a:prstGeom prst="rect">
+                <a:avLst/>
+              </a:prstGeom>
+              <a:blipFill>
+                <a:blip r:embed="rId12"/>
+                <a:stretch>
+                  <a:fillRect l="-5381" t="-1667" r="-5381" b="-35000"/>
+                </a:stretch>
+              </a:blipFill>
+            </p:spPr>
+            <p:txBody>
+              <a:bodyPr/>
+              <a:lstStyle/>
+              <a:p>
+                <a:r>
+                  <a:rPr lang="ja-JP" altLang="en-US">
+                    <a:noFill/>
+                  </a:rPr>
+                  <a:t> </a:t>
+                </a:r>
+              </a:p>
+            </p:txBody>
+          </p:sp>
+        </mc:Fallback>
+      </mc:AlternateContent>
+      <mc:AlternateContent xmlns:mc="http://schemas.openxmlformats.org/markup-compatibility/2006">
+        <mc:Choice xmlns:a14="http://schemas.microsoft.com/office/drawing/2010/main" Requires="a14">
+          <p:sp>
+            <p:nvSpPr>
+              <p:cNvPr id="35" name="テキスト ボックス 34">
+                <a:extLst>
+                  <a:ext uri="{FF2B5EF4-FFF2-40B4-BE49-F238E27FC236}">
+                    <a16:creationId xmlns:a16="http://schemas.microsoft.com/office/drawing/2014/main" id="{81BF36E3-9030-72C8-98A0-515097A3592C}"/>
+                  </a:ext>
+                </a:extLst>
+              </p:cNvPr>
+              <p:cNvSpPr txBox="1"/>
+              <p:nvPr/>
+            </p:nvSpPr>
+            <p:spPr>
+              <a:xfrm>
+                <a:off x="9896293" y="3830024"/>
+                <a:ext cx="2032355" cy="691536"/>
+              </a:xfrm>
+              <a:prstGeom prst="rect">
+                <a:avLst/>
+              </a:prstGeom>
+              <a:noFill/>
+            </p:spPr>
+            <p:txBody>
+              <a:bodyPr wrap="square" lIns="0" tIns="0" rIns="0" bIns="0" rtlCol="0">
+                <a:spAutoFit/>
+              </a:bodyPr>
+              <a:lstStyle/>
+              <a:p>
+                <a:pPr/>
+                <a14:m>
+                  <m:oMathPara xmlns:m="http://schemas.openxmlformats.org/officeDocument/2006/math">
+                    <m:oMathParaPr>
+                      <m:jc m:val="centerGroup"/>
+                    </m:oMathParaPr>
+                    <m:oMath xmlns:m="http://schemas.openxmlformats.org/officeDocument/2006/math">
+                      <m:f>
+                        <m:fPr>
+                          <m:ctrlPr>
+                            <a:rPr kumimoji="1" lang="en-US" altLang="ja-JP" sz="2000" b="0" i="1" smtClean="0">
+                              <a:latin typeface="Cambria Math" panose="02040503050406030204" pitchFamily="18" charset="0"/>
+                            </a:rPr>
+                          </m:ctrlPr>
+                        </m:fPr>
+                        <m:num>
+                          <m:r>
+                            <m:rPr>
+                              <m:sty m:val="p"/>
+                            </m:rPr>
+                            <a:rPr kumimoji="1" lang="en-US" altLang="ja-JP" sz="2000" i="1" smtClean="0">
+                              <a:latin typeface="Cambria Math" panose="02040503050406030204" pitchFamily="18" charset="0"/>
+                            </a:rPr>
+                            <m:t>d</m:t>
+                          </m:r>
+                        </m:num>
+                        <m:den>
+                          <m:r>
+                            <a:rPr kumimoji="1" lang="en-US" altLang="ja-JP" sz="2000" b="0" i="1" smtClean="0">
+                              <a:latin typeface="Cambria Math" panose="02040503050406030204" pitchFamily="18" charset="0"/>
+                            </a:rPr>
+                            <m:t>𝑑𝑡</m:t>
+                          </m:r>
+                        </m:den>
+                      </m:f>
+                      <m:d>
+                        <m:dPr>
+                          <m:ctrlPr>
+                            <a:rPr kumimoji="1" lang="en-US" altLang="ja-JP" sz="2000" b="0" i="1" smtClean="0">
+                              <a:latin typeface="Cambria Math" panose="02040503050406030204" pitchFamily="18" charset="0"/>
+                            </a:rPr>
+                          </m:ctrlPr>
+                        </m:dPr>
+                        <m:e>
+                          <m:f>
+                            <m:fPr>
+                              <m:ctrlPr>
+                                <a:rPr kumimoji="1" lang="en-US" altLang="ja-JP" sz="2000" b="0" i="1" smtClean="0">
+                                  <a:latin typeface="Cambria Math" panose="02040503050406030204" pitchFamily="18" charset="0"/>
+                                </a:rPr>
+                              </m:ctrlPr>
+                            </m:fPr>
+                            <m:num>
+                              <m:r>
+                                <a:rPr kumimoji="1" lang="en-US" altLang="ja-JP" sz="2000" b="0" i="1" smtClean="0">
+                                  <a:latin typeface="Cambria Math" panose="02040503050406030204" pitchFamily="18" charset="0"/>
+                                </a:rPr>
+                                <m:t>𝜕</m:t>
+                              </m:r>
+                              <m:r>
+                                <a:rPr kumimoji="1" lang="en-US" altLang="ja-JP" sz="2000" b="0" i="1" smtClean="0">
+                                  <a:latin typeface="Cambria Math" panose="02040503050406030204" pitchFamily="18" charset="0"/>
+                                </a:rPr>
+                                <m:t>𝐿</m:t>
+                              </m:r>
+                            </m:num>
+                            <m:den>
+                              <m:r>
+                                <a:rPr kumimoji="1" lang="en-US" altLang="ja-JP" sz="2000" b="0" i="1" smtClean="0">
+                                  <a:latin typeface="Cambria Math" panose="02040503050406030204" pitchFamily="18" charset="0"/>
+                                </a:rPr>
+                                <m:t>𝜕</m:t>
+                              </m:r>
+                              <m:acc>
+                                <m:accPr>
+                                  <m:chr m:val="̇"/>
+                                  <m:ctrlPr>
+                                    <a:rPr kumimoji="1" lang="en-US" altLang="ja-JP" sz="2000" b="0" i="1" smtClean="0">
+                                      <a:latin typeface="Cambria Math" panose="02040503050406030204" pitchFamily="18" charset="0"/>
+                                    </a:rPr>
+                                  </m:ctrlPr>
+                                </m:accPr>
+                                <m:e>
+                                  <m:r>
+                                    <a:rPr kumimoji="1" lang="en-US" altLang="ja-JP" sz="2000" b="0" i="1" smtClean="0">
+                                      <a:latin typeface="Cambria Math" panose="02040503050406030204" pitchFamily="18" charset="0"/>
+                                    </a:rPr>
+                                    <m:t>𝑥</m:t>
+                                  </m:r>
+                                </m:e>
+                              </m:acc>
+                            </m:den>
+                          </m:f>
+                        </m:e>
+                      </m:d>
+                      <m:r>
+                        <a:rPr kumimoji="1" lang="en-US" altLang="ja-JP" sz="2000" b="0" i="1" smtClean="0">
+                          <a:latin typeface="Cambria Math" panose="02040503050406030204" pitchFamily="18" charset="0"/>
+                        </a:rPr>
+                        <m:t>−</m:t>
+                      </m:r>
+                      <m:f>
+                        <m:fPr>
+                          <m:ctrlPr>
+                            <a:rPr kumimoji="1" lang="en-US" altLang="ja-JP" sz="2000" b="0" i="1" smtClean="0">
+                              <a:latin typeface="Cambria Math" panose="02040503050406030204" pitchFamily="18" charset="0"/>
+                            </a:rPr>
+                          </m:ctrlPr>
+                        </m:fPr>
+                        <m:num>
+                          <m:r>
+                            <a:rPr kumimoji="1" lang="en-US" altLang="ja-JP" sz="2000" b="0" i="1" smtClean="0">
+                              <a:latin typeface="Cambria Math" panose="02040503050406030204" pitchFamily="18" charset="0"/>
+                            </a:rPr>
+                            <m:t>𝜕</m:t>
+                          </m:r>
+                          <m:r>
+                            <a:rPr kumimoji="1" lang="en-US" altLang="ja-JP" sz="2000" b="0" i="1" smtClean="0">
+                              <a:latin typeface="Cambria Math" panose="02040503050406030204" pitchFamily="18" charset="0"/>
+                            </a:rPr>
+                            <m:t>𝐿</m:t>
+                          </m:r>
+                        </m:num>
+                        <m:den>
+                          <m:r>
+                            <a:rPr kumimoji="1" lang="en-US" altLang="ja-JP" sz="2000" b="0" i="1" smtClean="0">
+                              <a:latin typeface="Cambria Math" panose="02040503050406030204" pitchFamily="18" charset="0"/>
+                            </a:rPr>
+                            <m:t>𝜕</m:t>
+                          </m:r>
+                          <m:r>
+                            <a:rPr kumimoji="1" lang="en-US" altLang="ja-JP" sz="2000" b="0" i="1" smtClean="0">
+                              <a:latin typeface="Cambria Math" panose="02040503050406030204" pitchFamily="18" charset="0"/>
+                            </a:rPr>
+                            <m:t>𝑥</m:t>
+                          </m:r>
+                        </m:den>
+                      </m:f>
+                      <m:r>
+                        <a:rPr kumimoji="1" lang="en-US" altLang="ja-JP" sz="2000" b="0" i="1" smtClean="0">
+                          <a:latin typeface="Cambria Math" panose="02040503050406030204" pitchFamily="18" charset="0"/>
+                        </a:rPr>
+                        <m:t>=0</m:t>
+                      </m:r>
+                    </m:oMath>
+                  </m:oMathPara>
+                </a14:m>
+                <a:endParaRPr kumimoji="1" lang="ja-JP" altLang="en-US" sz="2000"/>
+              </a:p>
+            </p:txBody>
+          </p:sp>
+        </mc:Choice>
+        <mc:Fallback>
+          <p:sp>
+            <p:nvSpPr>
+              <p:cNvPr id="35" name="テキスト ボックス 34">
+                <a:extLst>
+                  <a:ext uri="{FF2B5EF4-FFF2-40B4-BE49-F238E27FC236}">
+                    <a16:creationId xmlns:a16="http://schemas.microsoft.com/office/drawing/2014/main" id="{81BF36E3-9030-72C8-98A0-515097A3592C}"/>
+                  </a:ext>
+                </a:extLst>
+              </p:cNvPr>
+              <p:cNvSpPr txBox="1">
+                <a:spLocks noRot="1" noChangeAspect="1" noMove="1" noResize="1" noEditPoints="1" noAdjustHandles="1" noChangeArrowheads="1" noChangeShapeType="1" noTextEdit="1"/>
+              </p:cNvSpPr>
+              <p:nvPr/>
+            </p:nvSpPr>
+            <p:spPr>
+              <a:xfrm>
+                <a:off x="9896293" y="3830024"/>
+                <a:ext cx="2032355" cy="691536"/>
+              </a:xfrm>
+              <a:prstGeom prst="rect">
+                <a:avLst/>
+              </a:prstGeom>
+              <a:blipFill>
+                <a:blip r:embed="rId13"/>
+                <a:stretch>
+                  <a:fillRect/>
+                </a:stretch>
+              </a:blipFill>
+            </p:spPr>
+            <p:txBody>
+              <a:bodyPr/>
+              <a:lstStyle/>
+              <a:p>
+                <a:r>
+                  <a:rPr lang="ja-JP" altLang="en-US">
+                    <a:noFill/>
+                  </a:rPr>
+                  <a:t> </a:t>
+                </a:r>
+              </a:p>
+            </p:txBody>
+          </p:sp>
+        </mc:Fallback>
+      </mc:AlternateContent>
+      <p:sp>
+        <p:nvSpPr>
+          <p:cNvPr id="37" name="矢印: 右 36">
+            <a:extLst>
+              <a:ext uri="{FF2B5EF4-FFF2-40B4-BE49-F238E27FC236}">
+                <a16:creationId xmlns:a16="http://schemas.microsoft.com/office/drawing/2014/main" id="{00FE2F0C-25AD-9A5D-AB55-50F7EB7C7F64}"/>
+              </a:ext>
+            </a:extLst>
+          </p:cNvPr>
+          <p:cNvSpPr/>
+          <p:nvPr/>
+        </p:nvSpPr>
+        <p:spPr>
+          <a:xfrm>
+            <a:off x="9264352" y="2185171"/>
+            <a:ext cx="448179" cy="360040"/>
+          </a:xfrm>
+          <a:prstGeom prst="rightArrow">
+            <a:avLst/>
+          </a:prstGeom>
+          <a:solidFill>
+            <a:srgbClr val="FF0000"/>
+          </a:solidFill>
+          <a:ln>
+            <a:solidFill>
+              <a:schemeClr val="tx1"/>
+            </a:solidFill>
+          </a:ln>
+        </p:spPr>
+        <p:style>
+          <a:lnRef idx="2">
+            <a:schemeClr val="accent1">
+              <a:shade val="50000"/>
+            </a:schemeClr>
+          </a:lnRef>
+          <a:fillRef idx="1">
+            <a:schemeClr val="accent1"/>
+          </a:fillRef>
+          <a:effectRef idx="0">
+            <a:schemeClr val="accent1"/>
+          </a:effectRef>
+          <a:fontRef idx="minor">
+            <a:schemeClr val="lt1"/>
+          </a:fontRef>
+        </p:style>
+        <p:txBody>
+          <a:bodyPr rtlCol="0" anchor="ctr"/>
+          <a:lstStyle/>
+          <a:p>
+            <a:pPr algn="ctr"/>
+            <a:endParaRPr kumimoji="1" lang="ja-JP" altLang="en-US"/>
+          </a:p>
+        </p:txBody>
+      </p:sp>
+      <p:sp>
+        <p:nvSpPr>
+          <p:cNvPr id="38" name="矢印: 右 37">
+            <a:extLst>
+              <a:ext uri="{FF2B5EF4-FFF2-40B4-BE49-F238E27FC236}">
+                <a16:creationId xmlns:a16="http://schemas.microsoft.com/office/drawing/2014/main" id="{D05F8572-EC91-22AF-7907-38C4584179EC}"/>
+              </a:ext>
+            </a:extLst>
+          </p:cNvPr>
+          <p:cNvSpPr/>
+          <p:nvPr/>
+        </p:nvSpPr>
+        <p:spPr>
+          <a:xfrm>
+            <a:off x="9264352" y="3995772"/>
+            <a:ext cx="448179" cy="360040"/>
+          </a:xfrm>
+          <a:prstGeom prst="rightArrow">
+            <a:avLst/>
+          </a:prstGeom>
+          <a:solidFill>
+            <a:srgbClr val="FF0000"/>
+          </a:solidFill>
+          <a:ln>
+            <a:solidFill>
+              <a:schemeClr val="tx1"/>
+            </a:solidFill>
+          </a:ln>
+        </p:spPr>
+        <p:style>
+          <a:lnRef idx="2">
+            <a:schemeClr val="accent1">
+              <a:shade val="50000"/>
+            </a:schemeClr>
+          </a:lnRef>
+          <a:fillRef idx="1">
+            <a:schemeClr val="accent1"/>
+          </a:fillRef>
+          <a:effectRef idx="0">
+            <a:schemeClr val="accent1"/>
+          </a:effectRef>
+          <a:fontRef idx="minor">
+            <a:schemeClr val="lt1"/>
+          </a:fontRef>
+        </p:style>
+        <p:txBody>
+          <a:bodyPr rtlCol="0" anchor="ctr"/>
+          <a:lstStyle/>
+          <a:p>
+            <a:pPr algn="ctr"/>
+            <a:endParaRPr kumimoji="1" lang="ja-JP" altLang="en-US"/>
+          </a:p>
+        </p:txBody>
+      </p:sp>
+      <p:sp>
+        <p:nvSpPr>
+          <p:cNvPr id="39" name="四角形: 角を丸くする 38">
+            <a:extLst>
+              <a:ext uri="{FF2B5EF4-FFF2-40B4-BE49-F238E27FC236}">
+                <a16:creationId xmlns:a16="http://schemas.microsoft.com/office/drawing/2014/main" id="{4624D951-CCC2-50C0-9D31-1B72B73EC749}"/>
+              </a:ext>
+            </a:extLst>
+          </p:cNvPr>
+          <p:cNvSpPr/>
+          <p:nvPr/>
+        </p:nvSpPr>
+        <p:spPr>
+          <a:xfrm>
+            <a:off x="623392" y="1861135"/>
+            <a:ext cx="11305256" cy="1008112"/>
+          </a:xfrm>
+          <a:prstGeom prst="roundRect">
+            <a:avLst>
+              <a:gd name="adj" fmla="val 3341"/>
+            </a:avLst>
+          </a:prstGeom>
+          <a:noFill/>
+          <a:ln w="38100">
+            <a:solidFill>
+              <a:srgbClr val="0070C0"/>
+            </a:solidFill>
+            <a:prstDash val="dash"/>
+          </a:ln>
+        </p:spPr>
+        <p:style>
+          <a:lnRef idx="2">
+            <a:schemeClr val="accent1">
+              <a:shade val="50000"/>
+            </a:schemeClr>
+          </a:lnRef>
+          <a:fillRef idx="1">
+            <a:schemeClr val="accent1"/>
+          </a:fillRef>
+          <a:effectRef idx="0">
+            <a:schemeClr val="accent1"/>
+          </a:effectRef>
+          <a:fontRef idx="minor">
+            <a:schemeClr val="lt1"/>
+          </a:fontRef>
+        </p:style>
+        <p:txBody>
+          <a:bodyPr rtlCol="0" anchor="ctr"/>
+          <a:lstStyle/>
+          <a:p>
+            <a:pPr algn="ctr"/>
+            <a:endParaRPr kumimoji="1" lang="ja-JP" altLang="en-US"/>
+          </a:p>
+        </p:txBody>
+      </p:sp>
+      <p:sp>
+        <p:nvSpPr>
+          <p:cNvPr id="40" name="四角形: 角を丸くする 39">
+            <a:extLst>
+              <a:ext uri="{FF2B5EF4-FFF2-40B4-BE49-F238E27FC236}">
+                <a16:creationId xmlns:a16="http://schemas.microsoft.com/office/drawing/2014/main" id="{A7AC223B-0E5C-09BB-A6E0-FF30BFF6DF9D}"/>
+              </a:ext>
+            </a:extLst>
+          </p:cNvPr>
+          <p:cNvSpPr/>
+          <p:nvPr/>
+        </p:nvSpPr>
+        <p:spPr>
+          <a:xfrm>
+            <a:off x="623392" y="3671736"/>
+            <a:ext cx="11305256" cy="1008112"/>
+          </a:xfrm>
+          <a:prstGeom prst="roundRect">
+            <a:avLst>
+              <a:gd name="adj" fmla="val 3341"/>
+            </a:avLst>
+          </a:prstGeom>
+          <a:noFill/>
+          <a:ln w="38100">
+            <a:solidFill>
+              <a:srgbClr val="FF0000"/>
+            </a:solidFill>
+            <a:prstDash val="dash"/>
+          </a:ln>
+        </p:spPr>
+        <p:style>
+          <a:lnRef idx="2">
+            <a:schemeClr val="accent1">
+              <a:shade val="50000"/>
+            </a:schemeClr>
+          </a:lnRef>
+          <a:fillRef idx="1">
+            <a:schemeClr val="accent1"/>
+          </a:fillRef>
+          <a:effectRef idx="0">
+            <a:schemeClr val="accent1"/>
+          </a:effectRef>
+          <a:fontRef idx="minor">
+            <a:schemeClr val="lt1"/>
+          </a:fontRef>
+        </p:style>
+        <p:txBody>
+          <a:bodyPr rtlCol="0" anchor="ctr"/>
+          <a:lstStyle/>
+          <a:p>
+            <a:pPr algn="ctr"/>
+            <a:endParaRPr kumimoji="1" lang="ja-JP" altLang="en-US"/>
+          </a:p>
+        </p:txBody>
+      </p:sp>
+      <p:cxnSp>
+        <p:nvCxnSpPr>
+          <p:cNvPr id="42" name="直線コネクタ 41">
+            <a:extLst>
+              <a:ext uri="{FF2B5EF4-FFF2-40B4-BE49-F238E27FC236}">
+                <a16:creationId xmlns:a16="http://schemas.microsoft.com/office/drawing/2014/main" id="{027920F2-622C-8FBC-FA4E-C58EA2D238B6}"/>
+              </a:ext>
+            </a:extLst>
+          </p:cNvPr>
+          <p:cNvCxnSpPr>
+            <a:cxnSpLocks/>
+          </p:cNvCxnSpPr>
+          <p:nvPr/>
+        </p:nvCxnSpPr>
+        <p:spPr>
+          <a:xfrm>
+            <a:off x="3359696" y="1052736"/>
+            <a:ext cx="0" cy="4176464"/>
+          </a:xfrm>
+          <a:prstGeom prst="line">
+            <a:avLst/>
+          </a:prstGeom>
+          <a:ln>
+            <a:solidFill>
+              <a:schemeClr val="tx1"/>
+            </a:solidFill>
+            <a:prstDash val="dash"/>
+          </a:ln>
+        </p:spPr>
+        <p:style>
+          <a:lnRef idx="1">
+            <a:schemeClr val="accent1"/>
+          </a:lnRef>
+          <a:fillRef idx="0">
+            <a:schemeClr val="accent1"/>
+          </a:fillRef>
+          <a:effectRef idx="0">
+            <a:schemeClr val="accent1"/>
+          </a:effectRef>
+          <a:fontRef idx="minor">
+            <a:schemeClr val="tx1"/>
+          </a:fontRef>
+        </p:style>
+      </p:cxnSp>
+      <p:cxnSp>
+        <p:nvCxnSpPr>
+          <p:cNvPr id="44" name="直線コネクタ 43">
+            <a:extLst>
+              <a:ext uri="{FF2B5EF4-FFF2-40B4-BE49-F238E27FC236}">
+                <a16:creationId xmlns:a16="http://schemas.microsoft.com/office/drawing/2014/main" id="{7181060B-868D-D09F-16B2-5B5FCE7CA209}"/>
+              </a:ext>
+            </a:extLst>
+          </p:cNvPr>
+          <p:cNvCxnSpPr>
+            <a:cxnSpLocks/>
+          </p:cNvCxnSpPr>
+          <p:nvPr/>
+        </p:nvCxnSpPr>
+        <p:spPr>
+          <a:xfrm>
+            <a:off x="4655840" y="1052736"/>
+            <a:ext cx="0" cy="4176464"/>
+          </a:xfrm>
+          <a:prstGeom prst="line">
+            <a:avLst/>
+          </a:prstGeom>
+          <a:ln>
+            <a:solidFill>
+              <a:schemeClr val="tx1"/>
+            </a:solidFill>
+            <a:prstDash val="dash"/>
+          </a:ln>
+        </p:spPr>
+        <p:style>
+          <a:lnRef idx="1">
+            <a:schemeClr val="accent1"/>
+          </a:lnRef>
+          <a:fillRef idx="0">
+            <a:schemeClr val="accent1"/>
+          </a:fillRef>
+          <a:effectRef idx="0">
+            <a:schemeClr val="accent1"/>
+          </a:effectRef>
+          <a:fontRef idx="minor">
+            <a:schemeClr val="tx1"/>
+          </a:fontRef>
+        </p:style>
+      </p:cxnSp>
+      <p:cxnSp>
+        <p:nvCxnSpPr>
+          <p:cNvPr id="45" name="直線コネクタ 44">
+            <a:extLst>
+              <a:ext uri="{FF2B5EF4-FFF2-40B4-BE49-F238E27FC236}">
+                <a16:creationId xmlns:a16="http://schemas.microsoft.com/office/drawing/2014/main" id="{5EF93F91-900C-675E-9552-5F3C344A6C94}"/>
+              </a:ext>
+            </a:extLst>
+          </p:cNvPr>
+          <p:cNvCxnSpPr>
+            <a:cxnSpLocks/>
+          </p:cNvCxnSpPr>
+          <p:nvPr/>
+        </p:nvCxnSpPr>
+        <p:spPr>
+          <a:xfrm>
+            <a:off x="5375920" y="1052736"/>
+            <a:ext cx="0" cy="4176464"/>
+          </a:xfrm>
+          <a:prstGeom prst="line">
+            <a:avLst/>
+          </a:prstGeom>
+          <a:ln>
+            <a:solidFill>
+              <a:schemeClr val="tx1"/>
+            </a:solidFill>
+            <a:prstDash val="dash"/>
+          </a:ln>
+        </p:spPr>
+        <p:style>
+          <a:lnRef idx="1">
+            <a:schemeClr val="accent1"/>
+          </a:lnRef>
+          <a:fillRef idx="0">
+            <a:schemeClr val="accent1"/>
+          </a:fillRef>
+          <a:effectRef idx="0">
+            <a:schemeClr val="accent1"/>
+          </a:effectRef>
+          <a:fontRef idx="minor">
+            <a:schemeClr val="tx1"/>
+          </a:fontRef>
+        </p:style>
+      </p:cxnSp>
+      <p:cxnSp>
+        <p:nvCxnSpPr>
+          <p:cNvPr id="46" name="直線コネクタ 45">
+            <a:extLst>
+              <a:ext uri="{FF2B5EF4-FFF2-40B4-BE49-F238E27FC236}">
+                <a16:creationId xmlns:a16="http://schemas.microsoft.com/office/drawing/2014/main" id="{CC7A6527-0F00-BE59-04EA-EA8BE8C24AE1}"/>
+              </a:ext>
+            </a:extLst>
+          </p:cNvPr>
+          <p:cNvCxnSpPr>
+            <a:cxnSpLocks/>
+          </p:cNvCxnSpPr>
+          <p:nvPr/>
+        </p:nvCxnSpPr>
+        <p:spPr>
+          <a:xfrm>
+            <a:off x="7968208" y="1052736"/>
+            <a:ext cx="0" cy="4176464"/>
+          </a:xfrm>
+          <a:prstGeom prst="line">
+            <a:avLst/>
+          </a:prstGeom>
+          <a:ln>
+            <a:solidFill>
+              <a:schemeClr val="tx1"/>
+            </a:solidFill>
+            <a:prstDash val="dash"/>
+          </a:ln>
+        </p:spPr>
+        <p:style>
+          <a:lnRef idx="1">
+            <a:schemeClr val="accent1"/>
+          </a:lnRef>
+          <a:fillRef idx="0">
+            <a:schemeClr val="accent1"/>
+          </a:fillRef>
+          <a:effectRef idx="0">
+            <a:schemeClr val="accent1"/>
+          </a:effectRef>
+          <a:fontRef idx="minor">
+            <a:schemeClr val="tx1"/>
+          </a:fontRef>
+        </p:style>
+      </p:cxnSp>
+    </p:spTree>
+    <p:extLst>
+      <p:ext uri="{BB962C8B-B14F-4D97-AF65-F5344CB8AC3E}">
+        <p14:creationId xmlns:p14="http://schemas.microsoft.com/office/powerpoint/2010/main" val="1555480638"/>
+      </p:ext>
+    </p:extLst>
+  </p:cSld>
+  <p:clrMapOvr>
+    <a:masterClrMapping/>
+  </p:clrMapOvr>
+</p:sld>
+</file>
+
 <file path=ppt/theme/theme1.xml><?xml version="1.0" encoding="utf-8"?>
 <a:theme xmlns:a="http://schemas.openxmlformats.org/drawingml/2006/main" name="Office テーマ">
   <a:themeElements>

--- a/preface/fig/fig.pptx
+++ b/preface/fig/fig.pptx
@@ -5346,8 +5346,8 @@
           <a:chExt cx="0" cy="0"/>
         </a:xfrm>
       </p:grpSpPr>
-      <mc:AlternateContent xmlns:mc="http://schemas.openxmlformats.org/markup-compatibility/2006">
-        <mc:Choice xmlns:a14="http://schemas.microsoft.com/office/drawing/2010/main" Requires="a14">
+      <mc:AlternateContent xmlns:mc="http://schemas.openxmlformats.org/markup-compatibility/2006" xmlns:a14="http://schemas.microsoft.com/office/drawing/2010/main">
+        <mc:Choice Requires="a14">
           <p:sp>
             <p:nvSpPr>
               <p:cNvPr id="15" name="テキスト ボックス 14">
@@ -5376,6 +5376,7 @@
               </a:bodyPr>
               <a:lstStyle/>
               <a:p>
+                <a:pPr/>
                 <a14:m>
                   <m:oMathPara xmlns:m="http://schemas.openxmlformats.org/officeDocument/2006/math">
                     <m:oMathParaPr>
@@ -5419,7 +5420,7 @@
             </p:txBody>
           </p:sp>
         </mc:Choice>
-        <mc:Fallback>
+        <mc:Fallback xmlns="">
           <p:sp>
             <p:nvSpPr>
               <p:cNvPr id="15" name="テキスト ボックス 14">
@@ -5542,8 +5543,8 @@
           </a:p>
         </p:txBody>
       </p:sp>
-      <mc:AlternateContent xmlns:mc="http://schemas.openxmlformats.org/markup-compatibility/2006">
-        <mc:Choice xmlns:a14="http://schemas.microsoft.com/office/drawing/2010/main" Requires="a14">
+      <mc:AlternateContent xmlns:mc="http://schemas.openxmlformats.org/markup-compatibility/2006" xmlns:a14="http://schemas.microsoft.com/office/drawing/2010/main">
+        <mc:Choice Requires="a14">
           <p:sp>
             <p:nvSpPr>
               <p:cNvPr id="18" name="テキスト ボックス 17">
@@ -5572,6 +5573,7 @@
               </a:bodyPr>
               <a:lstStyle/>
               <a:p>
+                <a:pPr/>
                 <a14:m>
                   <m:oMathPara xmlns:m="http://schemas.openxmlformats.org/officeDocument/2006/math">
                     <m:oMathParaPr>
@@ -5705,7 +5707,7 @@
             </p:txBody>
           </p:sp>
         </mc:Choice>
-        <mc:Fallback>
+        <mc:Fallback xmlns="">
           <p:sp>
             <p:nvSpPr>
               <p:cNvPr id="18" name="テキスト ボックス 17">
@@ -5750,8 +5752,8 @@
           </p:sp>
         </mc:Fallback>
       </mc:AlternateContent>
-      <mc:AlternateContent xmlns:mc="http://schemas.openxmlformats.org/markup-compatibility/2006">
-        <mc:Choice xmlns:a14="http://schemas.microsoft.com/office/drawing/2010/main" Requires="a14">
+      <mc:AlternateContent xmlns:mc="http://schemas.openxmlformats.org/markup-compatibility/2006" xmlns:a14="http://schemas.microsoft.com/office/drawing/2010/main">
+        <mc:Choice Requires="a14">
           <p:sp>
             <p:nvSpPr>
               <p:cNvPr id="19" name="テキスト ボックス 18">
@@ -5780,6 +5782,7 @@
               </a:bodyPr>
               <a:lstStyle/>
               <a:p>
+                <a:pPr/>
                 <a14:m>
                   <m:oMathPara xmlns:m="http://schemas.openxmlformats.org/officeDocument/2006/math">
                     <m:oMathParaPr>
@@ -5851,7 +5854,7 @@
             </p:txBody>
           </p:sp>
         </mc:Choice>
-        <mc:Fallback>
+        <mc:Fallback xmlns="">
           <p:sp>
             <p:nvSpPr>
               <p:cNvPr id="19" name="テキスト ボックス 18">
@@ -5973,8 +5976,8 @@
           </a:p>
         </p:txBody>
       </p:sp>
-      <mc:AlternateContent xmlns:mc="http://schemas.openxmlformats.org/markup-compatibility/2006">
-        <mc:Choice xmlns:a14="http://schemas.microsoft.com/office/drawing/2010/main" Requires="a14">
+      <mc:AlternateContent xmlns:mc="http://schemas.openxmlformats.org/markup-compatibility/2006" xmlns:a14="http://schemas.microsoft.com/office/drawing/2010/main">
+        <mc:Choice Requires="a14">
           <p:sp>
             <p:nvSpPr>
               <p:cNvPr id="22" name="テキスト ボックス 21">
@@ -6003,6 +6006,7 @@
               </a:bodyPr>
               <a:lstStyle/>
               <a:p>
+                <a:pPr/>
                 <a14:m>
                   <m:oMathPara xmlns:m="http://schemas.openxmlformats.org/officeDocument/2006/math">
                     <m:oMathParaPr>
@@ -6023,7 +6027,7 @@
             </p:txBody>
           </p:sp>
         </mc:Choice>
-        <mc:Fallback>
+        <mc:Fallback xmlns="">
           <p:sp>
             <p:nvSpPr>
               <p:cNvPr id="22" name="テキスト ボックス 21">
@@ -6068,8 +6072,8 @@
           </p:sp>
         </mc:Fallback>
       </mc:AlternateContent>
-      <mc:AlternateContent xmlns:mc="http://schemas.openxmlformats.org/markup-compatibility/2006">
-        <mc:Choice xmlns:a14="http://schemas.microsoft.com/office/drawing/2010/main" Requires="a14">
+      <mc:AlternateContent xmlns:mc="http://schemas.openxmlformats.org/markup-compatibility/2006" xmlns:a14="http://schemas.microsoft.com/office/drawing/2010/main">
+        <mc:Choice Requires="a14">
           <p:sp>
             <p:nvSpPr>
               <p:cNvPr id="23" name="テキスト ボックス 22">
@@ -6098,6 +6102,7 @@
               </a:bodyPr>
               <a:lstStyle/>
               <a:p>
+                <a:pPr/>
                 <a14:m>
                   <m:oMathPara xmlns:m="http://schemas.openxmlformats.org/officeDocument/2006/math">
                     <m:oMathParaPr>
@@ -6136,7 +6141,7 @@
             </p:txBody>
           </p:sp>
         </mc:Choice>
-        <mc:Fallback>
+        <mc:Fallback xmlns="">
           <p:sp>
             <p:nvSpPr>
               <p:cNvPr id="23" name="テキスト ボックス 22">
@@ -6223,8 +6228,8 @@
           </a:p>
         </p:txBody>
       </p:sp>
-      <mc:AlternateContent xmlns:mc="http://schemas.openxmlformats.org/markup-compatibility/2006">
-        <mc:Choice xmlns:a14="http://schemas.microsoft.com/office/drawing/2010/main" Requires="a14">
+      <mc:AlternateContent xmlns:mc="http://schemas.openxmlformats.org/markup-compatibility/2006" xmlns:a14="http://schemas.microsoft.com/office/drawing/2010/main">
+        <mc:Choice Requires="a14">
           <p:sp>
             <p:nvSpPr>
               <p:cNvPr id="25" name="テキスト ボックス 24">
@@ -6253,6 +6258,7 @@
               </a:bodyPr>
               <a:lstStyle/>
               <a:p>
+                <a:pPr/>
                 <a14:m>
                   <m:oMathPara xmlns:m="http://schemas.openxmlformats.org/officeDocument/2006/math">
                     <m:oMathParaPr>
@@ -6273,7 +6279,7 @@
             </p:txBody>
           </p:sp>
         </mc:Choice>
-        <mc:Fallback>
+        <mc:Fallback xmlns="">
           <p:sp>
             <p:nvSpPr>
               <p:cNvPr id="25" name="テキスト ボックス 24">
@@ -6318,8 +6324,8 @@
           </p:sp>
         </mc:Fallback>
       </mc:AlternateContent>
-      <mc:AlternateContent xmlns:mc="http://schemas.openxmlformats.org/markup-compatibility/2006">
-        <mc:Choice xmlns:a14="http://schemas.microsoft.com/office/drawing/2010/main" Requires="a14">
+      <mc:AlternateContent xmlns:mc="http://schemas.openxmlformats.org/markup-compatibility/2006" xmlns:a14="http://schemas.microsoft.com/office/drawing/2010/main">
+        <mc:Choice Requires="a14">
           <p:sp>
             <p:nvSpPr>
               <p:cNvPr id="26" name="テキスト ボックス 25">
@@ -6348,6 +6354,7 @@
               </a:bodyPr>
               <a:lstStyle/>
               <a:p>
+                <a:pPr/>
                 <a14:m>
                   <m:oMathPara xmlns:m="http://schemas.openxmlformats.org/officeDocument/2006/math">
                     <m:oMathParaPr>
@@ -6368,7 +6375,7 @@
             </p:txBody>
           </p:sp>
         </mc:Choice>
-        <mc:Fallback>
+        <mc:Fallback xmlns="">
           <p:sp>
             <p:nvSpPr>
               <p:cNvPr id="26" name="テキスト ボックス 25">
@@ -6430,7 +6437,7 @@
             <p:spPr>
               <a:xfrm>
                 <a:off x="5677127" y="3691429"/>
-                <a:ext cx="2130840" cy="968727"/>
+                <a:ext cx="2087366" cy="968727"/>
               </a:xfrm>
               <a:prstGeom prst="rect">
                 <a:avLst/>
@@ -6443,6 +6450,7 @@
               </a:bodyPr>
               <a:lstStyle/>
               <a:p>
+                <a:pPr/>
                 <a14:m>
                   <m:oMathPara xmlns:m="http://schemas.openxmlformats.org/officeDocument/2006/math">
                     <m:oMathParaPr>
@@ -6526,7 +6534,7 @@
                             <a:rPr kumimoji="1" lang="en-US" altLang="ja-JP" sz="2400" b="0" i="1" smtClean="0">
                               <a:latin typeface="Cambria Math" panose="02040503050406030204" pitchFamily="18" charset="0"/>
                             </a:rPr>
-                            <m:t>𝑑𝑥</m:t>
+                            <m:t>𝑑𝑡</m:t>
                           </m:r>
                         </m:e>
                       </m:nary>
@@ -6556,7 +6564,7 @@
             <p:spPr>
               <a:xfrm>
                 <a:off x="5677127" y="3691429"/>
-                <a:ext cx="2130840" cy="968727"/>
+                <a:ext cx="2087366" cy="968727"/>
               </a:xfrm>
               <a:prstGeom prst="rect">
                 <a:avLst/>
@@ -6655,8 +6663,8 @@
           </a:p>
         </p:txBody>
       </p:sp>
-      <mc:AlternateContent xmlns:mc="http://schemas.openxmlformats.org/markup-compatibility/2006">
-        <mc:Choice xmlns:a14="http://schemas.microsoft.com/office/drawing/2010/main" Requires="a14">
+      <mc:AlternateContent xmlns:mc="http://schemas.openxmlformats.org/markup-compatibility/2006" xmlns:a14="http://schemas.microsoft.com/office/drawing/2010/main">
+        <mc:Choice Requires="a14">
           <p:sp>
             <p:nvSpPr>
               <p:cNvPr id="31" name="テキスト ボックス 30">
@@ -6685,6 +6693,7 @@
               </a:bodyPr>
               <a:lstStyle/>
               <a:p>
+                <a:pPr/>
                 <a14:m>
                   <m:oMathPara xmlns:m="http://schemas.openxmlformats.org/officeDocument/2006/math">
                     <m:oMathParaPr>
@@ -6717,7 +6726,7 @@
             </p:txBody>
           </p:sp>
         </mc:Choice>
-        <mc:Fallback>
+        <mc:Fallback xmlns="">
           <p:sp>
             <p:nvSpPr>
               <p:cNvPr id="31" name="テキスト ボックス 30">
@@ -6762,8 +6771,8 @@
           </p:sp>
         </mc:Fallback>
       </mc:AlternateContent>
-      <mc:AlternateContent xmlns:mc="http://schemas.openxmlformats.org/markup-compatibility/2006">
-        <mc:Choice xmlns:a14="http://schemas.microsoft.com/office/drawing/2010/main" Requires="a14">
+      <mc:AlternateContent xmlns:mc="http://schemas.openxmlformats.org/markup-compatibility/2006" xmlns:a14="http://schemas.microsoft.com/office/drawing/2010/main">
+        <mc:Choice Requires="a14">
           <p:sp>
             <p:nvSpPr>
               <p:cNvPr id="32" name="テキスト ボックス 31">
@@ -6792,6 +6801,7 @@
               </a:bodyPr>
               <a:lstStyle/>
               <a:p>
+                <a:pPr/>
                 <a14:m>
                   <m:oMathPara xmlns:m="http://schemas.openxmlformats.org/officeDocument/2006/math">
                     <m:oMathParaPr>
@@ -6824,7 +6834,7 @@
             </p:txBody>
           </p:sp>
         </mc:Choice>
-        <mc:Fallback>
+        <mc:Fallback xmlns="">
           <p:sp>
             <p:nvSpPr>
               <p:cNvPr id="32" name="テキスト ボックス 31">
@@ -6869,8 +6879,8 @@
           </p:sp>
         </mc:Fallback>
       </mc:AlternateContent>
-      <mc:AlternateContent xmlns:mc="http://schemas.openxmlformats.org/markup-compatibility/2006">
-        <mc:Choice xmlns:a14="http://schemas.microsoft.com/office/drawing/2010/main" Requires="a14">
+      <mc:AlternateContent xmlns:mc="http://schemas.openxmlformats.org/markup-compatibility/2006" xmlns:a14="http://schemas.microsoft.com/office/drawing/2010/main">
+        <mc:Choice Requires="a14">
           <p:sp>
             <p:nvSpPr>
               <p:cNvPr id="33" name="テキスト ボックス 32">
@@ -6899,6 +6909,7 @@
               </a:bodyPr>
               <a:lstStyle/>
               <a:p>
+                <a:pPr/>
                 <a14:m>
                   <m:oMathPara xmlns:m="http://schemas.openxmlformats.org/officeDocument/2006/math">
                     <m:oMathParaPr>
@@ -6937,7 +6948,7 @@
             </p:txBody>
           </p:sp>
         </mc:Choice>
-        <mc:Fallback>
+        <mc:Fallback xmlns="">
           <p:sp>
             <p:nvSpPr>
               <p:cNvPr id="33" name="テキスト ボックス 32">
@@ -6982,8 +6993,8 @@
           </p:sp>
         </mc:Fallback>
       </mc:AlternateContent>
-      <mc:AlternateContent xmlns:mc="http://schemas.openxmlformats.org/markup-compatibility/2006">
-        <mc:Choice xmlns:a14="http://schemas.microsoft.com/office/drawing/2010/main" Requires="a14">
+      <mc:AlternateContent xmlns:mc="http://schemas.openxmlformats.org/markup-compatibility/2006" xmlns:a14="http://schemas.microsoft.com/office/drawing/2010/main">
+        <mc:Choice Requires="a14">
           <p:sp>
             <p:nvSpPr>
               <p:cNvPr id="35" name="テキスト ボックス 34">
@@ -7164,7 +7175,7 @@
             </p:txBody>
           </p:sp>
         </mc:Choice>
-        <mc:Fallback>
+        <mc:Fallback xmlns="">
           <p:sp>
             <p:nvSpPr>
               <p:cNvPr id="35" name="テキスト ボックス 34">

--- a/preface/fig/fig.pptx
+++ b/preface/fig/fig.pptx
@@ -7,6 +7,7 @@
   <p:sldIdLst>
     <p:sldId id="256" r:id="rId2"/>
     <p:sldId id="257" r:id="rId3"/>
+    <p:sldId id="258" r:id="rId4"/>
   </p:sldIdLst>
   <p:sldSz cx="12192000" cy="6858000"/>
   <p:notesSz cx="6858000" cy="9144000"/>
@@ -3801,8 +3802,8 @@
           </a:p>
         </p:txBody>
       </p:sp>
-      <mc:AlternateContent xmlns:mc="http://schemas.openxmlformats.org/markup-compatibility/2006" xmlns:a14="http://schemas.microsoft.com/office/drawing/2010/main">
-        <mc:Choice Requires="a14">
+      <mc:AlternateContent xmlns:mc="http://schemas.openxmlformats.org/markup-compatibility/2006">
+        <mc:Choice xmlns:a14="http://schemas.microsoft.com/office/drawing/2010/main" Requires="a14">
           <p:sp>
             <p:nvSpPr>
               <p:cNvPr id="67" name="テキスト ボックス 66">
@@ -3817,8 +3818,8 @@
             </p:nvSpPr>
             <p:spPr>
               <a:xfrm>
-                <a:off x="2207569" y="5647663"/>
-                <a:ext cx="1073884" cy="589649"/>
+                <a:off x="2207570" y="5805264"/>
+                <a:ext cx="1073884" cy="276999"/>
               </a:xfrm>
               <a:prstGeom prst="rect">
                 <a:avLst/>
@@ -3914,98 +3915,12 @@
                     </m:oMath>
                   </m:oMathPara>
                 </a14:m>
-                <a:endParaRPr kumimoji="1" lang="en-US" altLang="ja-JP" b="0"/>
-              </a:p>
-              <a:p>
-                <a:pPr/>
-                <a14:m>
-                  <m:oMathPara xmlns:m="http://schemas.openxmlformats.org/officeDocument/2006/math">
-                    <m:oMathParaPr>
-                      <m:jc m:val="centerGroup"/>
-                    </m:oMathParaPr>
-                    <m:oMath xmlns:m="http://schemas.openxmlformats.org/officeDocument/2006/math">
-                      <m:d>
-                        <m:dPr>
-                          <m:begChr m:val="["/>
-                          <m:endChr m:val="]"/>
-                          <m:ctrlPr>
-                            <a:rPr kumimoji="1" lang="en-US" altLang="ja-JP" i="1" smtClean="0">
-                              <a:latin typeface="Cambria Math" panose="02040503050406030204" pitchFamily="18" charset="0"/>
-                            </a:rPr>
-                          </m:ctrlPr>
-                        </m:dPr>
-                        <m:e>
-                          <m:acc>
-                            <m:accPr>
-                              <m:chr m:val="̂"/>
-                              <m:ctrlPr>
-                                <a:rPr kumimoji="1" lang="en-US" altLang="ja-JP" b="0" i="1" smtClean="0">
-                                  <a:latin typeface="Cambria Math" panose="02040503050406030204" pitchFamily="18" charset="0"/>
-                                </a:rPr>
-                              </m:ctrlPr>
-                            </m:accPr>
-                            <m:e>
-                              <m:r>
-                                <a:rPr kumimoji="1" lang="en-US" altLang="ja-JP" b="0" i="1" smtClean="0">
-                                  <a:latin typeface="Cambria Math" panose="02040503050406030204" pitchFamily="18" charset="0"/>
-                                </a:rPr>
-                                <m:t>𝐸</m:t>
-                              </m:r>
-                            </m:e>
-                          </m:acc>
-                          <m:r>
-                            <a:rPr kumimoji="1" lang="en-US" altLang="ja-JP" b="0" i="1" smtClean="0">
-                              <a:latin typeface="Cambria Math" panose="02040503050406030204" pitchFamily="18" charset="0"/>
-                            </a:rPr>
-                            <m:t>,</m:t>
-                          </m:r>
-                          <m:acc>
-                            <m:accPr>
-                              <m:chr m:val="̂"/>
-                              <m:ctrlPr>
-                                <a:rPr kumimoji="1" lang="en-US" altLang="ja-JP" b="0" i="1" smtClean="0">
-                                  <a:latin typeface="Cambria Math" panose="02040503050406030204" pitchFamily="18" charset="0"/>
-                                </a:rPr>
-                              </m:ctrlPr>
-                            </m:accPr>
-                            <m:e>
-                              <m:r>
-                                <a:rPr kumimoji="1" lang="en-US" altLang="ja-JP" b="0" i="1" smtClean="0">
-                                  <a:latin typeface="Cambria Math" panose="02040503050406030204" pitchFamily="18" charset="0"/>
-                                </a:rPr>
-                                <m:t>𝑡</m:t>
-                              </m:r>
-                            </m:e>
-                          </m:acc>
-                        </m:e>
-                      </m:d>
-                      <m:r>
-                        <a:rPr kumimoji="1" lang="en-US" altLang="ja-JP" b="0" i="1" smtClean="0">
-                          <a:latin typeface="Cambria Math" panose="02040503050406030204" pitchFamily="18" charset="0"/>
-                        </a:rPr>
-                        <m:t>=</m:t>
-                      </m:r>
-                      <m:r>
-                        <a:rPr kumimoji="1" lang="en-US" altLang="ja-JP" b="0" i="1" smtClean="0">
-                          <a:latin typeface="Cambria Math" panose="02040503050406030204" pitchFamily="18" charset="0"/>
-                        </a:rPr>
-                        <m:t>𝑖</m:t>
-                      </m:r>
-                      <m:r>
-                        <a:rPr kumimoji="1" lang="en-US" altLang="ja-JP" b="0" i="1" smtClean="0">
-                          <a:latin typeface="Cambria Math" panose="02040503050406030204" pitchFamily="18" charset="0"/>
-                        </a:rPr>
-                        <m:t>ℏ</m:t>
-                      </m:r>
-                    </m:oMath>
-                  </m:oMathPara>
-                </a14:m>
-                <a:endParaRPr kumimoji="1" lang="ja-JP" altLang="en-US"/>
+                <a:endParaRPr kumimoji="1" lang="en-US" altLang="ja-JP" b="0" dirty="0"/>
               </a:p>
             </p:txBody>
           </p:sp>
         </mc:Choice>
-        <mc:Fallback xmlns="">
+        <mc:Fallback>
           <p:sp>
             <p:nvSpPr>
               <p:cNvPr id="67" name="テキスト ボックス 66">
@@ -4022,8 +3937,8 @@
             </p:nvSpPr>
             <p:spPr>
               <a:xfrm>
-                <a:off x="2207569" y="5647663"/>
-                <a:ext cx="1073884" cy="589649"/>
+                <a:off x="2207570" y="5805264"/>
+                <a:ext cx="1073884" cy="276999"/>
               </a:xfrm>
               <a:prstGeom prst="rect">
                 <a:avLst/>
@@ -4031,7 +3946,7 @@
               <a:blipFill>
                 <a:blip r:embed="rId14"/>
                 <a:stretch>
-                  <a:fillRect t="-11340" r="-5114" b="-1031"/>
+                  <a:fillRect t="-23913" r="-5114" b="-23913"/>
                 </a:stretch>
               </a:blipFill>
             </p:spPr>
@@ -4067,12 +3982,12 @@
         </p:nvCxnSpPr>
         <p:spPr>
           <a:xfrm rot="5400000">
-            <a:off x="4590616" y="2610753"/>
-            <a:ext cx="1190806" cy="4883015"/>
+            <a:off x="4511816" y="2689553"/>
+            <a:ext cx="1348407" cy="4883014"/>
           </a:xfrm>
           <a:prstGeom prst="bentConnector3">
             <a:avLst>
-              <a:gd name="adj1" fmla="val 59385"/>
+              <a:gd name="adj1" fmla="val 56376"/>
             </a:avLst>
           </a:prstGeom>
           <a:ln>
@@ -4126,14 +4041,14 @@
           <a:lstStyle/>
           <a:p>
             <a:r>
-              <a:rPr kumimoji="1" lang="ja-JP" altLang="en-US" sz="1400"/>
+              <a:rPr kumimoji="1" lang="ja-JP" altLang="en-US" sz="1400" dirty="0"/>
               <a:t>交換関係</a:t>
             </a:r>
           </a:p>
         </p:txBody>
       </p:sp>
-      <mc:AlternateContent xmlns:mc="http://schemas.openxmlformats.org/markup-compatibility/2006" xmlns:a14="http://schemas.microsoft.com/office/drawing/2010/main">
-        <mc:Choice Requires="a14">
+      <mc:AlternateContent xmlns:mc="http://schemas.openxmlformats.org/markup-compatibility/2006">
+        <mc:Choice xmlns:a14="http://schemas.microsoft.com/office/drawing/2010/main" Requires="a14">
           <p:sp>
             <p:nvSpPr>
               <p:cNvPr id="73" name="テキスト ボックス 72">
@@ -4148,8 +4063,8 @@
             </p:nvSpPr>
             <p:spPr>
               <a:xfrm>
-                <a:off x="4223792" y="5661248"/>
-                <a:ext cx="2219005" cy="526683"/>
+                <a:off x="4727848" y="5661248"/>
+                <a:ext cx="1165575" cy="526683"/>
               </a:xfrm>
               <a:prstGeom prst="rect">
                 <a:avLst/>
@@ -4236,88 +4151,15 @@
                           </m:r>
                         </m:den>
                       </m:f>
-                      <m:r>
-                        <a:rPr kumimoji="1" lang="en-US" altLang="ja-JP" b="0" i="1" smtClean="0">
-                          <a:latin typeface="Cambria Math" panose="02040503050406030204" pitchFamily="18" charset="0"/>
-                        </a:rPr>
-                        <m:t>,</m:t>
-                      </m:r>
-                      <m:acc>
-                        <m:accPr>
-                          <m:chr m:val="̂"/>
-                          <m:ctrlPr>
-                            <a:rPr kumimoji="1" lang="en-US" altLang="ja-JP" i="1">
-                              <a:latin typeface="Cambria Math" panose="02040503050406030204" pitchFamily="18" charset="0"/>
-                            </a:rPr>
-                          </m:ctrlPr>
-                        </m:accPr>
-                        <m:e>
-                          <m:r>
-                            <a:rPr kumimoji="1" lang="en-US" altLang="ja-JP" i="1">
-                              <a:latin typeface="Cambria Math" panose="02040503050406030204" pitchFamily="18" charset="0"/>
-                            </a:rPr>
-                            <m:t>𝐸</m:t>
-                          </m:r>
-                        </m:e>
-                      </m:acc>
-                      <m:r>
-                        <a:rPr kumimoji="1" lang="en-US" altLang="ja-JP" i="1">
-                          <a:latin typeface="Cambria Math" panose="02040503050406030204" pitchFamily="18" charset="0"/>
-                        </a:rPr>
-                        <m:t>≡</m:t>
-                      </m:r>
-                      <m:r>
-                        <a:rPr kumimoji="1" lang="en-US" altLang="ja-JP" i="1">
-                          <a:latin typeface="Cambria Math" panose="02040503050406030204" pitchFamily="18" charset="0"/>
-                        </a:rPr>
-                        <m:t>𝑖</m:t>
-                      </m:r>
-                      <m:r>
-                        <a:rPr kumimoji="1" lang="en-US" altLang="ja-JP" i="1">
-                          <a:latin typeface="Cambria Math" panose="02040503050406030204" pitchFamily="18" charset="0"/>
-                        </a:rPr>
-                        <m:t>ℏ</m:t>
-                      </m:r>
-                      <m:f>
-                        <m:fPr>
-                          <m:ctrlPr>
-                            <a:rPr kumimoji="1" lang="en-US" altLang="ja-JP" i="1">
-                              <a:latin typeface="Cambria Math" panose="02040503050406030204" pitchFamily="18" charset="0"/>
-                            </a:rPr>
-                          </m:ctrlPr>
-                        </m:fPr>
-                        <m:num>
-                          <m:r>
-                            <a:rPr kumimoji="1" lang="en-US" altLang="ja-JP" i="1">
-                              <a:latin typeface="Cambria Math" panose="02040503050406030204" pitchFamily="18" charset="0"/>
-                            </a:rPr>
-                            <m:t>𝜕</m:t>
-                          </m:r>
-                        </m:num>
-                        <m:den>
-                          <m:r>
-                            <a:rPr kumimoji="1" lang="en-US" altLang="ja-JP" i="1">
-                              <a:latin typeface="Cambria Math" panose="02040503050406030204" pitchFamily="18" charset="0"/>
-                            </a:rPr>
-                            <m:t>𝜕</m:t>
-                          </m:r>
-                          <m:r>
-                            <a:rPr kumimoji="1" lang="en-US" altLang="ja-JP" i="1">
-                              <a:latin typeface="Cambria Math" panose="02040503050406030204" pitchFamily="18" charset="0"/>
-                            </a:rPr>
-                            <m:t>𝑡</m:t>
-                          </m:r>
-                        </m:den>
-                      </m:f>
                     </m:oMath>
                   </m:oMathPara>
                 </a14:m>
-                <a:endParaRPr kumimoji="1" lang="ja-JP" altLang="en-US"/>
+                <a:endParaRPr kumimoji="1" lang="ja-JP" altLang="en-US" dirty="0"/>
               </a:p>
             </p:txBody>
           </p:sp>
         </mc:Choice>
-        <mc:Fallback xmlns="">
+        <mc:Fallback>
           <p:sp>
             <p:nvSpPr>
               <p:cNvPr id="73" name="テキスト ボックス 72">
@@ -4334,8 +4176,8 @@
             </p:nvSpPr>
             <p:spPr>
               <a:xfrm>
-                <a:off x="4223792" y="5661248"/>
-                <a:ext cx="2219005" cy="526683"/>
+                <a:off x="4727848" y="5661248"/>
+                <a:ext cx="1165575" cy="526683"/>
               </a:xfrm>
               <a:prstGeom prst="rect">
                 <a:avLst/>
@@ -4753,7 +4595,7 @@
           <a:lstStyle/>
           <a:p>
             <a:r>
-              <a:rPr lang="de-DE" altLang="ja-JP" sz="1400" b="0" i="0">
+              <a:rPr lang="de-DE" altLang="ja-JP" sz="1400" b="0" i="0" dirty="0">
                 <a:solidFill>
                   <a:srgbClr val="202122"/>
                 </a:solidFill>
@@ -4763,7 +4605,7 @@
               <a:t>Schrödinger </a:t>
             </a:r>
             <a:r>
-              <a:rPr lang="ja-JP" altLang="en-US" sz="1400" b="0" i="0">
+              <a:rPr lang="ja-JP" altLang="en-US" sz="1400" b="0" i="0" dirty="0">
                 <a:solidFill>
                   <a:srgbClr val="202122"/>
                 </a:solidFill>
@@ -4772,7 +4614,7 @@
               </a:rPr>
               <a:t>方程式</a:t>
             </a:r>
-            <a:endParaRPr kumimoji="1" lang="ja-JP" altLang="en-US" sz="1400"/>
+            <a:endParaRPr kumimoji="1" lang="ja-JP" altLang="en-US" sz="1400" dirty="0"/>
           </a:p>
         </p:txBody>
       </p:sp>
@@ -4790,8 +4632,8 @@
         </p:nvSpPr>
         <p:spPr>
           <a:xfrm>
-            <a:off x="4655840" y="6372036"/>
-            <a:ext cx="1338828" cy="369332"/>
+            <a:off x="4799856" y="6309320"/>
+            <a:ext cx="1082348" cy="307777"/>
           </a:xfrm>
           <a:prstGeom prst="rect">
             <a:avLst/>
@@ -4805,7 +4647,7 @@
           <a:lstStyle/>
           <a:p>
             <a:r>
-              <a:rPr kumimoji="1" lang="ja-JP" altLang="en-US"/>
+              <a:rPr kumimoji="1" lang="ja-JP" altLang="en-US" sz="1400" dirty="0"/>
               <a:t>演算子表現</a:t>
             </a:r>
           </a:p>
@@ -6420,8 +6262,8 @@
           </p:sp>
         </mc:Fallback>
       </mc:AlternateContent>
-      <mc:AlternateContent xmlns:mc="http://schemas.openxmlformats.org/markup-compatibility/2006">
-        <mc:Choice xmlns:a14="http://schemas.microsoft.com/office/drawing/2010/main" Requires="a14">
+      <mc:AlternateContent xmlns:mc="http://schemas.openxmlformats.org/markup-compatibility/2006" xmlns:a14="http://schemas.microsoft.com/office/drawing/2010/main">
+        <mc:Choice Requires="a14">
           <p:sp>
             <p:nvSpPr>
               <p:cNvPr id="27" name="テキスト ボックス 26">
@@ -6546,7 +6388,7 @@
             </p:txBody>
           </p:sp>
         </mc:Choice>
-        <mc:Fallback>
+        <mc:Fallback xmlns="">
           <p:sp>
             <p:nvSpPr>
               <p:cNvPr id="27" name="テキスト ボックス 26">
@@ -7627,6 +7469,1455 @@
 </p:sld>
 </file>
 
+<file path=ppt/slides/slide3.xml><?xml version="1.0" encoding="utf-8"?>
+<p:sld xmlns:a="http://schemas.openxmlformats.org/drawingml/2006/main" xmlns:r="http://schemas.openxmlformats.org/officeDocument/2006/relationships" xmlns:p="http://schemas.openxmlformats.org/presentationml/2006/main">
+  <p:cSld>
+    <p:spTree>
+      <p:nvGrpSpPr>
+        <p:cNvPr id="1" name=""/>
+        <p:cNvGrpSpPr/>
+        <p:nvPr/>
+      </p:nvGrpSpPr>
+      <p:grpSpPr>
+        <a:xfrm>
+          <a:off x="0" y="0"/>
+          <a:ext cx="0" cy="0"/>
+          <a:chOff x="0" y="0"/>
+          <a:chExt cx="0" cy="0"/>
+        </a:xfrm>
+      </p:grpSpPr>
+      <mc:AlternateContent xmlns:mc="http://schemas.openxmlformats.org/markup-compatibility/2006">
+        <mc:Choice xmlns:a14="http://schemas.microsoft.com/office/drawing/2010/main" Requires="a14">
+          <p:sp>
+            <p:nvSpPr>
+              <p:cNvPr id="2" name="テキスト ボックス 1">
+                <a:extLst>
+                  <a:ext uri="{FF2B5EF4-FFF2-40B4-BE49-F238E27FC236}">
+                    <a16:creationId xmlns:a16="http://schemas.microsoft.com/office/drawing/2014/main" id="{7A5914DF-19A5-203F-28F5-38DDEE0A7D3F}"/>
+                  </a:ext>
+                </a:extLst>
+              </p:cNvPr>
+              <p:cNvSpPr txBox="1"/>
+              <p:nvPr/>
+            </p:nvSpPr>
+            <p:spPr>
+              <a:xfrm>
+                <a:off x="2495600" y="1556792"/>
+                <a:ext cx="832216" cy="276999"/>
+              </a:xfrm>
+              <a:prstGeom prst="rect">
+                <a:avLst/>
+              </a:prstGeom>
+              <a:noFill/>
+            </p:spPr>
+            <p:txBody>
+              <a:bodyPr wrap="none" lIns="0" tIns="0" rIns="0" bIns="0" rtlCol="0">
+                <a:spAutoFit/>
+              </a:bodyPr>
+              <a:lstStyle/>
+              <a:p>
+                <a14:m>
+                  <m:oMathPara xmlns:m="http://schemas.openxmlformats.org/officeDocument/2006/math">
+                    <m:oMathParaPr>
+                      <m:jc m:val="centerGroup"/>
+                    </m:oMathParaPr>
+                    <m:oMath xmlns:m="http://schemas.openxmlformats.org/officeDocument/2006/math">
+                      <m:r>
+                        <a:rPr kumimoji="1" lang="en-US" altLang="ja-JP" b="0" i="1" smtClean="0">
+                          <a:latin typeface="Cambria Math" panose="02040503050406030204" pitchFamily="18" charset="0"/>
+                        </a:rPr>
+                        <m:t>𝐹</m:t>
+                      </m:r>
+                      <m:r>
+                        <a:rPr kumimoji="1" lang="en-US" altLang="ja-JP" b="0" i="1" smtClean="0">
+                          <a:latin typeface="Cambria Math" panose="02040503050406030204" pitchFamily="18" charset="0"/>
+                        </a:rPr>
+                        <m:t>=</m:t>
+                      </m:r>
+                      <m:r>
+                        <a:rPr kumimoji="1" lang="en-US" altLang="ja-JP" b="0" i="1" smtClean="0">
+                          <a:latin typeface="Cambria Math" panose="02040503050406030204" pitchFamily="18" charset="0"/>
+                        </a:rPr>
+                        <m:t>𝑚𝑎</m:t>
+                      </m:r>
+                    </m:oMath>
+                  </m:oMathPara>
+                </a14:m>
+                <a:endParaRPr kumimoji="1" lang="ja-JP" altLang="en-US" dirty="0"/>
+              </a:p>
+            </p:txBody>
+          </p:sp>
+        </mc:Choice>
+        <mc:Fallback>
+          <p:sp>
+            <p:nvSpPr>
+              <p:cNvPr id="2" name="テキスト ボックス 1">
+                <a:extLst>
+                  <a:ext uri="{FF2B5EF4-FFF2-40B4-BE49-F238E27FC236}">
+                    <a16:creationId xmlns:a16="http://schemas.microsoft.com/office/drawing/2014/main" id="{7A5914DF-19A5-203F-28F5-38DDEE0A7D3F}"/>
+                  </a:ext>
+                </a:extLst>
+              </p:cNvPr>
+              <p:cNvSpPr txBox="1">
+                <a:spLocks noRot="1" noChangeAspect="1" noMove="1" noResize="1" noEditPoints="1" noAdjustHandles="1" noChangeArrowheads="1" noChangeShapeType="1" noTextEdit="1"/>
+              </p:cNvSpPr>
+              <p:nvPr/>
+            </p:nvSpPr>
+            <p:spPr>
+              <a:xfrm>
+                <a:off x="2495600" y="1556792"/>
+                <a:ext cx="832216" cy="276999"/>
+              </a:xfrm>
+              <a:prstGeom prst="rect">
+                <a:avLst/>
+              </a:prstGeom>
+              <a:blipFill>
+                <a:blip r:embed="rId2"/>
+                <a:stretch>
+                  <a:fillRect l="-5839" r="-2920" b="-6522"/>
+                </a:stretch>
+              </a:blipFill>
+            </p:spPr>
+            <p:txBody>
+              <a:bodyPr/>
+              <a:lstStyle/>
+              <a:p>
+                <a:r>
+                  <a:rPr lang="ja-JP" altLang="en-US">
+                    <a:noFill/>
+                  </a:rPr>
+                  <a:t> </a:t>
+                </a:r>
+              </a:p>
+            </p:txBody>
+          </p:sp>
+        </mc:Fallback>
+      </mc:AlternateContent>
+      <mc:AlternateContent xmlns:mc="http://schemas.openxmlformats.org/markup-compatibility/2006">
+        <mc:Choice xmlns:a14="http://schemas.microsoft.com/office/drawing/2010/main" Requires="a14">
+          <p:sp>
+            <p:nvSpPr>
+              <p:cNvPr id="3" name="テキスト ボックス 2">
+                <a:extLst>
+                  <a:ext uri="{FF2B5EF4-FFF2-40B4-BE49-F238E27FC236}">
+                    <a16:creationId xmlns:a16="http://schemas.microsoft.com/office/drawing/2014/main" id="{D249F3D2-17AB-A5BC-2ED2-E8C1A5E07E23}"/>
+                  </a:ext>
+                </a:extLst>
+              </p:cNvPr>
+              <p:cNvSpPr txBox="1"/>
+              <p:nvPr/>
+            </p:nvSpPr>
+            <p:spPr>
+              <a:xfrm>
+                <a:off x="5303912" y="1556792"/>
+                <a:ext cx="761427" cy="276999"/>
+              </a:xfrm>
+              <a:prstGeom prst="rect">
+                <a:avLst/>
+              </a:prstGeom>
+              <a:noFill/>
+            </p:spPr>
+            <p:txBody>
+              <a:bodyPr wrap="none" lIns="0" tIns="0" rIns="0" bIns="0" rtlCol="0">
+                <a:spAutoFit/>
+              </a:bodyPr>
+              <a:lstStyle/>
+              <a:p>
+                <a14:m>
+                  <m:oMathPara xmlns:m="http://schemas.openxmlformats.org/officeDocument/2006/math">
+                    <m:oMathParaPr>
+                      <m:jc m:val="centerGroup"/>
+                    </m:oMathParaPr>
+                    <m:oMath xmlns:m="http://schemas.openxmlformats.org/officeDocument/2006/math">
+                      <m:r>
+                        <a:rPr kumimoji="1" lang="en-US" altLang="ja-JP" b="0" i="1" smtClean="0">
+                          <a:latin typeface="Cambria Math" panose="02040503050406030204" pitchFamily="18" charset="0"/>
+                        </a:rPr>
+                        <m:t>𝐹</m:t>
+                      </m:r>
+                      <m:r>
+                        <a:rPr kumimoji="1" lang="en-US" altLang="ja-JP" b="0" i="1" smtClean="0">
+                          <a:latin typeface="Cambria Math" panose="02040503050406030204" pitchFamily="18" charset="0"/>
+                        </a:rPr>
+                        <m:t>=</m:t>
+                      </m:r>
+                      <m:r>
+                        <a:rPr kumimoji="1" lang="en-US" altLang="ja-JP" b="0" i="1" smtClean="0">
+                          <a:latin typeface="Cambria Math" panose="02040503050406030204" pitchFamily="18" charset="0"/>
+                        </a:rPr>
+                        <m:t>𝑘𝑥</m:t>
+                      </m:r>
+                    </m:oMath>
+                  </m:oMathPara>
+                </a14:m>
+                <a:endParaRPr kumimoji="1" lang="ja-JP" altLang="en-US" dirty="0"/>
+              </a:p>
+            </p:txBody>
+          </p:sp>
+        </mc:Choice>
+        <mc:Fallback>
+          <p:sp>
+            <p:nvSpPr>
+              <p:cNvPr id="3" name="テキスト ボックス 2">
+                <a:extLst>
+                  <a:ext uri="{FF2B5EF4-FFF2-40B4-BE49-F238E27FC236}">
+                    <a16:creationId xmlns:a16="http://schemas.microsoft.com/office/drawing/2014/main" id="{D249F3D2-17AB-A5BC-2ED2-E8C1A5E07E23}"/>
+                  </a:ext>
+                </a:extLst>
+              </p:cNvPr>
+              <p:cNvSpPr txBox="1">
+                <a:spLocks noRot="1" noChangeAspect="1" noMove="1" noResize="1" noEditPoints="1" noAdjustHandles="1" noChangeArrowheads="1" noChangeShapeType="1" noTextEdit="1"/>
+              </p:cNvSpPr>
+              <p:nvPr/>
+            </p:nvSpPr>
+            <p:spPr>
+              <a:xfrm>
+                <a:off x="5303912" y="1556792"/>
+                <a:ext cx="761427" cy="276999"/>
+              </a:xfrm>
+              <a:prstGeom prst="rect">
+                <a:avLst/>
+              </a:prstGeom>
+              <a:blipFill>
+                <a:blip r:embed="rId3"/>
+                <a:stretch>
+                  <a:fillRect l="-6400" r="-6400" b="-6522"/>
+                </a:stretch>
+              </a:blipFill>
+            </p:spPr>
+            <p:txBody>
+              <a:bodyPr/>
+              <a:lstStyle/>
+              <a:p>
+                <a:r>
+                  <a:rPr lang="ja-JP" altLang="en-US">
+                    <a:noFill/>
+                  </a:rPr>
+                  <a:t> </a:t>
+                </a:r>
+              </a:p>
+            </p:txBody>
+          </p:sp>
+        </mc:Fallback>
+      </mc:AlternateContent>
+      <mc:AlternateContent xmlns:mc="http://schemas.openxmlformats.org/markup-compatibility/2006">
+        <mc:Choice xmlns:a14="http://schemas.microsoft.com/office/drawing/2010/main" Requires="a14">
+          <p:sp>
+            <p:nvSpPr>
+              <p:cNvPr id="4" name="テキスト ボックス 3">
+                <a:extLst>
+                  <a:ext uri="{FF2B5EF4-FFF2-40B4-BE49-F238E27FC236}">
+                    <a16:creationId xmlns:a16="http://schemas.microsoft.com/office/drawing/2014/main" id="{1B16520E-8222-E08A-E728-587BACA6869D}"/>
+                  </a:ext>
+                </a:extLst>
+              </p:cNvPr>
+              <p:cNvSpPr txBox="1"/>
+              <p:nvPr/>
+            </p:nvSpPr>
+            <p:spPr>
+              <a:xfrm>
+                <a:off x="7896200" y="1484784"/>
+                <a:ext cx="748795" cy="276999"/>
+              </a:xfrm>
+              <a:prstGeom prst="rect">
+                <a:avLst/>
+              </a:prstGeom>
+              <a:noFill/>
+            </p:spPr>
+            <p:txBody>
+              <a:bodyPr wrap="none" lIns="0" tIns="0" rIns="0" bIns="0" rtlCol="0">
+                <a:spAutoFit/>
+              </a:bodyPr>
+              <a:lstStyle/>
+              <a:p>
+                <a14:m>
+                  <m:oMathPara xmlns:m="http://schemas.openxmlformats.org/officeDocument/2006/math">
+                    <m:oMathParaPr>
+                      <m:jc m:val="centerGroup"/>
+                    </m:oMathParaPr>
+                    <m:oMath xmlns:m="http://schemas.openxmlformats.org/officeDocument/2006/math">
+                      <m:r>
+                        <a:rPr kumimoji="1" lang="en-US" altLang="ja-JP" b="0" i="1" smtClean="0">
+                          <a:latin typeface="Cambria Math" panose="02040503050406030204" pitchFamily="18" charset="0"/>
+                        </a:rPr>
+                        <m:t>𝑉</m:t>
+                      </m:r>
+                      <m:r>
+                        <a:rPr kumimoji="1" lang="en-US" altLang="ja-JP" b="0" i="1" smtClean="0">
+                          <a:latin typeface="Cambria Math" panose="02040503050406030204" pitchFamily="18" charset="0"/>
+                        </a:rPr>
+                        <m:t>=</m:t>
+                      </m:r>
+                      <m:r>
+                        <a:rPr kumimoji="1" lang="en-US" altLang="ja-JP" b="0" i="1" smtClean="0">
+                          <a:latin typeface="Cambria Math" panose="02040503050406030204" pitchFamily="18" charset="0"/>
+                        </a:rPr>
+                        <m:t>𝑅𝐼</m:t>
+                      </m:r>
+                    </m:oMath>
+                  </m:oMathPara>
+                </a14:m>
+                <a:endParaRPr kumimoji="1" lang="ja-JP" altLang="en-US" dirty="0"/>
+              </a:p>
+            </p:txBody>
+          </p:sp>
+        </mc:Choice>
+        <mc:Fallback>
+          <p:sp>
+            <p:nvSpPr>
+              <p:cNvPr id="4" name="テキスト ボックス 3">
+                <a:extLst>
+                  <a:ext uri="{FF2B5EF4-FFF2-40B4-BE49-F238E27FC236}">
+                    <a16:creationId xmlns:a16="http://schemas.microsoft.com/office/drawing/2014/main" id="{1B16520E-8222-E08A-E728-587BACA6869D}"/>
+                  </a:ext>
+                </a:extLst>
+              </p:cNvPr>
+              <p:cNvSpPr txBox="1">
+                <a:spLocks noRot="1" noChangeAspect="1" noMove="1" noResize="1" noEditPoints="1" noAdjustHandles="1" noChangeArrowheads="1" noChangeShapeType="1" noTextEdit="1"/>
+              </p:cNvSpPr>
+              <p:nvPr/>
+            </p:nvSpPr>
+            <p:spPr>
+              <a:xfrm>
+                <a:off x="7896200" y="1484784"/>
+                <a:ext cx="748795" cy="276999"/>
+              </a:xfrm>
+              <a:prstGeom prst="rect">
+                <a:avLst/>
+              </a:prstGeom>
+              <a:blipFill>
+                <a:blip r:embed="rId4"/>
+                <a:stretch>
+                  <a:fillRect l="-6504" r="-5691" b="-6667"/>
+                </a:stretch>
+              </a:blipFill>
+            </p:spPr>
+            <p:txBody>
+              <a:bodyPr/>
+              <a:lstStyle/>
+              <a:p>
+                <a:r>
+                  <a:rPr lang="ja-JP" altLang="en-US">
+                    <a:noFill/>
+                  </a:rPr>
+                  <a:t> </a:t>
+                </a:r>
+              </a:p>
+            </p:txBody>
+          </p:sp>
+        </mc:Fallback>
+      </mc:AlternateContent>
+      <p:sp>
+        <p:nvSpPr>
+          <p:cNvPr id="6" name="正方形/長方形 5">
+            <a:extLst>
+              <a:ext uri="{FF2B5EF4-FFF2-40B4-BE49-F238E27FC236}">
+                <a16:creationId xmlns:a16="http://schemas.microsoft.com/office/drawing/2014/main" id="{429C7A1D-CCAF-D586-774D-A59D62BFBEC7}"/>
+              </a:ext>
+            </a:extLst>
+          </p:cNvPr>
+          <p:cNvSpPr/>
+          <p:nvPr/>
+        </p:nvSpPr>
+        <p:spPr>
+          <a:xfrm>
+            <a:off x="4511824" y="2368064"/>
+            <a:ext cx="120702" cy="844912"/>
+          </a:xfrm>
+          <a:prstGeom prst="rect">
+            <a:avLst/>
+          </a:prstGeom>
+          <a:solidFill>
+            <a:srgbClr val="FFC000"/>
+          </a:solidFill>
+          <a:ln>
+            <a:solidFill>
+              <a:schemeClr val="tx1"/>
+            </a:solidFill>
+          </a:ln>
+        </p:spPr>
+        <p:style>
+          <a:lnRef idx="2">
+            <a:schemeClr val="accent1">
+              <a:shade val="50000"/>
+            </a:schemeClr>
+          </a:lnRef>
+          <a:fillRef idx="1">
+            <a:schemeClr val="accent1"/>
+          </a:fillRef>
+          <a:effectRef idx="0">
+            <a:schemeClr val="accent1"/>
+          </a:effectRef>
+          <a:fontRef idx="minor">
+            <a:schemeClr val="lt1"/>
+          </a:fontRef>
+        </p:style>
+        <p:txBody>
+          <a:bodyPr rtlCol="0" anchor="ctr"/>
+          <a:lstStyle/>
+          <a:p>
+            <a:pPr algn="ctr"/>
+            <a:endParaRPr kumimoji="1" lang="ja-JP" altLang="en-US"/>
+          </a:p>
+        </p:txBody>
+      </p:sp>
+      <p:sp>
+        <p:nvSpPr>
+          <p:cNvPr id="7" name="正方形/長方形 6">
+            <a:extLst>
+              <a:ext uri="{FF2B5EF4-FFF2-40B4-BE49-F238E27FC236}">
+                <a16:creationId xmlns:a16="http://schemas.microsoft.com/office/drawing/2014/main" id="{0E5705C4-B808-7B48-2529-BC364DDD88EA}"/>
+              </a:ext>
+            </a:extLst>
+          </p:cNvPr>
+          <p:cNvSpPr/>
+          <p:nvPr/>
+        </p:nvSpPr>
+        <p:spPr>
+          <a:xfrm>
+            <a:off x="4511824" y="3212976"/>
+            <a:ext cx="2655437" cy="120702"/>
+          </a:xfrm>
+          <a:prstGeom prst="rect">
+            <a:avLst/>
+          </a:prstGeom>
+          <a:solidFill>
+            <a:srgbClr val="FFC000"/>
+          </a:solidFill>
+          <a:ln>
+            <a:solidFill>
+              <a:schemeClr val="tx1"/>
+            </a:solidFill>
+          </a:ln>
+        </p:spPr>
+        <p:style>
+          <a:lnRef idx="2">
+            <a:schemeClr val="accent1">
+              <a:shade val="50000"/>
+            </a:schemeClr>
+          </a:lnRef>
+          <a:fillRef idx="1">
+            <a:schemeClr val="accent1"/>
+          </a:fillRef>
+          <a:effectRef idx="0">
+            <a:schemeClr val="accent1"/>
+          </a:effectRef>
+          <a:fontRef idx="minor">
+            <a:schemeClr val="lt1"/>
+          </a:fontRef>
+        </p:style>
+        <p:txBody>
+          <a:bodyPr rtlCol="0" anchor="ctr"/>
+          <a:lstStyle/>
+          <a:p>
+            <a:pPr algn="ctr"/>
+            <a:endParaRPr kumimoji="1" lang="ja-JP" altLang="en-US"/>
+          </a:p>
+        </p:txBody>
+      </p:sp>
+      <p:grpSp>
+        <p:nvGrpSpPr>
+          <p:cNvPr id="8" name="グループ化 7">
+            <a:extLst>
+              <a:ext uri="{FF2B5EF4-FFF2-40B4-BE49-F238E27FC236}">
+                <a16:creationId xmlns:a16="http://schemas.microsoft.com/office/drawing/2014/main" id="{E4B7F5DB-0EB4-8AA3-9C95-28B7B11971CB}"/>
+              </a:ext>
+            </a:extLst>
+          </p:cNvPr>
+          <p:cNvGrpSpPr/>
+          <p:nvPr/>
+        </p:nvGrpSpPr>
+        <p:grpSpPr>
+          <a:xfrm>
+            <a:off x="4632526" y="2440072"/>
+            <a:ext cx="1463474" cy="591851"/>
+            <a:chOff x="899592" y="2492896"/>
+            <a:chExt cx="6768752" cy="1152128"/>
+          </a:xfrm>
+        </p:grpSpPr>
+        <p:sp>
+          <p:nvSpPr>
+            <p:cNvPr id="18" name="円弧 17">
+              <a:extLst>
+                <a:ext uri="{FF2B5EF4-FFF2-40B4-BE49-F238E27FC236}">
+                  <a16:creationId xmlns:a16="http://schemas.microsoft.com/office/drawing/2014/main" id="{4B0EED80-CED2-60E8-BAD0-C4C3843E13B3}"/>
+                </a:ext>
+              </a:extLst>
+            </p:cNvPr>
+            <p:cNvSpPr/>
+            <p:nvPr/>
+          </p:nvSpPr>
+          <p:spPr>
+            <a:xfrm rot="16200000">
+              <a:off x="2411760" y="2492896"/>
+              <a:ext cx="1152128" cy="1152128"/>
+            </a:xfrm>
+            <a:prstGeom prst="arc">
+              <a:avLst>
+                <a:gd name="adj1" fmla="val 16200000"/>
+                <a:gd name="adj2" fmla="val 5514588"/>
+              </a:avLst>
+            </a:prstGeom>
+            <a:ln w="12700">
+              <a:solidFill>
+                <a:schemeClr val="tx1"/>
+              </a:solidFill>
+            </a:ln>
+          </p:spPr>
+          <p:style>
+            <a:lnRef idx="1">
+              <a:schemeClr val="accent1"/>
+            </a:lnRef>
+            <a:fillRef idx="0">
+              <a:schemeClr val="accent1"/>
+            </a:fillRef>
+            <a:effectRef idx="0">
+              <a:schemeClr val="accent1"/>
+            </a:effectRef>
+            <a:fontRef idx="minor">
+              <a:schemeClr val="tx1"/>
+            </a:fontRef>
+          </p:style>
+          <p:txBody>
+            <a:bodyPr rtlCol="0" anchor="ctr"/>
+            <a:lstStyle/>
+            <a:p>
+              <a:pPr algn="ctr"/>
+              <a:endParaRPr kumimoji="1" lang="ja-JP" altLang="en-US"/>
+            </a:p>
+          </p:txBody>
+        </p:sp>
+        <p:sp>
+          <p:nvSpPr>
+            <p:cNvPr id="19" name="円弧 18">
+              <a:extLst>
+                <a:ext uri="{FF2B5EF4-FFF2-40B4-BE49-F238E27FC236}">
+                  <a16:creationId xmlns:a16="http://schemas.microsoft.com/office/drawing/2014/main" id="{50BCC739-0F49-2235-8D77-1225A2DE78FB}"/>
+                </a:ext>
+              </a:extLst>
+            </p:cNvPr>
+            <p:cNvSpPr/>
+            <p:nvPr/>
+          </p:nvSpPr>
+          <p:spPr>
+            <a:xfrm rot="16200000">
+              <a:off x="1763688" y="2492896"/>
+              <a:ext cx="1152128" cy="1152128"/>
+            </a:xfrm>
+            <a:prstGeom prst="arc">
+              <a:avLst>
+                <a:gd name="adj1" fmla="val 16200000"/>
+                <a:gd name="adj2" fmla="val 5514588"/>
+              </a:avLst>
+            </a:prstGeom>
+            <a:ln w="12700">
+              <a:solidFill>
+                <a:schemeClr val="tx1"/>
+              </a:solidFill>
+            </a:ln>
+          </p:spPr>
+          <p:style>
+            <a:lnRef idx="1">
+              <a:schemeClr val="accent1"/>
+            </a:lnRef>
+            <a:fillRef idx="0">
+              <a:schemeClr val="accent1"/>
+            </a:fillRef>
+            <a:effectRef idx="0">
+              <a:schemeClr val="accent1"/>
+            </a:effectRef>
+            <a:fontRef idx="minor">
+              <a:schemeClr val="tx1"/>
+            </a:fontRef>
+          </p:style>
+          <p:txBody>
+            <a:bodyPr rtlCol="0" anchor="ctr"/>
+            <a:lstStyle/>
+            <a:p>
+              <a:pPr algn="ctr"/>
+              <a:endParaRPr kumimoji="1" lang="ja-JP" altLang="en-US"/>
+            </a:p>
+          </p:txBody>
+        </p:sp>
+        <p:sp>
+          <p:nvSpPr>
+            <p:cNvPr id="20" name="円弧 19">
+              <a:extLst>
+                <a:ext uri="{FF2B5EF4-FFF2-40B4-BE49-F238E27FC236}">
+                  <a16:creationId xmlns:a16="http://schemas.microsoft.com/office/drawing/2014/main" id="{8351D3A1-2A67-5265-0319-F8FCF5C01422}"/>
+                </a:ext>
+              </a:extLst>
+            </p:cNvPr>
+            <p:cNvSpPr/>
+            <p:nvPr/>
+          </p:nvSpPr>
+          <p:spPr>
+            <a:xfrm rot="16200000">
+              <a:off x="3059832" y="2492896"/>
+              <a:ext cx="1152128" cy="1152128"/>
+            </a:xfrm>
+            <a:prstGeom prst="arc">
+              <a:avLst>
+                <a:gd name="adj1" fmla="val 16200000"/>
+                <a:gd name="adj2" fmla="val 5514588"/>
+              </a:avLst>
+            </a:prstGeom>
+            <a:ln w="12700">
+              <a:solidFill>
+                <a:schemeClr val="tx1"/>
+              </a:solidFill>
+            </a:ln>
+          </p:spPr>
+          <p:style>
+            <a:lnRef idx="1">
+              <a:schemeClr val="accent1"/>
+            </a:lnRef>
+            <a:fillRef idx="0">
+              <a:schemeClr val="accent1"/>
+            </a:fillRef>
+            <a:effectRef idx="0">
+              <a:schemeClr val="accent1"/>
+            </a:effectRef>
+            <a:fontRef idx="minor">
+              <a:schemeClr val="tx1"/>
+            </a:fontRef>
+          </p:style>
+          <p:txBody>
+            <a:bodyPr rtlCol="0" anchor="ctr"/>
+            <a:lstStyle/>
+            <a:p>
+              <a:pPr algn="ctr"/>
+              <a:endParaRPr kumimoji="1" lang="ja-JP" altLang="en-US"/>
+            </a:p>
+          </p:txBody>
+        </p:sp>
+        <p:sp>
+          <p:nvSpPr>
+            <p:cNvPr id="21" name="円弧 20">
+              <a:extLst>
+                <a:ext uri="{FF2B5EF4-FFF2-40B4-BE49-F238E27FC236}">
+                  <a16:creationId xmlns:a16="http://schemas.microsoft.com/office/drawing/2014/main" id="{41234030-BB33-0000-D9D9-74D70C4CAD63}"/>
+                </a:ext>
+              </a:extLst>
+            </p:cNvPr>
+            <p:cNvSpPr/>
+            <p:nvPr/>
+          </p:nvSpPr>
+          <p:spPr>
+            <a:xfrm rot="16200000">
+              <a:off x="3707904" y="2492896"/>
+              <a:ext cx="1152128" cy="1152128"/>
+            </a:xfrm>
+            <a:prstGeom prst="arc">
+              <a:avLst>
+                <a:gd name="adj1" fmla="val 16069596"/>
+                <a:gd name="adj2" fmla="val 5514588"/>
+              </a:avLst>
+            </a:prstGeom>
+            <a:ln w="12700">
+              <a:solidFill>
+                <a:schemeClr val="tx1"/>
+              </a:solidFill>
+            </a:ln>
+          </p:spPr>
+          <p:style>
+            <a:lnRef idx="1">
+              <a:schemeClr val="accent1"/>
+            </a:lnRef>
+            <a:fillRef idx="0">
+              <a:schemeClr val="accent1"/>
+            </a:fillRef>
+            <a:effectRef idx="0">
+              <a:schemeClr val="accent1"/>
+            </a:effectRef>
+            <a:fontRef idx="minor">
+              <a:schemeClr val="tx1"/>
+            </a:fontRef>
+          </p:style>
+          <p:txBody>
+            <a:bodyPr rtlCol="0" anchor="ctr"/>
+            <a:lstStyle/>
+            <a:p>
+              <a:pPr algn="ctr"/>
+              <a:endParaRPr kumimoji="1" lang="ja-JP" altLang="en-US"/>
+            </a:p>
+          </p:txBody>
+        </p:sp>
+        <p:sp>
+          <p:nvSpPr>
+            <p:cNvPr id="22" name="円弧 21">
+              <a:extLst>
+                <a:ext uri="{FF2B5EF4-FFF2-40B4-BE49-F238E27FC236}">
+                  <a16:creationId xmlns:a16="http://schemas.microsoft.com/office/drawing/2014/main" id="{B7167B70-70FA-2AA4-9A02-4857110DACFB}"/>
+                </a:ext>
+              </a:extLst>
+            </p:cNvPr>
+            <p:cNvSpPr/>
+            <p:nvPr/>
+          </p:nvSpPr>
+          <p:spPr>
+            <a:xfrm rot="5400000">
+              <a:off x="3383868" y="2816932"/>
+              <a:ext cx="1152128" cy="504056"/>
+            </a:xfrm>
+            <a:prstGeom prst="arc">
+              <a:avLst>
+                <a:gd name="adj1" fmla="val 16069596"/>
+                <a:gd name="adj2" fmla="val 5514588"/>
+              </a:avLst>
+            </a:prstGeom>
+            <a:ln w="12700">
+              <a:solidFill>
+                <a:schemeClr val="tx1"/>
+              </a:solidFill>
+            </a:ln>
+          </p:spPr>
+          <p:style>
+            <a:lnRef idx="1">
+              <a:schemeClr val="accent1"/>
+            </a:lnRef>
+            <a:fillRef idx="0">
+              <a:schemeClr val="accent1"/>
+            </a:fillRef>
+            <a:effectRef idx="0">
+              <a:schemeClr val="accent1"/>
+            </a:effectRef>
+            <a:fontRef idx="minor">
+              <a:schemeClr val="tx1"/>
+            </a:fontRef>
+          </p:style>
+          <p:txBody>
+            <a:bodyPr rtlCol="0" anchor="ctr"/>
+            <a:lstStyle/>
+            <a:p>
+              <a:pPr algn="ctr"/>
+              <a:endParaRPr kumimoji="1" lang="ja-JP" altLang="en-US"/>
+            </a:p>
+          </p:txBody>
+        </p:sp>
+        <p:sp>
+          <p:nvSpPr>
+            <p:cNvPr id="23" name="円弧 22">
+              <a:extLst>
+                <a:ext uri="{FF2B5EF4-FFF2-40B4-BE49-F238E27FC236}">
+                  <a16:creationId xmlns:a16="http://schemas.microsoft.com/office/drawing/2014/main" id="{01108F07-4FF0-FB69-1280-1AED6F79B7BB}"/>
+                </a:ext>
+              </a:extLst>
+            </p:cNvPr>
+            <p:cNvSpPr/>
+            <p:nvPr/>
+          </p:nvSpPr>
+          <p:spPr>
+            <a:xfrm rot="5400000">
+              <a:off x="2735796" y="2816932"/>
+              <a:ext cx="1152128" cy="504056"/>
+            </a:xfrm>
+            <a:prstGeom prst="arc">
+              <a:avLst>
+                <a:gd name="adj1" fmla="val 16069596"/>
+                <a:gd name="adj2" fmla="val 5514588"/>
+              </a:avLst>
+            </a:prstGeom>
+            <a:ln w="12700">
+              <a:solidFill>
+                <a:schemeClr val="tx1"/>
+              </a:solidFill>
+            </a:ln>
+          </p:spPr>
+          <p:style>
+            <a:lnRef idx="1">
+              <a:schemeClr val="accent1"/>
+            </a:lnRef>
+            <a:fillRef idx="0">
+              <a:schemeClr val="accent1"/>
+            </a:fillRef>
+            <a:effectRef idx="0">
+              <a:schemeClr val="accent1"/>
+            </a:effectRef>
+            <a:fontRef idx="minor">
+              <a:schemeClr val="tx1"/>
+            </a:fontRef>
+          </p:style>
+          <p:txBody>
+            <a:bodyPr rtlCol="0" anchor="ctr"/>
+            <a:lstStyle/>
+            <a:p>
+              <a:pPr algn="ctr"/>
+              <a:endParaRPr kumimoji="1" lang="ja-JP" altLang="en-US"/>
+            </a:p>
+          </p:txBody>
+        </p:sp>
+        <p:sp>
+          <p:nvSpPr>
+            <p:cNvPr id="24" name="円弧 23">
+              <a:extLst>
+                <a:ext uri="{FF2B5EF4-FFF2-40B4-BE49-F238E27FC236}">
+                  <a16:creationId xmlns:a16="http://schemas.microsoft.com/office/drawing/2014/main" id="{E79B2278-9C0F-BFB1-7D64-FF8B13464F1A}"/>
+                </a:ext>
+              </a:extLst>
+            </p:cNvPr>
+            <p:cNvSpPr/>
+            <p:nvPr/>
+          </p:nvSpPr>
+          <p:spPr>
+            <a:xfrm rot="5400000">
+              <a:off x="2087724" y="2816932"/>
+              <a:ext cx="1152128" cy="504056"/>
+            </a:xfrm>
+            <a:prstGeom prst="arc">
+              <a:avLst>
+                <a:gd name="adj1" fmla="val 16069596"/>
+                <a:gd name="adj2" fmla="val 5514588"/>
+              </a:avLst>
+            </a:prstGeom>
+            <a:ln w="12700">
+              <a:solidFill>
+                <a:schemeClr val="tx1"/>
+              </a:solidFill>
+            </a:ln>
+          </p:spPr>
+          <p:style>
+            <a:lnRef idx="1">
+              <a:schemeClr val="accent1"/>
+            </a:lnRef>
+            <a:fillRef idx="0">
+              <a:schemeClr val="accent1"/>
+            </a:fillRef>
+            <a:effectRef idx="0">
+              <a:schemeClr val="accent1"/>
+            </a:effectRef>
+            <a:fontRef idx="minor">
+              <a:schemeClr val="tx1"/>
+            </a:fontRef>
+          </p:style>
+          <p:txBody>
+            <a:bodyPr rtlCol="0" anchor="ctr"/>
+            <a:lstStyle/>
+            <a:p>
+              <a:pPr algn="ctr"/>
+              <a:endParaRPr kumimoji="1" lang="ja-JP" altLang="en-US"/>
+            </a:p>
+          </p:txBody>
+        </p:sp>
+        <p:sp>
+          <p:nvSpPr>
+            <p:cNvPr id="25" name="円弧 24">
+              <a:extLst>
+                <a:ext uri="{FF2B5EF4-FFF2-40B4-BE49-F238E27FC236}">
+                  <a16:creationId xmlns:a16="http://schemas.microsoft.com/office/drawing/2014/main" id="{6B3A8E38-D5A4-5C09-0246-EE2C7A6B8A8B}"/>
+                </a:ext>
+              </a:extLst>
+            </p:cNvPr>
+            <p:cNvSpPr/>
+            <p:nvPr/>
+          </p:nvSpPr>
+          <p:spPr>
+            <a:xfrm rot="16200000">
+              <a:off x="4355976" y="2492896"/>
+              <a:ext cx="1152128" cy="1152128"/>
+            </a:xfrm>
+            <a:prstGeom prst="arc">
+              <a:avLst>
+                <a:gd name="adj1" fmla="val 16069596"/>
+                <a:gd name="adj2" fmla="val 5514588"/>
+              </a:avLst>
+            </a:prstGeom>
+            <a:ln w="12700">
+              <a:solidFill>
+                <a:schemeClr val="tx1"/>
+              </a:solidFill>
+            </a:ln>
+          </p:spPr>
+          <p:style>
+            <a:lnRef idx="1">
+              <a:schemeClr val="accent1"/>
+            </a:lnRef>
+            <a:fillRef idx="0">
+              <a:schemeClr val="accent1"/>
+            </a:fillRef>
+            <a:effectRef idx="0">
+              <a:schemeClr val="accent1"/>
+            </a:effectRef>
+            <a:fontRef idx="minor">
+              <a:schemeClr val="tx1"/>
+            </a:fontRef>
+          </p:style>
+          <p:txBody>
+            <a:bodyPr rtlCol="0" anchor="ctr"/>
+            <a:lstStyle/>
+            <a:p>
+              <a:pPr algn="ctr"/>
+              <a:endParaRPr kumimoji="1" lang="ja-JP" altLang="en-US"/>
+            </a:p>
+          </p:txBody>
+        </p:sp>
+        <p:sp>
+          <p:nvSpPr>
+            <p:cNvPr id="26" name="円弧 25">
+              <a:extLst>
+                <a:ext uri="{FF2B5EF4-FFF2-40B4-BE49-F238E27FC236}">
+                  <a16:creationId xmlns:a16="http://schemas.microsoft.com/office/drawing/2014/main" id="{EA281E1E-4250-A500-5C8E-3CD915870624}"/>
+                </a:ext>
+              </a:extLst>
+            </p:cNvPr>
+            <p:cNvSpPr/>
+            <p:nvPr/>
+          </p:nvSpPr>
+          <p:spPr>
+            <a:xfrm rot="5400000">
+              <a:off x="4031940" y="2816932"/>
+              <a:ext cx="1152128" cy="504056"/>
+            </a:xfrm>
+            <a:prstGeom prst="arc">
+              <a:avLst>
+                <a:gd name="adj1" fmla="val 16069596"/>
+                <a:gd name="adj2" fmla="val 5514588"/>
+              </a:avLst>
+            </a:prstGeom>
+            <a:ln w="12700">
+              <a:solidFill>
+                <a:schemeClr val="tx1"/>
+              </a:solidFill>
+            </a:ln>
+          </p:spPr>
+          <p:style>
+            <a:lnRef idx="1">
+              <a:schemeClr val="accent1"/>
+            </a:lnRef>
+            <a:fillRef idx="0">
+              <a:schemeClr val="accent1"/>
+            </a:fillRef>
+            <a:effectRef idx="0">
+              <a:schemeClr val="accent1"/>
+            </a:effectRef>
+            <a:fontRef idx="minor">
+              <a:schemeClr val="tx1"/>
+            </a:fontRef>
+          </p:style>
+          <p:txBody>
+            <a:bodyPr rtlCol="0" anchor="ctr"/>
+            <a:lstStyle/>
+            <a:p>
+              <a:pPr algn="ctr"/>
+              <a:endParaRPr kumimoji="1" lang="ja-JP" altLang="en-US"/>
+            </a:p>
+          </p:txBody>
+        </p:sp>
+        <p:sp>
+          <p:nvSpPr>
+            <p:cNvPr id="27" name="円弧 26">
+              <a:extLst>
+                <a:ext uri="{FF2B5EF4-FFF2-40B4-BE49-F238E27FC236}">
+                  <a16:creationId xmlns:a16="http://schemas.microsoft.com/office/drawing/2014/main" id="{71EA9852-727A-B18D-888D-F7E921BC3B4B}"/>
+                </a:ext>
+              </a:extLst>
+            </p:cNvPr>
+            <p:cNvSpPr/>
+            <p:nvPr/>
+          </p:nvSpPr>
+          <p:spPr>
+            <a:xfrm rot="16200000">
+              <a:off x="5004048" y="2492896"/>
+              <a:ext cx="1152128" cy="1152128"/>
+            </a:xfrm>
+            <a:prstGeom prst="arc">
+              <a:avLst>
+                <a:gd name="adj1" fmla="val 16069596"/>
+                <a:gd name="adj2" fmla="val 5514588"/>
+              </a:avLst>
+            </a:prstGeom>
+            <a:ln w="12700">
+              <a:solidFill>
+                <a:schemeClr val="tx1"/>
+              </a:solidFill>
+            </a:ln>
+          </p:spPr>
+          <p:style>
+            <a:lnRef idx="1">
+              <a:schemeClr val="accent1"/>
+            </a:lnRef>
+            <a:fillRef idx="0">
+              <a:schemeClr val="accent1"/>
+            </a:fillRef>
+            <a:effectRef idx="0">
+              <a:schemeClr val="accent1"/>
+            </a:effectRef>
+            <a:fontRef idx="minor">
+              <a:schemeClr val="tx1"/>
+            </a:fontRef>
+          </p:style>
+          <p:txBody>
+            <a:bodyPr rtlCol="0" anchor="ctr"/>
+            <a:lstStyle/>
+            <a:p>
+              <a:pPr algn="ctr"/>
+              <a:endParaRPr kumimoji="1" lang="ja-JP" altLang="en-US"/>
+            </a:p>
+          </p:txBody>
+        </p:sp>
+        <p:sp>
+          <p:nvSpPr>
+            <p:cNvPr id="28" name="円弧 27">
+              <a:extLst>
+                <a:ext uri="{FF2B5EF4-FFF2-40B4-BE49-F238E27FC236}">
+                  <a16:creationId xmlns:a16="http://schemas.microsoft.com/office/drawing/2014/main" id="{744B90B8-9A7B-F0BC-4DAA-7A4192E1C944}"/>
+                </a:ext>
+              </a:extLst>
+            </p:cNvPr>
+            <p:cNvSpPr/>
+            <p:nvPr/>
+          </p:nvSpPr>
+          <p:spPr>
+            <a:xfrm rot="5400000">
+              <a:off x="4680012" y="2816932"/>
+              <a:ext cx="1152128" cy="504056"/>
+            </a:xfrm>
+            <a:prstGeom prst="arc">
+              <a:avLst>
+                <a:gd name="adj1" fmla="val 16069596"/>
+                <a:gd name="adj2" fmla="val 5514588"/>
+              </a:avLst>
+            </a:prstGeom>
+            <a:ln w="12700">
+              <a:solidFill>
+                <a:schemeClr val="tx1"/>
+              </a:solidFill>
+            </a:ln>
+          </p:spPr>
+          <p:style>
+            <a:lnRef idx="1">
+              <a:schemeClr val="accent1"/>
+            </a:lnRef>
+            <a:fillRef idx="0">
+              <a:schemeClr val="accent1"/>
+            </a:fillRef>
+            <a:effectRef idx="0">
+              <a:schemeClr val="accent1"/>
+            </a:effectRef>
+            <a:fontRef idx="minor">
+              <a:schemeClr val="tx1"/>
+            </a:fontRef>
+          </p:style>
+          <p:txBody>
+            <a:bodyPr rtlCol="0" anchor="ctr"/>
+            <a:lstStyle/>
+            <a:p>
+              <a:pPr algn="ctr"/>
+              <a:endParaRPr kumimoji="1" lang="ja-JP" altLang="en-US"/>
+            </a:p>
+          </p:txBody>
+        </p:sp>
+        <p:sp>
+          <p:nvSpPr>
+            <p:cNvPr id="29" name="円弧 28">
+              <a:extLst>
+                <a:ext uri="{FF2B5EF4-FFF2-40B4-BE49-F238E27FC236}">
+                  <a16:creationId xmlns:a16="http://schemas.microsoft.com/office/drawing/2014/main" id="{B13922FF-BDD4-BF78-74F2-3B4EC22D1DB3}"/>
+                </a:ext>
+              </a:extLst>
+            </p:cNvPr>
+            <p:cNvSpPr/>
+            <p:nvPr/>
+          </p:nvSpPr>
+          <p:spPr>
+            <a:xfrm rot="16200000">
+              <a:off x="5652120" y="2492896"/>
+              <a:ext cx="1152128" cy="1152128"/>
+            </a:xfrm>
+            <a:prstGeom prst="arc">
+              <a:avLst>
+                <a:gd name="adj1" fmla="val 16069596"/>
+                <a:gd name="adj2" fmla="val 5438339"/>
+              </a:avLst>
+            </a:prstGeom>
+            <a:ln w="12700">
+              <a:solidFill>
+                <a:schemeClr val="tx1"/>
+              </a:solidFill>
+            </a:ln>
+          </p:spPr>
+          <p:style>
+            <a:lnRef idx="1">
+              <a:schemeClr val="accent1"/>
+            </a:lnRef>
+            <a:fillRef idx="0">
+              <a:schemeClr val="accent1"/>
+            </a:fillRef>
+            <a:effectRef idx="0">
+              <a:schemeClr val="accent1"/>
+            </a:effectRef>
+            <a:fontRef idx="minor">
+              <a:schemeClr val="tx1"/>
+            </a:fontRef>
+          </p:style>
+          <p:txBody>
+            <a:bodyPr rtlCol="0" anchor="ctr"/>
+            <a:lstStyle/>
+            <a:p>
+              <a:pPr algn="ctr"/>
+              <a:endParaRPr kumimoji="1" lang="ja-JP" altLang="en-US"/>
+            </a:p>
+          </p:txBody>
+        </p:sp>
+        <p:sp>
+          <p:nvSpPr>
+            <p:cNvPr id="30" name="円弧 29">
+              <a:extLst>
+                <a:ext uri="{FF2B5EF4-FFF2-40B4-BE49-F238E27FC236}">
+                  <a16:creationId xmlns:a16="http://schemas.microsoft.com/office/drawing/2014/main" id="{67C5C654-1A6F-9B82-6FDA-6AC030B48E05}"/>
+                </a:ext>
+              </a:extLst>
+            </p:cNvPr>
+            <p:cNvSpPr/>
+            <p:nvPr/>
+          </p:nvSpPr>
+          <p:spPr>
+            <a:xfrm rot="5400000">
+              <a:off x="5328084" y="2816932"/>
+              <a:ext cx="1152128" cy="504056"/>
+            </a:xfrm>
+            <a:prstGeom prst="arc">
+              <a:avLst>
+                <a:gd name="adj1" fmla="val 16069596"/>
+                <a:gd name="adj2" fmla="val 5514588"/>
+              </a:avLst>
+            </a:prstGeom>
+            <a:ln w="12700">
+              <a:solidFill>
+                <a:schemeClr val="tx1"/>
+              </a:solidFill>
+            </a:ln>
+          </p:spPr>
+          <p:style>
+            <a:lnRef idx="1">
+              <a:schemeClr val="accent1"/>
+            </a:lnRef>
+            <a:fillRef idx="0">
+              <a:schemeClr val="accent1"/>
+            </a:fillRef>
+            <a:effectRef idx="0">
+              <a:schemeClr val="accent1"/>
+            </a:effectRef>
+            <a:fontRef idx="minor">
+              <a:schemeClr val="tx1"/>
+            </a:fontRef>
+          </p:style>
+          <p:txBody>
+            <a:bodyPr rtlCol="0" anchor="ctr"/>
+            <a:lstStyle/>
+            <a:p>
+              <a:pPr algn="ctr"/>
+              <a:endParaRPr kumimoji="1" lang="ja-JP" altLang="en-US"/>
+            </a:p>
+          </p:txBody>
+        </p:sp>
+        <p:cxnSp>
+          <p:nvCxnSpPr>
+            <p:cNvPr id="31" name="直線コネクタ 30">
+              <a:extLst>
+                <a:ext uri="{FF2B5EF4-FFF2-40B4-BE49-F238E27FC236}">
+                  <a16:creationId xmlns:a16="http://schemas.microsoft.com/office/drawing/2014/main" id="{34BF8B87-1286-D5FF-42A0-98015354054C}"/>
+                </a:ext>
+              </a:extLst>
+            </p:cNvPr>
+            <p:cNvCxnSpPr>
+              <a:stCxn id="19" idx="0"/>
+            </p:cNvCxnSpPr>
+            <p:nvPr/>
+          </p:nvCxnSpPr>
+          <p:spPr>
+            <a:xfrm flipH="1">
+              <a:off x="899592" y="3068960"/>
+              <a:ext cx="864096" cy="0"/>
+            </a:xfrm>
+            <a:prstGeom prst="line">
+              <a:avLst/>
+            </a:prstGeom>
+            <a:ln w="12700">
+              <a:solidFill>
+                <a:schemeClr val="tx1"/>
+              </a:solidFill>
+            </a:ln>
+          </p:spPr>
+          <p:style>
+            <a:lnRef idx="1">
+              <a:schemeClr val="accent1"/>
+            </a:lnRef>
+            <a:fillRef idx="0">
+              <a:schemeClr val="accent1"/>
+            </a:fillRef>
+            <a:effectRef idx="0">
+              <a:schemeClr val="accent1"/>
+            </a:effectRef>
+            <a:fontRef idx="minor">
+              <a:schemeClr val="tx1"/>
+            </a:fontRef>
+          </p:style>
+        </p:cxnSp>
+        <p:cxnSp>
+          <p:nvCxnSpPr>
+            <p:cNvPr id="32" name="直線コネクタ 31">
+              <a:extLst>
+                <a:ext uri="{FF2B5EF4-FFF2-40B4-BE49-F238E27FC236}">
+                  <a16:creationId xmlns:a16="http://schemas.microsoft.com/office/drawing/2014/main" id="{784B1EB6-E130-DA36-AC8D-1D8DD67903CD}"/>
+                </a:ext>
+              </a:extLst>
+            </p:cNvPr>
+            <p:cNvCxnSpPr/>
+            <p:nvPr/>
+          </p:nvCxnSpPr>
+          <p:spPr>
+            <a:xfrm flipH="1">
+              <a:off x="6804248" y="3068960"/>
+              <a:ext cx="864096" cy="0"/>
+            </a:xfrm>
+            <a:prstGeom prst="line">
+              <a:avLst/>
+            </a:prstGeom>
+            <a:ln w="12700">
+              <a:solidFill>
+                <a:schemeClr val="tx1"/>
+              </a:solidFill>
+            </a:ln>
+          </p:spPr>
+          <p:style>
+            <a:lnRef idx="1">
+              <a:schemeClr val="accent1"/>
+            </a:lnRef>
+            <a:fillRef idx="0">
+              <a:schemeClr val="accent1"/>
+            </a:fillRef>
+            <a:effectRef idx="0">
+              <a:schemeClr val="accent1"/>
+            </a:effectRef>
+            <a:fontRef idx="minor">
+              <a:schemeClr val="tx1"/>
+            </a:fontRef>
+          </p:style>
+        </p:cxnSp>
+      </p:grpSp>
+      <p:sp>
+        <p:nvSpPr>
+          <p:cNvPr id="33" name="四角形: 角を丸くする 32">
+            <a:extLst>
+              <a:ext uri="{FF2B5EF4-FFF2-40B4-BE49-F238E27FC236}">
+                <a16:creationId xmlns:a16="http://schemas.microsoft.com/office/drawing/2014/main" id="{6613122C-A641-D4C0-6BD4-90EAB8912609}"/>
+              </a:ext>
+            </a:extLst>
+          </p:cNvPr>
+          <p:cNvSpPr/>
+          <p:nvPr/>
+        </p:nvSpPr>
+        <p:spPr>
+          <a:xfrm>
+            <a:off x="6096000" y="2368064"/>
+            <a:ext cx="792088" cy="792088"/>
+          </a:xfrm>
+          <a:prstGeom prst="roundRect">
+            <a:avLst/>
+          </a:prstGeom>
+        </p:spPr>
+        <p:style>
+          <a:lnRef idx="2">
+            <a:schemeClr val="accent1">
+              <a:shade val="50000"/>
+            </a:schemeClr>
+          </a:lnRef>
+          <a:fillRef idx="1">
+            <a:schemeClr val="accent1"/>
+          </a:fillRef>
+          <a:effectRef idx="0">
+            <a:schemeClr val="accent1"/>
+          </a:effectRef>
+          <a:fontRef idx="minor">
+            <a:schemeClr val="lt1"/>
+          </a:fontRef>
+        </p:style>
+        <p:txBody>
+          <a:bodyPr rtlCol="0" anchor="ctr"/>
+          <a:lstStyle/>
+          <a:p>
+            <a:pPr algn="ctr"/>
+            <a:endParaRPr kumimoji="1" lang="ja-JP" altLang="en-US"/>
+          </a:p>
+        </p:txBody>
+      </p:sp>
+      <p:sp>
+        <p:nvSpPr>
+          <p:cNvPr id="34" name="矢印: 右 33">
+            <a:extLst>
+              <a:ext uri="{FF2B5EF4-FFF2-40B4-BE49-F238E27FC236}">
+                <a16:creationId xmlns:a16="http://schemas.microsoft.com/office/drawing/2014/main" id="{CF1CD0BE-2221-59D4-6763-9C5A3E871CAB}"/>
+              </a:ext>
+            </a:extLst>
+          </p:cNvPr>
+          <p:cNvSpPr/>
+          <p:nvPr/>
+        </p:nvSpPr>
+        <p:spPr>
+          <a:xfrm rot="1800000">
+            <a:off x="3451913" y="3072500"/>
+            <a:ext cx="432048" cy="484632"/>
+          </a:xfrm>
+          <a:prstGeom prst="rightArrow">
+            <a:avLst/>
+          </a:prstGeom>
+        </p:spPr>
+        <p:style>
+          <a:lnRef idx="2">
+            <a:schemeClr val="accent1">
+              <a:shade val="50000"/>
+            </a:schemeClr>
+          </a:lnRef>
+          <a:fillRef idx="1">
+            <a:schemeClr val="accent1"/>
+          </a:fillRef>
+          <a:effectRef idx="0">
+            <a:schemeClr val="accent1"/>
+          </a:effectRef>
+          <a:fontRef idx="minor">
+            <a:schemeClr val="lt1"/>
+          </a:fontRef>
+        </p:style>
+        <p:txBody>
+          <a:bodyPr rtlCol="0" anchor="ctr"/>
+          <a:lstStyle/>
+          <a:p>
+            <a:pPr algn="ctr"/>
+            <a:endParaRPr kumimoji="1" lang="ja-JP" altLang="en-US"/>
+          </a:p>
+        </p:txBody>
+      </p:sp>
+      <p:pic>
+        <p:nvPicPr>
+          <p:cNvPr id="1028" name="Picture 4" descr="台車を押す人のイラスト（男性作業員・荷物あり）">
+            <a:extLst>
+              <a:ext uri="{FF2B5EF4-FFF2-40B4-BE49-F238E27FC236}">
+                <a16:creationId xmlns:a16="http://schemas.microsoft.com/office/drawing/2014/main" id="{0083E084-759C-A91D-CD46-0D3BEE25CB9C}"/>
+              </a:ext>
+            </a:extLst>
+          </p:cNvPr>
+          <p:cNvPicPr>
+            <a:picLocks noChangeAspect="1" noChangeArrowheads="1"/>
+          </p:cNvPicPr>
+          <p:nvPr/>
+        </p:nvPicPr>
+        <p:blipFill>
+          <a:blip r:embed="rId5">
+            <a:extLst>
+              <a:ext uri="{28A0092B-C50C-407E-A947-70E740481C1C}">
+                <a14:useLocalDpi xmlns:a14="http://schemas.microsoft.com/office/drawing/2010/main" val="0"/>
+              </a:ext>
+            </a:extLst>
+          </a:blip>
+          <a:srcRect/>
+          <a:stretch>
+            <a:fillRect/>
+          </a:stretch>
+        </p:blipFill>
+        <p:spPr bwMode="auto">
+          <a:xfrm>
+            <a:off x="2279576" y="2060848"/>
+            <a:ext cx="1187052" cy="1512168"/>
+          </a:xfrm>
+          <a:prstGeom prst="rect">
+            <a:avLst/>
+          </a:prstGeom>
+          <a:noFill/>
+          <a:extLst>
+            <a:ext uri="{909E8E84-426E-40DD-AFC4-6F175D3DCCD1}">
+              <a14:hiddenFill xmlns:a14="http://schemas.microsoft.com/office/drawing/2010/main">
+                <a:solidFill>
+                  <a:srgbClr val="FFFFFF"/>
+                </a:solidFill>
+              </a14:hiddenFill>
+            </a:ext>
+          </a:extLst>
+        </p:spPr>
+      </p:pic>
+      <p:sp>
+        <p:nvSpPr>
+          <p:cNvPr id="35" name="テキスト ボックス 34">
+            <a:extLst>
+              <a:ext uri="{FF2B5EF4-FFF2-40B4-BE49-F238E27FC236}">
+                <a16:creationId xmlns:a16="http://schemas.microsoft.com/office/drawing/2014/main" id="{0E9E297F-1B48-EA78-6316-4574E9EFF22A}"/>
+              </a:ext>
+            </a:extLst>
+          </p:cNvPr>
+          <p:cNvSpPr txBox="1"/>
+          <p:nvPr/>
+        </p:nvSpPr>
+        <p:spPr>
+          <a:xfrm>
+            <a:off x="839416" y="692696"/>
+            <a:ext cx="646331" cy="369332"/>
+          </a:xfrm>
+          <a:prstGeom prst="rect">
+            <a:avLst/>
+          </a:prstGeom>
+          <a:noFill/>
+        </p:spPr>
+        <p:txBody>
+          <a:bodyPr wrap="square" rtlCol="0">
+            <a:spAutoFit/>
+          </a:bodyPr>
+          <a:lstStyle/>
+          <a:p>
+            <a:r>
+              <a:rPr kumimoji="1" lang="ja-JP" altLang="en-US" dirty="0"/>
+              <a:t>対象</a:t>
+            </a:r>
+          </a:p>
+        </p:txBody>
+      </p:sp>
+      <p:sp>
+        <p:nvSpPr>
+          <p:cNvPr id="36" name="テキスト ボックス 35">
+            <a:extLst>
+              <a:ext uri="{FF2B5EF4-FFF2-40B4-BE49-F238E27FC236}">
+                <a16:creationId xmlns:a16="http://schemas.microsoft.com/office/drawing/2014/main" id="{D220F576-4EA3-68CA-4833-CBB9854999BB}"/>
+              </a:ext>
+            </a:extLst>
+          </p:cNvPr>
+          <p:cNvSpPr txBox="1"/>
+          <p:nvPr/>
+        </p:nvSpPr>
+        <p:spPr>
+          <a:xfrm>
+            <a:off x="2711624" y="692696"/>
+            <a:ext cx="646331" cy="369332"/>
+          </a:xfrm>
+          <a:prstGeom prst="rect">
+            <a:avLst/>
+          </a:prstGeom>
+          <a:noFill/>
+        </p:spPr>
+        <p:txBody>
+          <a:bodyPr wrap="square" rtlCol="0">
+            <a:spAutoFit/>
+          </a:bodyPr>
+          <a:lstStyle/>
+          <a:p>
+            <a:r>
+              <a:rPr kumimoji="1" lang="ja-JP" altLang="en-US" dirty="0"/>
+              <a:t>対象</a:t>
+            </a:r>
+          </a:p>
+        </p:txBody>
+      </p:sp>
+    </p:spTree>
+    <p:extLst>
+      <p:ext uri="{BB962C8B-B14F-4D97-AF65-F5344CB8AC3E}">
+        <p14:creationId xmlns:p14="http://schemas.microsoft.com/office/powerpoint/2010/main" val="3783859482"/>
+      </p:ext>
+    </p:extLst>
+  </p:cSld>
+  <p:clrMapOvr>
+    <a:masterClrMapping/>
+  </p:clrMapOvr>
+</p:sld>
+</file>
+
 <file path=ppt/theme/theme1.xml><?xml version="1.0" encoding="utf-8"?>
 <a:theme xmlns:a="http://schemas.openxmlformats.org/drawingml/2006/main" name="Office テーマ">
   <a:themeElements>

--- a/preface/fig/fig.pptx
+++ b/preface/fig/fig.pptx
@@ -3802,8 +3802,8 @@
           </a:p>
         </p:txBody>
       </p:sp>
-      <mc:AlternateContent xmlns:mc="http://schemas.openxmlformats.org/markup-compatibility/2006">
-        <mc:Choice xmlns:a14="http://schemas.microsoft.com/office/drawing/2010/main" Requires="a14">
+      <mc:AlternateContent xmlns:mc="http://schemas.openxmlformats.org/markup-compatibility/2006" xmlns:a14="http://schemas.microsoft.com/office/drawing/2010/main">
+        <mc:Choice Requires="a14">
           <p:sp>
             <p:nvSpPr>
               <p:cNvPr id="67" name="テキスト ボックス 66">
@@ -3920,7 +3920,7 @@
             </p:txBody>
           </p:sp>
         </mc:Choice>
-        <mc:Fallback>
+        <mc:Fallback xmlns="">
           <p:sp>
             <p:nvSpPr>
               <p:cNvPr id="67" name="テキスト ボックス 66">
@@ -4047,8 +4047,8 @@
           </a:p>
         </p:txBody>
       </p:sp>
-      <mc:AlternateContent xmlns:mc="http://schemas.openxmlformats.org/markup-compatibility/2006">
-        <mc:Choice xmlns:a14="http://schemas.microsoft.com/office/drawing/2010/main" Requires="a14">
+      <mc:AlternateContent xmlns:mc="http://schemas.openxmlformats.org/markup-compatibility/2006" xmlns:a14="http://schemas.microsoft.com/office/drawing/2010/main">
+        <mc:Choice Requires="a14">
           <p:sp>
             <p:nvSpPr>
               <p:cNvPr id="73" name="テキスト ボックス 72">
@@ -4159,7 +4159,7 @@
             </p:txBody>
           </p:sp>
         </mc:Choice>
-        <mc:Fallback>
+        <mc:Fallback xmlns="">
           <p:sp>
             <p:nvSpPr>
               <p:cNvPr id="73" name="テキスト ボックス 72">
@@ -7502,7 +7502,7 @@
             </p:nvSpPr>
             <p:spPr>
               <a:xfrm>
-                <a:off x="2495600" y="1556792"/>
+                <a:off x="3416861" y="3130986"/>
                 <a:ext cx="832216" cy="276999"/>
               </a:xfrm>
               <a:prstGeom prst="rect">
@@ -7516,6 +7516,7 @@
               </a:bodyPr>
               <a:lstStyle/>
               <a:p>
+                <a:pPr/>
                 <a14:m>
                   <m:oMathPara xmlns:m="http://schemas.openxmlformats.org/officeDocument/2006/math">
                     <m:oMathParaPr>
@@ -7565,7 +7566,7 @@
             </p:nvSpPr>
             <p:spPr>
               <a:xfrm>
-                <a:off x="2495600" y="1556792"/>
+                <a:off x="3416861" y="3130986"/>
                 <a:ext cx="832216" cy="276999"/>
               </a:xfrm>
               <a:prstGeom prst="rect">
@@ -7574,7 +7575,7 @@
               <a:blipFill>
                 <a:blip r:embed="rId2"/>
                 <a:stretch>
-                  <a:fillRect l="-5839" r="-2920" b="-6522"/>
+                  <a:fillRect l="-7576" r="-3030" b="-4348"/>
                 </a:stretch>
               </a:blipFill>
             </p:spPr>
@@ -7609,7 +7610,7 @@
             </p:nvSpPr>
             <p:spPr>
               <a:xfrm>
-                <a:off x="5303912" y="1556792"/>
+                <a:off x="6069454" y="3130986"/>
                 <a:ext cx="761427" cy="276999"/>
               </a:xfrm>
               <a:prstGeom prst="rect">
@@ -7623,6 +7624,7 @@
               </a:bodyPr>
               <a:lstStyle/>
               <a:p>
+                <a:pPr/>
                 <a14:m>
                   <m:oMathPara xmlns:m="http://schemas.openxmlformats.org/officeDocument/2006/math">
                     <m:oMathParaPr>
@@ -7672,7 +7674,7 @@
             </p:nvSpPr>
             <p:spPr>
               <a:xfrm>
-                <a:off x="5303912" y="1556792"/>
+                <a:off x="6069454" y="3130986"/>
                 <a:ext cx="761427" cy="276999"/>
               </a:xfrm>
               <a:prstGeom prst="rect">
@@ -7681,7 +7683,7 @@
               <a:blipFill>
                 <a:blip r:embed="rId3"/>
                 <a:stretch>
-                  <a:fillRect l="-6400" r="-6400" b="-6522"/>
+                  <a:fillRect l="-8197" r="-4918" b="-8696"/>
                 </a:stretch>
               </a:blipFill>
             </p:spPr>
@@ -7716,7 +7718,7 @@
             </p:nvSpPr>
             <p:spPr>
               <a:xfrm>
-                <a:off x="7896200" y="1484784"/>
+                <a:off x="8953231" y="3130986"/>
                 <a:ext cx="748795" cy="276999"/>
               </a:xfrm>
               <a:prstGeom prst="rect">
@@ -7730,6 +7732,7 @@
               </a:bodyPr>
               <a:lstStyle/>
               <a:p>
+                <a:pPr/>
                 <a14:m>
                   <m:oMathPara xmlns:m="http://schemas.openxmlformats.org/officeDocument/2006/math">
                     <m:oMathParaPr>
@@ -7779,7 +7782,7 @@
             </p:nvSpPr>
             <p:spPr>
               <a:xfrm>
-                <a:off x="7896200" y="1484784"/>
+                <a:off x="8953231" y="3130986"/>
                 <a:ext cx="748795" cy="276999"/>
               </a:xfrm>
               <a:prstGeom prst="rect">
@@ -7788,7 +7791,7 @@
               <a:blipFill>
                 <a:blip r:embed="rId4"/>
                 <a:stretch>
-                  <a:fillRect l="-6504" r="-5691" b="-6667"/>
+                  <a:fillRect l="-6667" r="-5000" b="-4348"/>
                 </a:stretch>
               </a:blipFill>
             </p:spPr>
@@ -7807,120 +7810,12 @@
           </p:sp>
         </mc:Fallback>
       </mc:AlternateContent>
-      <p:sp>
-        <p:nvSpPr>
-          <p:cNvPr id="6" name="正方形/長方形 5">
+      <p:grpSp>
+        <p:nvGrpSpPr>
+          <p:cNvPr id="59" name="グループ化 58">
             <a:extLst>
               <a:ext uri="{FF2B5EF4-FFF2-40B4-BE49-F238E27FC236}">
-                <a16:creationId xmlns:a16="http://schemas.microsoft.com/office/drawing/2014/main" id="{429C7A1D-CCAF-D586-774D-A59D62BFBEC7}"/>
-              </a:ext>
-            </a:extLst>
-          </p:cNvPr>
-          <p:cNvSpPr/>
-          <p:nvPr/>
-        </p:nvSpPr>
-        <p:spPr>
-          <a:xfrm>
-            <a:off x="4511824" y="2368064"/>
-            <a:ext cx="120702" cy="844912"/>
-          </a:xfrm>
-          <a:prstGeom prst="rect">
-            <a:avLst/>
-          </a:prstGeom>
-          <a:solidFill>
-            <a:srgbClr val="FFC000"/>
-          </a:solidFill>
-          <a:ln>
-            <a:solidFill>
-              <a:schemeClr val="tx1"/>
-            </a:solidFill>
-          </a:ln>
-        </p:spPr>
-        <p:style>
-          <a:lnRef idx="2">
-            <a:schemeClr val="accent1">
-              <a:shade val="50000"/>
-            </a:schemeClr>
-          </a:lnRef>
-          <a:fillRef idx="1">
-            <a:schemeClr val="accent1"/>
-          </a:fillRef>
-          <a:effectRef idx="0">
-            <a:schemeClr val="accent1"/>
-          </a:effectRef>
-          <a:fontRef idx="minor">
-            <a:schemeClr val="lt1"/>
-          </a:fontRef>
-        </p:style>
-        <p:txBody>
-          <a:bodyPr rtlCol="0" anchor="ctr"/>
-          <a:lstStyle/>
-          <a:p>
-            <a:pPr algn="ctr"/>
-            <a:endParaRPr kumimoji="1" lang="ja-JP" altLang="en-US"/>
-          </a:p>
-        </p:txBody>
-      </p:sp>
-      <p:sp>
-        <p:nvSpPr>
-          <p:cNvPr id="7" name="正方形/長方形 6">
-            <a:extLst>
-              <a:ext uri="{FF2B5EF4-FFF2-40B4-BE49-F238E27FC236}">
-                <a16:creationId xmlns:a16="http://schemas.microsoft.com/office/drawing/2014/main" id="{0E5705C4-B808-7B48-2529-BC364DDD88EA}"/>
-              </a:ext>
-            </a:extLst>
-          </p:cNvPr>
-          <p:cNvSpPr/>
-          <p:nvPr/>
-        </p:nvSpPr>
-        <p:spPr>
-          <a:xfrm>
-            <a:off x="4511824" y="3212976"/>
-            <a:ext cx="2655437" cy="120702"/>
-          </a:xfrm>
-          <a:prstGeom prst="rect">
-            <a:avLst/>
-          </a:prstGeom>
-          <a:solidFill>
-            <a:srgbClr val="FFC000"/>
-          </a:solidFill>
-          <a:ln>
-            <a:solidFill>
-              <a:schemeClr val="tx1"/>
-            </a:solidFill>
-          </a:ln>
-        </p:spPr>
-        <p:style>
-          <a:lnRef idx="2">
-            <a:schemeClr val="accent1">
-              <a:shade val="50000"/>
-            </a:schemeClr>
-          </a:lnRef>
-          <a:fillRef idx="1">
-            <a:schemeClr val="accent1"/>
-          </a:fillRef>
-          <a:effectRef idx="0">
-            <a:schemeClr val="accent1"/>
-          </a:effectRef>
-          <a:fontRef idx="minor">
-            <a:schemeClr val="lt1"/>
-          </a:fontRef>
-        </p:style>
-        <p:txBody>
-          <a:bodyPr rtlCol="0" anchor="ctr"/>
-          <a:lstStyle/>
-          <a:p>
-            <a:pPr algn="ctr"/>
-            <a:endParaRPr kumimoji="1" lang="ja-JP" altLang="en-US"/>
-          </a:p>
-        </p:txBody>
-      </p:sp>
-      <p:grpSp>
-        <p:nvGrpSpPr>
-          <p:cNvPr id="8" name="グループ化 7">
-            <a:extLst>
-              <a:ext uri="{FF2B5EF4-FFF2-40B4-BE49-F238E27FC236}">
-                <a16:creationId xmlns:a16="http://schemas.microsoft.com/office/drawing/2014/main" id="{E4B7F5DB-0EB4-8AA3-9C95-28B7B11971CB}"/>
+                <a16:creationId xmlns:a16="http://schemas.microsoft.com/office/drawing/2014/main" id="{1D2E440F-ABE0-775F-9148-D722F7B3D57E}"/>
               </a:ext>
             </a:extLst>
           </p:cNvPr>
@@ -7929,18 +7824,18 @@
         </p:nvGrpSpPr>
         <p:grpSpPr>
           <a:xfrm>
-            <a:off x="4632526" y="2440072"/>
-            <a:ext cx="1463474" cy="591851"/>
-            <a:chOff x="899592" y="2492896"/>
-            <a:chExt cx="6768752" cy="1152128"/>
+            <a:off x="5122449" y="1522178"/>
+            <a:ext cx="2655437" cy="965614"/>
+            <a:chOff x="5122449" y="1556117"/>
+            <a:chExt cx="2655437" cy="965614"/>
           </a:xfrm>
         </p:grpSpPr>
         <p:sp>
           <p:nvSpPr>
-            <p:cNvPr id="18" name="円弧 17">
+            <p:cNvPr id="6" name="正方形/長方形 5">
               <a:extLst>
                 <a:ext uri="{FF2B5EF4-FFF2-40B4-BE49-F238E27FC236}">
-                  <a16:creationId xmlns:a16="http://schemas.microsoft.com/office/drawing/2014/main" id="{4B0EED80-CED2-60E8-BAD0-C4C3843E13B3}"/>
+                  <a16:creationId xmlns:a16="http://schemas.microsoft.com/office/drawing/2014/main" id="{429C7A1D-CCAF-D586-774D-A59D62BFBEC7}"/>
                 </a:ext>
               </a:extLst>
             </p:cNvPr>
@@ -7948,34 +7843,36 @@
             <p:nvPr/>
           </p:nvSpPr>
           <p:spPr>
-            <a:xfrm rot="16200000">
-              <a:off x="2411760" y="2492896"/>
-              <a:ext cx="1152128" cy="1152128"/>
+            <a:xfrm>
+              <a:off x="5122449" y="1556117"/>
+              <a:ext cx="120702" cy="844912"/>
             </a:xfrm>
-            <a:prstGeom prst="arc">
-              <a:avLst>
-                <a:gd name="adj1" fmla="val 16200000"/>
-                <a:gd name="adj2" fmla="val 5514588"/>
-              </a:avLst>
+            <a:prstGeom prst="rect">
+              <a:avLst/>
             </a:prstGeom>
-            <a:ln w="12700">
+            <a:solidFill>
+              <a:srgbClr val="FFC000"/>
+            </a:solidFill>
+            <a:ln>
               <a:solidFill>
                 <a:schemeClr val="tx1"/>
               </a:solidFill>
             </a:ln>
           </p:spPr>
           <p:style>
-            <a:lnRef idx="1">
-              <a:schemeClr val="accent1"/>
+            <a:lnRef idx="2">
+              <a:schemeClr val="accent1">
+                <a:shade val="50000"/>
+              </a:schemeClr>
             </a:lnRef>
-            <a:fillRef idx="0">
+            <a:fillRef idx="1">
               <a:schemeClr val="accent1"/>
             </a:fillRef>
             <a:effectRef idx="0">
               <a:schemeClr val="accent1"/>
             </a:effectRef>
             <a:fontRef idx="minor">
-              <a:schemeClr val="tx1"/>
+              <a:schemeClr val="lt1"/>
             </a:fontRef>
           </p:style>
           <p:txBody>
@@ -7989,10 +7886,10 @@
         </p:sp>
         <p:sp>
           <p:nvSpPr>
-            <p:cNvPr id="19" name="円弧 18">
+            <p:cNvPr id="7" name="正方形/長方形 6">
               <a:extLst>
                 <a:ext uri="{FF2B5EF4-FFF2-40B4-BE49-F238E27FC236}">
-                  <a16:creationId xmlns:a16="http://schemas.microsoft.com/office/drawing/2014/main" id="{50BCC739-0F49-2235-8D77-1225A2DE78FB}"/>
+                  <a16:creationId xmlns:a16="http://schemas.microsoft.com/office/drawing/2014/main" id="{0E5705C4-B808-7B48-2529-BC364DDD88EA}"/>
                 </a:ext>
               </a:extLst>
             </p:cNvPr>
@@ -8000,34 +7897,36 @@
             <p:nvPr/>
           </p:nvSpPr>
           <p:spPr>
-            <a:xfrm rot="16200000">
-              <a:off x="1763688" y="2492896"/>
-              <a:ext cx="1152128" cy="1152128"/>
+            <a:xfrm>
+              <a:off x="5122449" y="2401029"/>
+              <a:ext cx="2655437" cy="120702"/>
             </a:xfrm>
-            <a:prstGeom prst="arc">
-              <a:avLst>
-                <a:gd name="adj1" fmla="val 16200000"/>
-                <a:gd name="adj2" fmla="val 5514588"/>
-              </a:avLst>
+            <a:prstGeom prst="rect">
+              <a:avLst/>
             </a:prstGeom>
-            <a:ln w="12700">
+            <a:solidFill>
+              <a:srgbClr val="FFC000"/>
+            </a:solidFill>
+            <a:ln>
               <a:solidFill>
                 <a:schemeClr val="tx1"/>
               </a:solidFill>
             </a:ln>
           </p:spPr>
           <p:style>
-            <a:lnRef idx="1">
-              <a:schemeClr val="accent1"/>
+            <a:lnRef idx="2">
+              <a:schemeClr val="accent1">
+                <a:shade val="50000"/>
+              </a:schemeClr>
             </a:lnRef>
-            <a:fillRef idx="0">
+            <a:fillRef idx="1">
               <a:schemeClr val="accent1"/>
             </a:fillRef>
             <a:effectRef idx="0">
               <a:schemeClr val="accent1"/>
             </a:effectRef>
             <a:fontRef idx="minor">
-              <a:schemeClr val="tx1"/>
+              <a:schemeClr val="lt1"/>
             </a:fontRef>
           </p:style>
           <p:txBody>
@@ -8039,12 +7938,793 @@
             </a:p>
           </p:txBody>
         </p:sp>
+        <p:grpSp>
+          <p:nvGrpSpPr>
+            <p:cNvPr id="8" name="グループ化 7">
+              <a:extLst>
+                <a:ext uri="{FF2B5EF4-FFF2-40B4-BE49-F238E27FC236}">
+                  <a16:creationId xmlns:a16="http://schemas.microsoft.com/office/drawing/2014/main" id="{E4B7F5DB-0EB4-8AA3-9C95-28B7B11971CB}"/>
+                </a:ext>
+              </a:extLst>
+            </p:cNvPr>
+            <p:cNvGrpSpPr/>
+            <p:nvPr/>
+          </p:nvGrpSpPr>
+          <p:grpSpPr>
+            <a:xfrm>
+              <a:off x="5243151" y="1628125"/>
+              <a:ext cx="1463474" cy="591851"/>
+              <a:chOff x="899592" y="2492896"/>
+              <a:chExt cx="6768752" cy="1152128"/>
+            </a:xfrm>
+          </p:grpSpPr>
+          <p:sp>
+            <p:nvSpPr>
+              <p:cNvPr id="18" name="円弧 17">
+                <a:extLst>
+                  <a:ext uri="{FF2B5EF4-FFF2-40B4-BE49-F238E27FC236}">
+                    <a16:creationId xmlns:a16="http://schemas.microsoft.com/office/drawing/2014/main" id="{4B0EED80-CED2-60E8-BAD0-C4C3843E13B3}"/>
+                  </a:ext>
+                </a:extLst>
+              </p:cNvPr>
+              <p:cNvSpPr/>
+              <p:nvPr/>
+            </p:nvSpPr>
+            <p:spPr>
+              <a:xfrm rot="16200000">
+                <a:off x="2411760" y="2492896"/>
+                <a:ext cx="1152128" cy="1152128"/>
+              </a:xfrm>
+              <a:prstGeom prst="arc">
+                <a:avLst>
+                  <a:gd name="adj1" fmla="val 16200000"/>
+                  <a:gd name="adj2" fmla="val 5514588"/>
+                </a:avLst>
+              </a:prstGeom>
+              <a:ln w="12700">
+                <a:solidFill>
+                  <a:schemeClr val="tx1"/>
+                </a:solidFill>
+              </a:ln>
+            </p:spPr>
+            <p:style>
+              <a:lnRef idx="1">
+                <a:schemeClr val="accent1"/>
+              </a:lnRef>
+              <a:fillRef idx="0">
+                <a:schemeClr val="accent1"/>
+              </a:fillRef>
+              <a:effectRef idx="0">
+                <a:schemeClr val="accent1"/>
+              </a:effectRef>
+              <a:fontRef idx="minor">
+                <a:schemeClr val="tx1"/>
+              </a:fontRef>
+            </p:style>
+            <p:txBody>
+              <a:bodyPr rtlCol="0" anchor="ctr"/>
+              <a:lstStyle/>
+              <a:p>
+                <a:pPr algn="ctr"/>
+                <a:endParaRPr kumimoji="1" lang="ja-JP" altLang="en-US"/>
+              </a:p>
+            </p:txBody>
+          </p:sp>
+          <p:sp>
+            <p:nvSpPr>
+              <p:cNvPr id="19" name="円弧 18">
+                <a:extLst>
+                  <a:ext uri="{FF2B5EF4-FFF2-40B4-BE49-F238E27FC236}">
+                    <a16:creationId xmlns:a16="http://schemas.microsoft.com/office/drawing/2014/main" id="{50BCC739-0F49-2235-8D77-1225A2DE78FB}"/>
+                  </a:ext>
+                </a:extLst>
+              </p:cNvPr>
+              <p:cNvSpPr/>
+              <p:nvPr/>
+            </p:nvSpPr>
+            <p:spPr>
+              <a:xfrm rot="16200000">
+                <a:off x="1763688" y="2492896"/>
+                <a:ext cx="1152128" cy="1152128"/>
+              </a:xfrm>
+              <a:prstGeom prst="arc">
+                <a:avLst>
+                  <a:gd name="adj1" fmla="val 16200000"/>
+                  <a:gd name="adj2" fmla="val 5514588"/>
+                </a:avLst>
+              </a:prstGeom>
+              <a:ln w="12700">
+                <a:solidFill>
+                  <a:schemeClr val="tx1"/>
+                </a:solidFill>
+              </a:ln>
+            </p:spPr>
+            <p:style>
+              <a:lnRef idx="1">
+                <a:schemeClr val="accent1"/>
+              </a:lnRef>
+              <a:fillRef idx="0">
+                <a:schemeClr val="accent1"/>
+              </a:fillRef>
+              <a:effectRef idx="0">
+                <a:schemeClr val="accent1"/>
+              </a:effectRef>
+              <a:fontRef idx="minor">
+                <a:schemeClr val="tx1"/>
+              </a:fontRef>
+            </p:style>
+            <p:txBody>
+              <a:bodyPr rtlCol="0" anchor="ctr"/>
+              <a:lstStyle/>
+              <a:p>
+                <a:pPr algn="ctr"/>
+                <a:endParaRPr kumimoji="1" lang="ja-JP" altLang="en-US"/>
+              </a:p>
+            </p:txBody>
+          </p:sp>
+          <p:sp>
+            <p:nvSpPr>
+              <p:cNvPr id="20" name="円弧 19">
+                <a:extLst>
+                  <a:ext uri="{FF2B5EF4-FFF2-40B4-BE49-F238E27FC236}">
+                    <a16:creationId xmlns:a16="http://schemas.microsoft.com/office/drawing/2014/main" id="{8351D3A1-2A67-5265-0319-F8FCF5C01422}"/>
+                  </a:ext>
+                </a:extLst>
+              </p:cNvPr>
+              <p:cNvSpPr/>
+              <p:nvPr/>
+            </p:nvSpPr>
+            <p:spPr>
+              <a:xfrm rot="16200000">
+                <a:off x="3059832" y="2492896"/>
+                <a:ext cx="1152128" cy="1152128"/>
+              </a:xfrm>
+              <a:prstGeom prst="arc">
+                <a:avLst>
+                  <a:gd name="adj1" fmla="val 16200000"/>
+                  <a:gd name="adj2" fmla="val 5514588"/>
+                </a:avLst>
+              </a:prstGeom>
+              <a:ln w="12700">
+                <a:solidFill>
+                  <a:schemeClr val="tx1"/>
+                </a:solidFill>
+              </a:ln>
+            </p:spPr>
+            <p:style>
+              <a:lnRef idx="1">
+                <a:schemeClr val="accent1"/>
+              </a:lnRef>
+              <a:fillRef idx="0">
+                <a:schemeClr val="accent1"/>
+              </a:fillRef>
+              <a:effectRef idx="0">
+                <a:schemeClr val="accent1"/>
+              </a:effectRef>
+              <a:fontRef idx="minor">
+                <a:schemeClr val="tx1"/>
+              </a:fontRef>
+            </p:style>
+            <p:txBody>
+              <a:bodyPr rtlCol="0" anchor="ctr"/>
+              <a:lstStyle/>
+              <a:p>
+                <a:pPr algn="ctr"/>
+                <a:endParaRPr kumimoji="1" lang="ja-JP" altLang="en-US"/>
+              </a:p>
+            </p:txBody>
+          </p:sp>
+          <p:sp>
+            <p:nvSpPr>
+              <p:cNvPr id="21" name="円弧 20">
+                <a:extLst>
+                  <a:ext uri="{FF2B5EF4-FFF2-40B4-BE49-F238E27FC236}">
+                    <a16:creationId xmlns:a16="http://schemas.microsoft.com/office/drawing/2014/main" id="{41234030-BB33-0000-D9D9-74D70C4CAD63}"/>
+                  </a:ext>
+                </a:extLst>
+              </p:cNvPr>
+              <p:cNvSpPr/>
+              <p:nvPr/>
+            </p:nvSpPr>
+            <p:spPr>
+              <a:xfrm rot="16200000">
+                <a:off x="3707904" y="2492896"/>
+                <a:ext cx="1152128" cy="1152128"/>
+              </a:xfrm>
+              <a:prstGeom prst="arc">
+                <a:avLst>
+                  <a:gd name="adj1" fmla="val 16069596"/>
+                  <a:gd name="adj2" fmla="val 5514588"/>
+                </a:avLst>
+              </a:prstGeom>
+              <a:ln w="12700">
+                <a:solidFill>
+                  <a:schemeClr val="tx1"/>
+                </a:solidFill>
+              </a:ln>
+            </p:spPr>
+            <p:style>
+              <a:lnRef idx="1">
+                <a:schemeClr val="accent1"/>
+              </a:lnRef>
+              <a:fillRef idx="0">
+                <a:schemeClr val="accent1"/>
+              </a:fillRef>
+              <a:effectRef idx="0">
+                <a:schemeClr val="accent1"/>
+              </a:effectRef>
+              <a:fontRef idx="minor">
+                <a:schemeClr val="tx1"/>
+              </a:fontRef>
+            </p:style>
+            <p:txBody>
+              <a:bodyPr rtlCol="0" anchor="ctr"/>
+              <a:lstStyle/>
+              <a:p>
+                <a:pPr algn="ctr"/>
+                <a:endParaRPr kumimoji="1" lang="ja-JP" altLang="en-US"/>
+              </a:p>
+            </p:txBody>
+          </p:sp>
+          <p:sp>
+            <p:nvSpPr>
+              <p:cNvPr id="22" name="円弧 21">
+                <a:extLst>
+                  <a:ext uri="{FF2B5EF4-FFF2-40B4-BE49-F238E27FC236}">
+                    <a16:creationId xmlns:a16="http://schemas.microsoft.com/office/drawing/2014/main" id="{B7167B70-70FA-2AA4-9A02-4857110DACFB}"/>
+                  </a:ext>
+                </a:extLst>
+              </p:cNvPr>
+              <p:cNvSpPr/>
+              <p:nvPr/>
+            </p:nvSpPr>
+            <p:spPr>
+              <a:xfrm rot="5400000">
+                <a:off x="3383868" y="2816932"/>
+                <a:ext cx="1152128" cy="504056"/>
+              </a:xfrm>
+              <a:prstGeom prst="arc">
+                <a:avLst>
+                  <a:gd name="adj1" fmla="val 16069596"/>
+                  <a:gd name="adj2" fmla="val 5514588"/>
+                </a:avLst>
+              </a:prstGeom>
+              <a:ln w="12700">
+                <a:solidFill>
+                  <a:schemeClr val="tx1"/>
+                </a:solidFill>
+              </a:ln>
+            </p:spPr>
+            <p:style>
+              <a:lnRef idx="1">
+                <a:schemeClr val="accent1"/>
+              </a:lnRef>
+              <a:fillRef idx="0">
+                <a:schemeClr val="accent1"/>
+              </a:fillRef>
+              <a:effectRef idx="0">
+                <a:schemeClr val="accent1"/>
+              </a:effectRef>
+              <a:fontRef idx="minor">
+                <a:schemeClr val="tx1"/>
+              </a:fontRef>
+            </p:style>
+            <p:txBody>
+              <a:bodyPr rtlCol="0" anchor="ctr"/>
+              <a:lstStyle/>
+              <a:p>
+                <a:pPr algn="ctr"/>
+                <a:endParaRPr kumimoji="1" lang="ja-JP" altLang="en-US"/>
+              </a:p>
+            </p:txBody>
+          </p:sp>
+          <p:sp>
+            <p:nvSpPr>
+              <p:cNvPr id="23" name="円弧 22">
+                <a:extLst>
+                  <a:ext uri="{FF2B5EF4-FFF2-40B4-BE49-F238E27FC236}">
+                    <a16:creationId xmlns:a16="http://schemas.microsoft.com/office/drawing/2014/main" id="{01108F07-4FF0-FB69-1280-1AED6F79B7BB}"/>
+                  </a:ext>
+                </a:extLst>
+              </p:cNvPr>
+              <p:cNvSpPr/>
+              <p:nvPr/>
+            </p:nvSpPr>
+            <p:spPr>
+              <a:xfrm rot="5400000">
+                <a:off x="2735796" y="2816932"/>
+                <a:ext cx="1152128" cy="504056"/>
+              </a:xfrm>
+              <a:prstGeom prst="arc">
+                <a:avLst>
+                  <a:gd name="adj1" fmla="val 16069596"/>
+                  <a:gd name="adj2" fmla="val 5514588"/>
+                </a:avLst>
+              </a:prstGeom>
+              <a:ln w="12700">
+                <a:solidFill>
+                  <a:schemeClr val="tx1"/>
+                </a:solidFill>
+              </a:ln>
+            </p:spPr>
+            <p:style>
+              <a:lnRef idx="1">
+                <a:schemeClr val="accent1"/>
+              </a:lnRef>
+              <a:fillRef idx="0">
+                <a:schemeClr val="accent1"/>
+              </a:fillRef>
+              <a:effectRef idx="0">
+                <a:schemeClr val="accent1"/>
+              </a:effectRef>
+              <a:fontRef idx="minor">
+                <a:schemeClr val="tx1"/>
+              </a:fontRef>
+            </p:style>
+            <p:txBody>
+              <a:bodyPr rtlCol="0" anchor="ctr"/>
+              <a:lstStyle/>
+              <a:p>
+                <a:pPr algn="ctr"/>
+                <a:endParaRPr kumimoji="1" lang="ja-JP" altLang="en-US"/>
+              </a:p>
+            </p:txBody>
+          </p:sp>
+          <p:sp>
+            <p:nvSpPr>
+              <p:cNvPr id="24" name="円弧 23">
+                <a:extLst>
+                  <a:ext uri="{FF2B5EF4-FFF2-40B4-BE49-F238E27FC236}">
+                    <a16:creationId xmlns:a16="http://schemas.microsoft.com/office/drawing/2014/main" id="{E79B2278-9C0F-BFB1-7D64-FF8B13464F1A}"/>
+                  </a:ext>
+                </a:extLst>
+              </p:cNvPr>
+              <p:cNvSpPr/>
+              <p:nvPr/>
+            </p:nvSpPr>
+            <p:spPr>
+              <a:xfrm rot="5400000">
+                <a:off x="2087724" y="2816932"/>
+                <a:ext cx="1152128" cy="504056"/>
+              </a:xfrm>
+              <a:prstGeom prst="arc">
+                <a:avLst>
+                  <a:gd name="adj1" fmla="val 16069596"/>
+                  <a:gd name="adj2" fmla="val 5514588"/>
+                </a:avLst>
+              </a:prstGeom>
+              <a:ln w="12700">
+                <a:solidFill>
+                  <a:schemeClr val="tx1"/>
+                </a:solidFill>
+              </a:ln>
+            </p:spPr>
+            <p:style>
+              <a:lnRef idx="1">
+                <a:schemeClr val="accent1"/>
+              </a:lnRef>
+              <a:fillRef idx="0">
+                <a:schemeClr val="accent1"/>
+              </a:fillRef>
+              <a:effectRef idx="0">
+                <a:schemeClr val="accent1"/>
+              </a:effectRef>
+              <a:fontRef idx="minor">
+                <a:schemeClr val="tx1"/>
+              </a:fontRef>
+            </p:style>
+            <p:txBody>
+              <a:bodyPr rtlCol="0" anchor="ctr"/>
+              <a:lstStyle/>
+              <a:p>
+                <a:pPr algn="ctr"/>
+                <a:endParaRPr kumimoji="1" lang="ja-JP" altLang="en-US"/>
+              </a:p>
+            </p:txBody>
+          </p:sp>
+          <p:sp>
+            <p:nvSpPr>
+              <p:cNvPr id="25" name="円弧 24">
+                <a:extLst>
+                  <a:ext uri="{FF2B5EF4-FFF2-40B4-BE49-F238E27FC236}">
+                    <a16:creationId xmlns:a16="http://schemas.microsoft.com/office/drawing/2014/main" id="{6B3A8E38-D5A4-5C09-0246-EE2C7A6B8A8B}"/>
+                  </a:ext>
+                </a:extLst>
+              </p:cNvPr>
+              <p:cNvSpPr/>
+              <p:nvPr/>
+            </p:nvSpPr>
+            <p:spPr>
+              <a:xfrm rot="16200000">
+                <a:off x="4355976" y="2492896"/>
+                <a:ext cx="1152128" cy="1152128"/>
+              </a:xfrm>
+              <a:prstGeom prst="arc">
+                <a:avLst>
+                  <a:gd name="adj1" fmla="val 16069596"/>
+                  <a:gd name="adj2" fmla="val 5514588"/>
+                </a:avLst>
+              </a:prstGeom>
+              <a:ln w="12700">
+                <a:solidFill>
+                  <a:schemeClr val="tx1"/>
+                </a:solidFill>
+              </a:ln>
+            </p:spPr>
+            <p:style>
+              <a:lnRef idx="1">
+                <a:schemeClr val="accent1"/>
+              </a:lnRef>
+              <a:fillRef idx="0">
+                <a:schemeClr val="accent1"/>
+              </a:fillRef>
+              <a:effectRef idx="0">
+                <a:schemeClr val="accent1"/>
+              </a:effectRef>
+              <a:fontRef idx="minor">
+                <a:schemeClr val="tx1"/>
+              </a:fontRef>
+            </p:style>
+            <p:txBody>
+              <a:bodyPr rtlCol="0" anchor="ctr"/>
+              <a:lstStyle/>
+              <a:p>
+                <a:pPr algn="ctr"/>
+                <a:endParaRPr kumimoji="1" lang="ja-JP" altLang="en-US"/>
+              </a:p>
+            </p:txBody>
+          </p:sp>
+          <p:sp>
+            <p:nvSpPr>
+              <p:cNvPr id="26" name="円弧 25">
+                <a:extLst>
+                  <a:ext uri="{FF2B5EF4-FFF2-40B4-BE49-F238E27FC236}">
+                    <a16:creationId xmlns:a16="http://schemas.microsoft.com/office/drawing/2014/main" id="{EA281E1E-4250-A500-5C8E-3CD915870624}"/>
+                  </a:ext>
+                </a:extLst>
+              </p:cNvPr>
+              <p:cNvSpPr/>
+              <p:nvPr/>
+            </p:nvSpPr>
+            <p:spPr>
+              <a:xfrm rot="5400000">
+                <a:off x="4031940" y="2816932"/>
+                <a:ext cx="1152128" cy="504056"/>
+              </a:xfrm>
+              <a:prstGeom prst="arc">
+                <a:avLst>
+                  <a:gd name="adj1" fmla="val 16069596"/>
+                  <a:gd name="adj2" fmla="val 5514588"/>
+                </a:avLst>
+              </a:prstGeom>
+              <a:ln w="12700">
+                <a:solidFill>
+                  <a:schemeClr val="tx1"/>
+                </a:solidFill>
+              </a:ln>
+            </p:spPr>
+            <p:style>
+              <a:lnRef idx="1">
+                <a:schemeClr val="accent1"/>
+              </a:lnRef>
+              <a:fillRef idx="0">
+                <a:schemeClr val="accent1"/>
+              </a:fillRef>
+              <a:effectRef idx="0">
+                <a:schemeClr val="accent1"/>
+              </a:effectRef>
+              <a:fontRef idx="minor">
+                <a:schemeClr val="tx1"/>
+              </a:fontRef>
+            </p:style>
+            <p:txBody>
+              <a:bodyPr rtlCol="0" anchor="ctr"/>
+              <a:lstStyle/>
+              <a:p>
+                <a:pPr algn="ctr"/>
+                <a:endParaRPr kumimoji="1" lang="ja-JP" altLang="en-US"/>
+              </a:p>
+            </p:txBody>
+          </p:sp>
+          <p:sp>
+            <p:nvSpPr>
+              <p:cNvPr id="27" name="円弧 26">
+                <a:extLst>
+                  <a:ext uri="{FF2B5EF4-FFF2-40B4-BE49-F238E27FC236}">
+                    <a16:creationId xmlns:a16="http://schemas.microsoft.com/office/drawing/2014/main" id="{71EA9852-727A-B18D-888D-F7E921BC3B4B}"/>
+                  </a:ext>
+                </a:extLst>
+              </p:cNvPr>
+              <p:cNvSpPr/>
+              <p:nvPr/>
+            </p:nvSpPr>
+            <p:spPr>
+              <a:xfrm rot="16200000">
+                <a:off x="5004048" y="2492896"/>
+                <a:ext cx="1152128" cy="1152128"/>
+              </a:xfrm>
+              <a:prstGeom prst="arc">
+                <a:avLst>
+                  <a:gd name="adj1" fmla="val 16069596"/>
+                  <a:gd name="adj2" fmla="val 5514588"/>
+                </a:avLst>
+              </a:prstGeom>
+              <a:ln w="12700">
+                <a:solidFill>
+                  <a:schemeClr val="tx1"/>
+                </a:solidFill>
+              </a:ln>
+            </p:spPr>
+            <p:style>
+              <a:lnRef idx="1">
+                <a:schemeClr val="accent1"/>
+              </a:lnRef>
+              <a:fillRef idx="0">
+                <a:schemeClr val="accent1"/>
+              </a:fillRef>
+              <a:effectRef idx="0">
+                <a:schemeClr val="accent1"/>
+              </a:effectRef>
+              <a:fontRef idx="minor">
+                <a:schemeClr val="tx1"/>
+              </a:fontRef>
+            </p:style>
+            <p:txBody>
+              <a:bodyPr rtlCol="0" anchor="ctr"/>
+              <a:lstStyle/>
+              <a:p>
+                <a:pPr algn="ctr"/>
+                <a:endParaRPr kumimoji="1" lang="ja-JP" altLang="en-US"/>
+              </a:p>
+            </p:txBody>
+          </p:sp>
+          <p:sp>
+            <p:nvSpPr>
+              <p:cNvPr id="28" name="円弧 27">
+                <a:extLst>
+                  <a:ext uri="{FF2B5EF4-FFF2-40B4-BE49-F238E27FC236}">
+                    <a16:creationId xmlns:a16="http://schemas.microsoft.com/office/drawing/2014/main" id="{744B90B8-9A7B-F0BC-4DAA-7A4192E1C944}"/>
+                  </a:ext>
+                </a:extLst>
+              </p:cNvPr>
+              <p:cNvSpPr/>
+              <p:nvPr/>
+            </p:nvSpPr>
+            <p:spPr>
+              <a:xfrm rot="5400000">
+                <a:off x="4680012" y="2816932"/>
+                <a:ext cx="1152128" cy="504056"/>
+              </a:xfrm>
+              <a:prstGeom prst="arc">
+                <a:avLst>
+                  <a:gd name="adj1" fmla="val 16069596"/>
+                  <a:gd name="adj2" fmla="val 5514588"/>
+                </a:avLst>
+              </a:prstGeom>
+              <a:ln w="12700">
+                <a:solidFill>
+                  <a:schemeClr val="tx1"/>
+                </a:solidFill>
+              </a:ln>
+            </p:spPr>
+            <p:style>
+              <a:lnRef idx="1">
+                <a:schemeClr val="accent1"/>
+              </a:lnRef>
+              <a:fillRef idx="0">
+                <a:schemeClr val="accent1"/>
+              </a:fillRef>
+              <a:effectRef idx="0">
+                <a:schemeClr val="accent1"/>
+              </a:effectRef>
+              <a:fontRef idx="minor">
+                <a:schemeClr val="tx1"/>
+              </a:fontRef>
+            </p:style>
+            <p:txBody>
+              <a:bodyPr rtlCol="0" anchor="ctr"/>
+              <a:lstStyle/>
+              <a:p>
+                <a:pPr algn="ctr"/>
+                <a:endParaRPr kumimoji="1" lang="ja-JP" altLang="en-US"/>
+              </a:p>
+            </p:txBody>
+          </p:sp>
+          <p:sp>
+            <p:nvSpPr>
+              <p:cNvPr id="29" name="円弧 28">
+                <a:extLst>
+                  <a:ext uri="{FF2B5EF4-FFF2-40B4-BE49-F238E27FC236}">
+                    <a16:creationId xmlns:a16="http://schemas.microsoft.com/office/drawing/2014/main" id="{B13922FF-BDD4-BF78-74F2-3B4EC22D1DB3}"/>
+                  </a:ext>
+                </a:extLst>
+              </p:cNvPr>
+              <p:cNvSpPr/>
+              <p:nvPr/>
+            </p:nvSpPr>
+            <p:spPr>
+              <a:xfrm rot="16200000">
+                <a:off x="5652120" y="2492896"/>
+                <a:ext cx="1152128" cy="1152128"/>
+              </a:xfrm>
+              <a:prstGeom prst="arc">
+                <a:avLst>
+                  <a:gd name="adj1" fmla="val 16069596"/>
+                  <a:gd name="adj2" fmla="val 5438339"/>
+                </a:avLst>
+              </a:prstGeom>
+              <a:ln w="12700">
+                <a:solidFill>
+                  <a:schemeClr val="tx1"/>
+                </a:solidFill>
+              </a:ln>
+            </p:spPr>
+            <p:style>
+              <a:lnRef idx="1">
+                <a:schemeClr val="accent1"/>
+              </a:lnRef>
+              <a:fillRef idx="0">
+                <a:schemeClr val="accent1"/>
+              </a:fillRef>
+              <a:effectRef idx="0">
+                <a:schemeClr val="accent1"/>
+              </a:effectRef>
+              <a:fontRef idx="minor">
+                <a:schemeClr val="tx1"/>
+              </a:fontRef>
+            </p:style>
+            <p:txBody>
+              <a:bodyPr rtlCol="0" anchor="ctr"/>
+              <a:lstStyle/>
+              <a:p>
+                <a:pPr algn="ctr"/>
+                <a:endParaRPr kumimoji="1" lang="ja-JP" altLang="en-US"/>
+              </a:p>
+            </p:txBody>
+          </p:sp>
+          <p:sp>
+            <p:nvSpPr>
+              <p:cNvPr id="30" name="円弧 29">
+                <a:extLst>
+                  <a:ext uri="{FF2B5EF4-FFF2-40B4-BE49-F238E27FC236}">
+                    <a16:creationId xmlns:a16="http://schemas.microsoft.com/office/drawing/2014/main" id="{67C5C654-1A6F-9B82-6FDA-6AC030B48E05}"/>
+                  </a:ext>
+                </a:extLst>
+              </p:cNvPr>
+              <p:cNvSpPr/>
+              <p:nvPr/>
+            </p:nvSpPr>
+            <p:spPr>
+              <a:xfrm rot="5400000">
+                <a:off x="5328084" y="2816932"/>
+                <a:ext cx="1152128" cy="504056"/>
+              </a:xfrm>
+              <a:prstGeom prst="arc">
+                <a:avLst>
+                  <a:gd name="adj1" fmla="val 16069596"/>
+                  <a:gd name="adj2" fmla="val 5514588"/>
+                </a:avLst>
+              </a:prstGeom>
+              <a:ln w="12700">
+                <a:solidFill>
+                  <a:schemeClr val="tx1"/>
+                </a:solidFill>
+              </a:ln>
+            </p:spPr>
+            <p:style>
+              <a:lnRef idx="1">
+                <a:schemeClr val="accent1"/>
+              </a:lnRef>
+              <a:fillRef idx="0">
+                <a:schemeClr val="accent1"/>
+              </a:fillRef>
+              <a:effectRef idx="0">
+                <a:schemeClr val="accent1"/>
+              </a:effectRef>
+              <a:fontRef idx="minor">
+                <a:schemeClr val="tx1"/>
+              </a:fontRef>
+            </p:style>
+            <p:txBody>
+              <a:bodyPr rtlCol="0" anchor="ctr"/>
+              <a:lstStyle/>
+              <a:p>
+                <a:pPr algn="ctr"/>
+                <a:endParaRPr kumimoji="1" lang="ja-JP" altLang="en-US"/>
+              </a:p>
+            </p:txBody>
+          </p:sp>
+          <p:cxnSp>
+            <p:nvCxnSpPr>
+              <p:cNvPr id="31" name="直線コネクタ 30">
+                <a:extLst>
+                  <a:ext uri="{FF2B5EF4-FFF2-40B4-BE49-F238E27FC236}">
+                    <a16:creationId xmlns:a16="http://schemas.microsoft.com/office/drawing/2014/main" id="{34BF8B87-1286-D5FF-42A0-98015354054C}"/>
+                  </a:ext>
+                </a:extLst>
+              </p:cNvPr>
+              <p:cNvCxnSpPr>
+                <a:stCxn id="19" idx="0"/>
+              </p:cNvCxnSpPr>
+              <p:nvPr/>
+            </p:nvCxnSpPr>
+            <p:spPr>
+              <a:xfrm flipH="1">
+                <a:off x="899592" y="3068960"/>
+                <a:ext cx="864096" cy="0"/>
+              </a:xfrm>
+              <a:prstGeom prst="line">
+                <a:avLst/>
+              </a:prstGeom>
+              <a:ln w="12700">
+                <a:solidFill>
+                  <a:schemeClr val="tx1"/>
+                </a:solidFill>
+              </a:ln>
+            </p:spPr>
+            <p:style>
+              <a:lnRef idx="1">
+                <a:schemeClr val="accent1"/>
+              </a:lnRef>
+              <a:fillRef idx="0">
+                <a:schemeClr val="accent1"/>
+              </a:fillRef>
+              <a:effectRef idx="0">
+                <a:schemeClr val="accent1"/>
+              </a:effectRef>
+              <a:fontRef idx="minor">
+                <a:schemeClr val="tx1"/>
+              </a:fontRef>
+            </p:style>
+          </p:cxnSp>
+          <p:cxnSp>
+            <p:nvCxnSpPr>
+              <p:cNvPr id="32" name="直線コネクタ 31">
+                <a:extLst>
+                  <a:ext uri="{FF2B5EF4-FFF2-40B4-BE49-F238E27FC236}">
+                    <a16:creationId xmlns:a16="http://schemas.microsoft.com/office/drawing/2014/main" id="{784B1EB6-E130-DA36-AC8D-1D8DD67903CD}"/>
+                  </a:ext>
+                </a:extLst>
+              </p:cNvPr>
+              <p:cNvCxnSpPr/>
+              <p:nvPr/>
+            </p:nvCxnSpPr>
+            <p:spPr>
+              <a:xfrm flipH="1">
+                <a:off x="6804248" y="3068960"/>
+                <a:ext cx="864096" cy="0"/>
+              </a:xfrm>
+              <a:prstGeom prst="line">
+                <a:avLst/>
+              </a:prstGeom>
+              <a:ln w="12700">
+                <a:solidFill>
+                  <a:schemeClr val="tx1"/>
+                </a:solidFill>
+              </a:ln>
+            </p:spPr>
+            <p:style>
+              <a:lnRef idx="1">
+                <a:schemeClr val="accent1"/>
+              </a:lnRef>
+              <a:fillRef idx="0">
+                <a:schemeClr val="accent1"/>
+              </a:fillRef>
+              <a:effectRef idx="0">
+                <a:schemeClr val="accent1"/>
+              </a:effectRef>
+              <a:fontRef idx="minor">
+                <a:schemeClr val="tx1"/>
+              </a:fontRef>
+            </p:style>
+          </p:cxnSp>
+        </p:grpSp>
         <p:sp>
           <p:nvSpPr>
-            <p:cNvPr id="20" name="円弧 19">
+            <p:cNvPr id="33" name="四角形: 角を丸くする 32">
               <a:extLst>
                 <a:ext uri="{FF2B5EF4-FFF2-40B4-BE49-F238E27FC236}">
-                  <a16:creationId xmlns:a16="http://schemas.microsoft.com/office/drawing/2014/main" id="{8351D3A1-2A67-5265-0319-F8FCF5C01422}"/>
+                  <a16:creationId xmlns:a16="http://schemas.microsoft.com/office/drawing/2014/main" id="{6613122C-A641-D4C0-6BD4-90EAB8912609}"/>
                 </a:ext>
               </a:extLst>
             </p:cNvPr>
@@ -8052,34 +8732,28 @@
             <p:nvPr/>
           </p:nvSpPr>
           <p:spPr>
-            <a:xfrm rot="16200000">
-              <a:off x="3059832" y="2492896"/>
-              <a:ext cx="1152128" cy="1152128"/>
+            <a:xfrm>
+              <a:off x="6706625" y="1556117"/>
+              <a:ext cx="792088" cy="792088"/>
             </a:xfrm>
-            <a:prstGeom prst="arc">
-              <a:avLst>
-                <a:gd name="adj1" fmla="val 16200000"/>
-                <a:gd name="adj2" fmla="val 5514588"/>
-              </a:avLst>
+            <a:prstGeom prst="roundRect">
+              <a:avLst/>
             </a:prstGeom>
-            <a:ln w="12700">
-              <a:solidFill>
-                <a:schemeClr val="tx1"/>
-              </a:solidFill>
-            </a:ln>
           </p:spPr>
           <p:style>
-            <a:lnRef idx="1">
-              <a:schemeClr val="accent1"/>
+            <a:lnRef idx="2">
+              <a:schemeClr val="accent1">
+                <a:shade val="50000"/>
+              </a:schemeClr>
             </a:lnRef>
-            <a:fillRef idx="0">
+            <a:fillRef idx="1">
               <a:schemeClr val="accent1"/>
             </a:fillRef>
             <a:effectRef idx="0">
               <a:schemeClr val="accent1"/>
             </a:effectRef>
             <a:fontRef idx="minor">
-              <a:schemeClr val="tx1"/>
+              <a:schemeClr val="lt1"/>
             </a:fontRef>
           </p:style>
           <p:txBody>
@@ -8091,12 +8765,33 @@
             </a:p>
           </p:txBody>
         </p:sp>
+      </p:grpSp>
+      <p:grpSp>
+        <p:nvGrpSpPr>
+          <p:cNvPr id="58" name="グループ化 57">
+            <a:extLst>
+              <a:ext uri="{FF2B5EF4-FFF2-40B4-BE49-F238E27FC236}">
+                <a16:creationId xmlns:a16="http://schemas.microsoft.com/office/drawing/2014/main" id="{42B283F7-12FD-1DE8-7211-51A6B5B10F3E}"/>
+              </a:ext>
+            </a:extLst>
+          </p:cNvPr>
+          <p:cNvGrpSpPr/>
+          <p:nvPr/>
+        </p:nvGrpSpPr>
+        <p:grpSpPr>
+          <a:xfrm>
+            <a:off x="3030777" y="1248901"/>
+            <a:ext cx="1604385" cy="1512168"/>
+            <a:chOff x="2890201" y="1248901"/>
+            <a:chExt cx="1604385" cy="1512168"/>
+          </a:xfrm>
+        </p:grpSpPr>
         <p:sp>
           <p:nvSpPr>
-            <p:cNvPr id="21" name="円弧 20">
+            <p:cNvPr id="34" name="矢印: 右 33">
               <a:extLst>
                 <a:ext uri="{FF2B5EF4-FFF2-40B4-BE49-F238E27FC236}">
-                  <a16:creationId xmlns:a16="http://schemas.microsoft.com/office/drawing/2014/main" id="{41234030-BB33-0000-D9D9-74D70C4CAD63}"/>
+                  <a16:creationId xmlns:a16="http://schemas.microsoft.com/office/drawing/2014/main" id="{CF1CD0BE-2221-59D4-6763-9C5A3E871CAB}"/>
                 </a:ext>
               </a:extLst>
             </p:cNvPr>
@@ -8104,34 +8799,28 @@
             <p:nvPr/>
           </p:nvSpPr>
           <p:spPr>
-            <a:xfrm rot="16200000">
-              <a:off x="3707904" y="2492896"/>
-              <a:ext cx="1152128" cy="1152128"/>
+            <a:xfrm rot="1800000">
+              <a:off x="4062538" y="2260553"/>
+              <a:ext cx="432048" cy="484632"/>
             </a:xfrm>
-            <a:prstGeom prst="arc">
-              <a:avLst>
-                <a:gd name="adj1" fmla="val 16069596"/>
-                <a:gd name="adj2" fmla="val 5514588"/>
-              </a:avLst>
+            <a:prstGeom prst="rightArrow">
+              <a:avLst/>
             </a:prstGeom>
-            <a:ln w="12700">
-              <a:solidFill>
-                <a:schemeClr val="tx1"/>
-              </a:solidFill>
-            </a:ln>
           </p:spPr>
           <p:style>
-            <a:lnRef idx="1">
-              <a:schemeClr val="accent1"/>
+            <a:lnRef idx="2">
+              <a:schemeClr val="accent1">
+                <a:shade val="50000"/>
+              </a:schemeClr>
             </a:lnRef>
-            <a:fillRef idx="0">
+            <a:fillRef idx="1">
               <a:schemeClr val="accent1"/>
             </a:fillRef>
             <a:effectRef idx="0">
               <a:schemeClr val="accent1"/>
             </a:effectRef>
             <a:fontRef idx="minor">
-              <a:schemeClr val="tx1"/>
+              <a:schemeClr val="lt1"/>
             </a:fontRef>
           </p:style>
           <p:txBody>
@@ -8143,497 +8832,375 @@
             </a:p>
           </p:txBody>
         </p:sp>
-        <p:sp>
-          <p:nvSpPr>
-            <p:cNvPr id="22" name="円弧 21">
+        <p:pic>
+          <p:nvPicPr>
+            <p:cNvPr id="1028" name="Picture 4" descr="台車を押す人のイラスト（男性作業員・荷物あり）">
               <a:extLst>
                 <a:ext uri="{FF2B5EF4-FFF2-40B4-BE49-F238E27FC236}">
-                  <a16:creationId xmlns:a16="http://schemas.microsoft.com/office/drawing/2014/main" id="{B7167B70-70FA-2AA4-9A02-4857110DACFB}"/>
+                  <a16:creationId xmlns:a16="http://schemas.microsoft.com/office/drawing/2014/main" id="{0083E084-759C-A91D-CD46-0D3BEE25CB9C}"/>
                 </a:ext>
               </a:extLst>
             </p:cNvPr>
-            <p:cNvSpPr/>
+            <p:cNvPicPr>
+              <a:picLocks noChangeAspect="1" noChangeArrowheads="1"/>
+            </p:cNvPicPr>
             <p:nvPr/>
-          </p:nvSpPr>
-          <p:spPr>
-            <a:xfrm rot="5400000">
-              <a:off x="3383868" y="2816932"/>
-              <a:ext cx="1152128" cy="504056"/>
+          </p:nvPicPr>
+          <p:blipFill>
+            <a:blip r:embed="rId5">
+              <a:extLst>
+                <a:ext uri="{28A0092B-C50C-407E-A947-70E740481C1C}">
+                  <a14:useLocalDpi xmlns:a14="http://schemas.microsoft.com/office/drawing/2010/main" val="0"/>
+                </a:ext>
+              </a:extLst>
+            </a:blip>
+            <a:srcRect/>
+            <a:stretch>
+              <a:fillRect/>
+            </a:stretch>
+          </p:blipFill>
+          <p:spPr bwMode="auto">
+            <a:xfrm>
+              <a:off x="2890201" y="1248901"/>
+              <a:ext cx="1187052" cy="1512168"/>
             </a:xfrm>
-            <a:prstGeom prst="arc">
-              <a:avLst>
-                <a:gd name="adj1" fmla="val 16069596"/>
-                <a:gd name="adj2" fmla="val 5514588"/>
-              </a:avLst>
+            <a:prstGeom prst="rect">
+              <a:avLst/>
             </a:prstGeom>
-            <a:ln w="12700">
-              <a:solidFill>
-                <a:schemeClr val="tx1"/>
-              </a:solidFill>
-            </a:ln>
+            <a:noFill/>
+            <a:extLst>
+              <a:ext uri="{909E8E84-426E-40DD-AFC4-6F175D3DCCD1}">
+                <a14:hiddenFill xmlns:a14="http://schemas.microsoft.com/office/drawing/2010/main">
+                  <a:solidFill>
+                    <a:srgbClr val="FFFFFF"/>
+                  </a:solidFill>
+                </a14:hiddenFill>
+              </a:ext>
+            </a:extLst>
           </p:spPr>
-          <p:style>
-            <a:lnRef idx="1">
-              <a:schemeClr val="accent1"/>
-            </a:lnRef>
-            <a:fillRef idx="0">
-              <a:schemeClr val="accent1"/>
-            </a:fillRef>
-            <a:effectRef idx="0">
-              <a:schemeClr val="accent1"/>
-            </a:effectRef>
-            <a:fontRef idx="minor">
-              <a:schemeClr val="tx1"/>
-            </a:fontRef>
-          </p:style>
-          <p:txBody>
-            <a:bodyPr rtlCol="0" anchor="ctr"/>
-            <a:lstStyle/>
-            <a:p>
-              <a:pPr algn="ctr"/>
-              <a:endParaRPr kumimoji="1" lang="ja-JP" altLang="en-US"/>
-            </a:p>
-          </p:txBody>
-        </p:sp>
-        <p:sp>
-          <p:nvSpPr>
-            <p:cNvPr id="23" name="円弧 22">
+        </p:pic>
+      </p:grpSp>
+      <p:sp>
+        <p:nvSpPr>
+          <p:cNvPr id="35" name="テキスト ボックス 34">
+            <a:extLst>
+              <a:ext uri="{FF2B5EF4-FFF2-40B4-BE49-F238E27FC236}">
+                <a16:creationId xmlns:a16="http://schemas.microsoft.com/office/drawing/2014/main" id="{0E9E297F-1B48-EA78-6316-4574E9EFF22A}"/>
+              </a:ext>
+            </a:extLst>
+          </p:cNvPr>
+          <p:cNvSpPr txBox="1"/>
+          <p:nvPr/>
+        </p:nvSpPr>
+        <p:spPr>
+          <a:xfrm>
+            <a:off x="1484423" y="1820319"/>
+            <a:ext cx="646331" cy="369332"/>
+          </a:xfrm>
+          <a:prstGeom prst="rect">
+            <a:avLst/>
+          </a:prstGeom>
+          <a:noFill/>
+        </p:spPr>
+        <p:txBody>
+          <a:bodyPr wrap="square" rtlCol="0">
+            <a:spAutoFit/>
+          </a:bodyPr>
+          <a:lstStyle/>
+          <a:p>
+            <a:r>
+              <a:rPr kumimoji="1" lang="ja-JP" altLang="en-US"/>
+              <a:t>現象</a:t>
+            </a:r>
+            <a:endParaRPr kumimoji="1" lang="ja-JP" altLang="en-US" dirty="0"/>
+          </a:p>
+        </p:txBody>
+      </p:sp>
+      <p:sp>
+        <p:nvSpPr>
+          <p:cNvPr id="36" name="テキスト ボックス 35">
+            <a:extLst>
+              <a:ext uri="{FF2B5EF4-FFF2-40B4-BE49-F238E27FC236}">
+                <a16:creationId xmlns:a16="http://schemas.microsoft.com/office/drawing/2014/main" id="{D220F576-4EA3-68CA-4833-CBB9854999BB}"/>
+              </a:ext>
+            </a:extLst>
+          </p:cNvPr>
+          <p:cNvSpPr txBox="1"/>
+          <p:nvPr/>
+        </p:nvSpPr>
+        <p:spPr>
+          <a:xfrm>
+            <a:off x="2746185" y="723066"/>
+            <a:ext cx="2173568" cy="369332"/>
+          </a:xfrm>
+          <a:prstGeom prst="rect">
+            <a:avLst/>
+          </a:prstGeom>
+          <a:noFill/>
+        </p:spPr>
+        <p:txBody>
+          <a:bodyPr wrap="square" rtlCol="0">
+            <a:spAutoFit/>
+          </a:bodyPr>
+          <a:lstStyle/>
+          <a:p>
+            <a:r>
+              <a:rPr kumimoji="1" lang="ja-JP" altLang="en-US"/>
+              <a:t>運動の第二法則</a:t>
+            </a:r>
+            <a:endParaRPr kumimoji="1" lang="ja-JP" altLang="en-US" dirty="0"/>
+          </a:p>
+        </p:txBody>
+      </p:sp>
+      <p:sp>
+        <p:nvSpPr>
+          <p:cNvPr id="5" name="テキスト ボックス 4">
+            <a:extLst>
+              <a:ext uri="{FF2B5EF4-FFF2-40B4-BE49-F238E27FC236}">
+                <a16:creationId xmlns:a16="http://schemas.microsoft.com/office/drawing/2014/main" id="{CDB09FCA-F765-2E29-07D9-E3087902669C}"/>
+              </a:ext>
+            </a:extLst>
+          </p:cNvPr>
+          <p:cNvSpPr txBox="1"/>
+          <p:nvPr/>
+        </p:nvSpPr>
+        <p:spPr>
+          <a:xfrm>
+            <a:off x="1358739" y="3084819"/>
+            <a:ext cx="897698" cy="369332"/>
+          </a:xfrm>
+          <a:prstGeom prst="rect">
+            <a:avLst/>
+          </a:prstGeom>
+          <a:noFill/>
+        </p:spPr>
+        <p:txBody>
+          <a:bodyPr wrap="square" rtlCol="0">
+            <a:spAutoFit/>
+          </a:bodyPr>
+          <a:lstStyle/>
+          <a:p>
+            <a:r>
+              <a:rPr kumimoji="1" lang="ja-JP" altLang="en-US"/>
+              <a:t>方程式</a:t>
+            </a:r>
+            <a:endParaRPr kumimoji="1" lang="ja-JP" altLang="en-US" dirty="0"/>
+          </a:p>
+        </p:txBody>
+      </p:sp>
+      <p:sp>
+        <p:nvSpPr>
+          <p:cNvPr id="9" name="テキスト ボックス 8">
+            <a:extLst>
+              <a:ext uri="{FF2B5EF4-FFF2-40B4-BE49-F238E27FC236}">
+                <a16:creationId xmlns:a16="http://schemas.microsoft.com/office/drawing/2014/main" id="{83E3A6FD-1A60-8BEE-5F3F-DA2347198AE0}"/>
+              </a:ext>
+            </a:extLst>
+          </p:cNvPr>
+          <p:cNvSpPr txBox="1"/>
+          <p:nvPr/>
+        </p:nvSpPr>
+        <p:spPr>
+          <a:xfrm>
+            <a:off x="5363383" y="723066"/>
+            <a:ext cx="2173568" cy="369332"/>
+          </a:xfrm>
+          <a:prstGeom prst="rect">
+            <a:avLst/>
+          </a:prstGeom>
+          <a:noFill/>
+        </p:spPr>
+        <p:txBody>
+          <a:bodyPr wrap="square" rtlCol="0">
+            <a:spAutoFit/>
+          </a:bodyPr>
+          <a:lstStyle/>
+          <a:p>
+            <a:r>
+              <a:rPr kumimoji="1" lang="ja-JP" altLang="en-US"/>
+              <a:t>フックの法則</a:t>
+            </a:r>
+            <a:endParaRPr kumimoji="1" lang="ja-JP" altLang="en-US" dirty="0"/>
+          </a:p>
+        </p:txBody>
+      </p:sp>
+      <p:sp>
+        <p:nvSpPr>
+          <p:cNvPr id="10" name="テキスト ボックス 9">
+            <a:extLst>
+              <a:ext uri="{FF2B5EF4-FFF2-40B4-BE49-F238E27FC236}">
+                <a16:creationId xmlns:a16="http://schemas.microsoft.com/office/drawing/2014/main" id="{5EC3DBB6-40AA-BC9F-6E25-8FD6DE262618}"/>
+              </a:ext>
+            </a:extLst>
+          </p:cNvPr>
+          <p:cNvSpPr txBox="1"/>
+          <p:nvPr/>
+        </p:nvSpPr>
+        <p:spPr>
+          <a:xfrm>
+            <a:off x="8386744" y="723066"/>
+            <a:ext cx="1743588" cy="369332"/>
+          </a:xfrm>
+          <a:prstGeom prst="rect">
+            <a:avLst/>
+          </a:prstGeom>
+          <a:noFill/>
+        </p:spPr>
+        <p:txBody>
+          <a:bodyPr wrap="square" rtlCol="0">
+            <a:spAutoFit/>
+          </a:bodyPr>
+          <a:lstStyle/>
+          <a:p>
+            <a:r>
+              <a:rPr kumimoji="1" lang="ja-JP" altLang="en-US"/>
+              <a:t>オームの法則</a:t>
+            </a:r>
+            <a:endParaRPr kumimoji="1" lang="ja-JP" altLang="en-US" dirty="0"/>
+          </a:p>
+        </p:txBody>
+      </p:sp>
+      <p:grpSp>
+        <p:nvGrpSpPr>
+          <p:cNvPr id="60" name="グループ化 59">
+            <a:extLst>
+              <a:ext uri="{FF2B5EF4-FFF2-40B4-BE49-F238E27FC236}">
+                <a16:creationId xmlns:a16="http://schemas.microsoft.com/office/drawing/2014/main" id="{2B056673-BEC0-65C3-91F7-4457CC1BF323}"/>
+              </a:ext>
+            </a:extLst>
+          </p:cNvPr>
+          <p:cNvGrpSpPr/>
+          <p:nvPr/>
+        </p:nvGrpSpPr>
+        <p:grpSpPr>
+          <a:xfrm>
+            <a:off x="8953231" y="1392030"/>
+            <a:ext cx="748794" cy="1225910"/>
+            <a:chOff x="8805431" y="1295821"/>
+            <a:chExt cx="748794" cy="1225910"/>
+          </a:xfrm>
+        </p:grpSpPr>
+        <p:pic>
+          <p:nvPicPr>
+            <p:cNvPr id="1026" name="Picture 2" descr="光る電球のイラスト">
               <a:extLst>
                 <a:ext uri="{FF2B5EF4-FFF2-40B4-BE49-F238E27FC236}">
-                  <a16:creationId xmlns:a16="http://schemas.microsoft.com/office/drawing/2014/main" id="{01108F07-4FF0-FB69-1280-1AED6F79B7BB}"/>
+                  <a16:creationId xmlns:a16="http://schemas.microsoft.com/office/drawing/2014/main" id="{1D00163B-7E9C-7A1B-5486-2FC99F95F877}"/>
                 </a:ext>
               </a:extLst>
             </p:cNvPr>
-            <p:cNvSpPr/>
+            <p:cNvPicPr>
+              <a:picLocks noChangeAspect="1" noChangeArrowheads="1"/>
+            </p:cNvPicPr>
             <p:nvPr/>
-          </p:nvSpPr>
-          <p:spPr>
-            <a:xfrm rot="5400000">
-              <a:off x="2735796" y="2816932"/>
-              <a:ext cx="1152128" cy="504056"/>
+          </p:nvPicPr>
+          <p:blipFill>
+            <a:blip r:embed="rId6">
+              <a:extLst>
+                <a:ext uri="{28A0092B-C50C-407E-A947-70E740481C1C}">
+                  <a14:useLocalDpi xmlns:a14="http://schemas.microsoft.com/office/drawing/2010/main" val="0"/>
+                </a:ext>
+              </a:extLst>
+            </a:blip>
+            <a:srcRect/>
+            <a:stretch>
+              <a:fillRect/>
+            </a:stretch>
+          </p:blipFill>
+          <p:spPr bwMode="auto">
+            <a:xfrm>
+              <a:off x="8870367" y="1295821"/>
+              <a:ext cx="480742" cy="594324"/>
             </a:xfrm>
-            <a:prstGeom prst="arc">
-              <a:avLst>
-                <a:gd name="adj1" fmla="val 16069596"/>
-                <a:gd name="adj2" fmla="val 5514588"/>
-              </a:avLst>
+            <a:prstGeom prst="rect">
+              <a:avLst/>
             </a:prstGeom>
-            <a:ln w="12700">
-              <a:solidFill>
-                <a:schemeClr val="tx1"/>
-              </a:solidFill>
-            </a:ln>
+            <a:noFill/>
+            <a:extLst>
+              <a:ext uri="{909E8E84-426E-40DD-AFC4-6F175D3DCCD1}">
+                <a14:hiddenFill xmlns:a14="http://schemas.microsoft.com/office/drawing/2010/main">
+                  <a:solidFill>
+                    <a:srgbClr val="FFFFFF"/>
+                  </a:solidFill>
+                </a14:hiddenFill>
+              </a:ext>
+            </a:extLst>
           </p:spPr>
-          <p:style>
-            <a:lnRef idx="1">
-              <a:schemeClr val="accent1"/>
-            </a:lnRef>
-            <a:fillRef idx="0">
-              <a:schemeClr val="accent1"/>
-            </a:fillRef>
-            <a:effectRef idx="0">
-              <a:schemeClr val="accent1"/>
-            </a:effectRef>
-            <a:fontRef idx="minor">
-              <a:schemeClr val="tx1"/>
-            </a:fontRef>
-          </p:style>
-          <p:txBody>
-            <a:bodyPr rtlCol="0" anchor="ctr"/>
-            <a:lstStyle/>
-            <a:p>
-              <a:pPr algn="ctr"/>
-              <a:endParaRPr kumimoji="1" lang="ja-JP" altLang="en-US"/>
-            </a:p>
-          </p:txBody>
-        </p:sp>
-        <p:sp>
-          <p:nvSpPr>
-            <p:cNvPr id="24" name="円弧 23">
+        </p:pic>
+        <p:pic>
+          <p:nvPicPr>
+            <p:cNvPr id="11" name="Picture 4" descr="単1電池のイラスト">
               <a:extLst>
                 <a:ext uri="{FF2B5EF4-FFF2-40B4-BE49-F238E27FC236}">
-                  <a16:creationId xmlns:a16="http://schemas.microsoft.com/office/drawing/2014/main" id="{E79B2278-9C0F-BFB1-7D64-FF8B13464F1A}"/>
+                  <a16:creationId xmlns:a16="http://schemas.microsoft.com/office/drawing/2014/main" id="{6565C39F-13FC-A47C-4040-267DE15EDEFE}"/>
                 </a:ext>
               </a:extLst>
             </p:cNvPr>
-            <p:cNvSpPr/>
+            <p:cNvPicPr>
+              <a:picLocks noChangeAspect="1" noChangeArrowheads="1"/>
+            </p:cNvPicPr>
             <p:nvPr/>
-          </p:nvSpPr>
-          <p:spPr>
+          </p:nvPicPr>
+          <p:blipFill>
+            <a:blip r:embed="rId7">
+              <a:extLst>
+                <a:ext uri="{28A0092B-C50C-407E-A947-70E740481C1C}">
+                  <a14:useLocalDpi xmlns:a14="http://schemas.microsoft.com/office/drawing/2010/main" val="0"/>
+                </a:ext>
+              </a:extLst>
+            </a:blip>
+            <a:srcRect/>
+            <a:stretch>
+              <a:fillRect/>
+            </a:stretch>
+          </p:blipFill>
+          <p:spPr bwMode="auto">
             <a:xfrm rot="5400000">
-              <a:off x="2087724" y="2816932"/>
-              <a:ext cx="1152128" cy="504056"/>
+              <a:off x="8936470" y="1903976"/>
+              <a:ext cx="486716" cy="748794"/>
             </a:xfrm>
-            <a:prstGeom prst="arc">
-              <a:avLst>
-                <a:gd name="adj1" fmla="val 16069596"/>
-                <a:gd name="adj2" fmla="val 5514588"/>
-              </a:avLst>
+            <a:prstGeom prst="rect">
+              <a:avLst/>
             </a:prstGeom>
-            <a:ln w="12700">
-              <a:solidFill>
-                <a:schemeClr val="tx1"/>
-              </a:solidFill>
-            </a:ln>
+            <a:noFill/>
+            <a:extLst>
+              <a:ext uri="{909E8E84-426E-40DD-AFC4-6F175D3DCCD1}">
+                <a14:hiddenFill xmlns:a14="http://schemas.microsoft.com/office/drawing/2010/main">
+                  <a:solidFill>
+                    <a:srgbClr val="FFFFFF"/>
+                  </a:solidFill>
+                </a14:hiddenFill>
+              </a:ext>
+            </a:extLst>
           </p:spPr>
-          <p:style>
-            <a:lnRef idx="1">
-              <a:schemeClr val="accent1"/>
-            </a:lnRef>
-            <a:fillRef idx="0">
-              <a:schemeClr val="accent1"/>
-            </a:fillRef>
-            <a:effectRef idx="0">
-              <a:schemeClr val="accent1"/>
-            </a:effectRef>
-            <a:fontRef idx="minor">
-              <a:schemeClr val="tx1"/>
-            </a:fontRef>
-          </p:style>
-          <p:txBody>
-            <a:bodyPr rtlCol="0" anchor="ctr"/>
-            <a:lstStyle/>
-            <a:p>
-              <a:pPr algn="ctr"/>
-              <a:endParaRPr kumimoji="1" lang="ja-JP" altLang="en-US"/>
-            </a:p>
-          </p:txBody>
-        </p:sp>
-        <p:sp>
-          <p:nvSpPr>
-            <p:cNvPr id="25" name="円弧 24">
+        </p:pic>
+        <p:cxnSp>
+          <p:nvCxnSpPr>
+            <p:cNvPr id="13" name="カギ線コネクタ 12">
               <a:extLst>
                 <a:ext uri="{FF2B5EF4-FFF2-40B4-BE49-F238E27FC236}">
-                  <a16:creationId xmlns:a16="http://schemas.microsoft.com/office/drawing/2014/main" id="{6B3A8E38-D5A4-5C09-0246-EE2C7A6B8A8B}"/>
-                </a:ext>
-              </a:extLst>
-            </p:cNvPr>
-            <p:cNvSpPr/>
-            <p:nvPr/>
-          </p:nvSpPr>
-          <p:spPr>
-            <a:xfrm rot="16200000">
-              <a:off x="4355976" y="2492896"/>
-              <a:ext cx="1152128" cy="1152128"/>
-            </a:xfrm>
-            <a:prstGeom prst="arc">
-              <a:avLst>
-                <a:gd name="adj1" fmla="val 16069596"/>
-                <a:gd name="adj2" fmla="val 5514588"/>
-              </a:avLst>
-            </a:prstGeom>
-            <a:ln w="12700">
-              <a:solidFill>
-                <a:schemeClr val="tx1"/>
-              </a:solidFill>
-            </a:ln>
-          </p:spPr>
-          <p:style>
-            <a:lnRef idx="1">
-              <a:schemeClr val="accent1"/>
-            </a:lnRef>
-            <a:fillRef idx="0">
-              <a:schemeClr val="accent1"/>
-            </a:fillRef>
-            <a:effectRef idx="0">
-              <a:schemeClr val="accent1"/>
-            </a:effectRef>
-            <a:fontRef idx="minor">
-              <a:schemeClr val="tx1"/>
-            </a:fontRef>
-          </p:style>
-          <p:txBody>
-            <a:bodyPr rtlCol="0" anchor="ctr"/>
-            <a:lstStyle/>
-            <a:p>
-              <a:pPr algn="ctr"/>
-              <a:endParaRPr kumimoji="1" lang="ja-JP" altLang="en-US"/>
-            </a:p>
-          </p:txBody>
-        </p:sp>
-        <p:sp>
-          <p:nvSpPr>
-            <p:cNvPr id="26" name="円弧 25">
-              <a:extLst>
-                <a:ext uri="{FF2B5EF4-FFF2-40B4-BE49-F238E27FC236}">
-                  <a16:creationId xmlns:a16="http://schemas.microsoft.com/office/drawing/2014/main" id="{EA281E1E-4250-A500-5C8E-3CD915870624}"/>
-                </a:ext>
-              </a:extLst>
-            </p:cNvPr>
-            <p:cNvSpPr/>
-            <p:nvPr/>
-          </p:nvSpPr>
-          <p:spPr>
-            <a:xfrm rot="5400000">
-              <a:off x="4031940" y="2816932"/>
-              <a:ext cx="1152128" cy="504056"/>
-            </a:xfrm>
-            <a:prstGeom prst="arc">
-              <a:avLst>
-                <a:gd name="adj1" fmla="val 16069596"/>
-                <a:gd name="adj2" fmla="val 5514588"/>
-              </a:avLst>
-            </a:prstGeom>
-            <a:ln w="12700">
-              <a:solidFill>
-                <a:schemeClr val="tx1"/>
-              </a:solidFill>
-            </a:ln>
-          </p:spPr>
-          <p:style>
-            <a:lnRef idx="1">
-              <a:schemeClr val="accent1"/>
-            </a:lnRef>
-            <a:fillRef idx="0">
-              <a:schemeClr val="accent1"/>
-            </a:fillRef>
-            <a:effectRef idx="0">
-              <a:schemeClr val="accent1"/>
-            </a:effectRef>
-            <a:fontRef idx="minor">
-              <a:schemeClr val="tx1"/>
-            </a:fontRef>
-          </p:style>
-          <p:txBody>
-            <a:bodyPr rtlCol="0" anchor="ctr"/>
-            <a:lstStyle/>
-            <a:p>
-              <a:pPr algn="ctr"/>
-              <a:endParaRPr kumimoji="1" lang="ja-JP" altLang="en-US"/>
-            </a:p>
-          </p:txBody>
-        </p:sp>
-        <p:sp>
-          <p:nvSpPr>
-            <p:cNvPr id="27" name="円弧 26">
-              <a:extLst>
-                <a:ext uri="{FF2B5EF4-FFF2-40B4-BE49-F238E27FC236}">
-                  <a16:creationId xmlns:a16="http://schemas.microsoft.com/office/drawing/2014/main" id="{71EA9852-727A-B18D-888D-F7E921BC3B4B}"/>
-                </a:ext>
-              </a:extLst>
-            </p:cNvPr>
-            <p:cNvSpPr/>
-            <p:nvPr/>
-          </p:nvSpPr>
-          <p:spPr>
-            <a:xfrm rot="16200000">
-              <a:off x="5004048" y="2492896"/>
-              <a:ext cx="1152128" cy="1152128"/>
-            </a:xfrm>
-            <a:prstGeom prst="arc">
-              <a:avLst>
-                <a:gd name="adj1" fmla="val 16069596"/>
-                <a:gd name="adj2" fmla="val 5514588"/>
-              </a:avLst>
-            </a:prstGeom>
-            <a:ln w="12700">
-              <a:solidFill>
-                <a:schemeClr val="tx1"/>
-              </a:solidFill>
-            </a:ln>
-          </p:spPr>
-          <p:style>
-            <a:lnRef idx="1">
-              <a:schemeClr val="accent1"/>
-            </a:lnRef>
-            <a:fillRef idx="0">
-              <a:schemeClr val="accent1"/>
-            </a:fillRef>
-            <a:effectRef idx="0">
-              <a:schemeClr val="accent1"/>
-            </a:effectRef>
-            <a:fontRef idx="minor">
-              <a:schemeClr val="tx1"/>
-            </a:fontRef>
-          </p:style>
-          <p:txBody>
-            <a:bodyPr rtlCol="0" anchor="ctr"/>
-            <a:lstStyle/>
-            <a:p>
-              <a:pPr algn="ctr"/>
-              <a:endParaRPr kumimoji="1" lang="ja-JP" altLang="en-US"/>
-            </a:p>
-          </p:txBody>
-        </p:sp>
-        <p:sp>
-          <p:nvSpPr>
-            <p:cNvPr id="28" name="円弧 27">
-              <a:extLst>
-                <a:ext uri="{FF2B5EF4-FFF2-40B4-BE49-F238E27FC236}">
-                  <a16:creationId xmlns:a16="http://schemas.microsoft.com/office/drawing/2014/main" id="{744B90B8-9A7B-F0BC-4DAA-7A4192E1C944}"/>
-                </a:ext>
-              </a:extLst>
-            </p:cNvPr>
-            <p:cNvSpPr/>
-            <p:nvPr/>
-          </p:nvSpPr>
-          <p:spPr>
-            <a:xfrm rot="5400000">
-              <a:off x="4680012" y="2816932"/>
-              <a:ext cx="1152128" cy="504056"/>
-            </a:xfrm>
-            <a:prstGeom prst="arc">
-              <a:avLst>
-                <a:gd name="adj1" fmla="val 16069596"/>
-                <a:gd name="adj2" fmla="val 5514588"/>
-              </a:avLst>
-            </a:prstGeom>
-            <a:ln w="12700">
-              <a:solidFill>
-                <a:schemeClr val="tx1"/>
-              </a:solidFill>
-            </a:ln>
-          </p:spPr>
-          <p:style>
-            <a:lnRef idx="1">
-              <a:schemeClr val="accent1"/>
-            </a:lnRef>
-            <a:fillRef idx="0">
-              <a:schemeClr val="accent1"/>
-            </a:fillRef>
-            <a:effectRef idx="0">
-              <a:schemeClr val="accent1"/>
-            </a:effectRef>
-            <a:fontRef idx="minor">
-              <a:schemeClr val="tx1"/>
-            </a:fontRef>
-          </p:style>
-          <p:txBody>
-            <a:bodyPr rtlCol="0" anchor="ctr"/>
-            <a:lstStyle/>
-            <a:p>
-              <a:pPr algn="ctr"/>
-              <a:endParaRPr kumimoji="1" lang="ja-JP" altLang="en-US"/>
-            </a:p>
-          </p:txBody>
-        </p:sp>
-        <p:sp>
-          <p:nvSpPr>
-            <p:cNvPr id="29" name="円弧 28">
-              <a:extLst>
-                <a:ext uri="{FF2B5EF4-FFF2-40B4-BE49-F238E27FC236}">
-                  <a16:creationId xmlns:a16="http://schemas.microsoft.com/office/drawing/2014/main" id="{B13922FF-BDD4-BF78-74F2-3B4EC22D1DB3}"/>
-                </a:ext>
-              </a:extLst>
-            </p:cNvPr>
-            <p:cNvSpPr/>
-            <p:nvPr/>
-          </p:nvSpPr>
-          <p:spPr>
-            <a:xfrm rot="16200000">
-              <a:off x="5652120" y="2492896"/>
-              <a:ext cx="1152128" cy="1152128"/>
-            </a:xfrm>
-            <a:prstGeom prst="arc">
-              <a:avLst>
-                <a:gd name="adj1" fmla="val 16069596"/>
-                <a:gd name="adj2" fmla="val 5438339"/>
-              </a:avLst>
-            </a:prstGeom>
-            <a:ln w="12700">
-              <a:solidFill>
-                <a:schemeClr val="tx1"/>
-              </a:solidFill>
-            </a:ln>
-          </p:spPr>
-          <p:style>
-            <a:lnRef idx="1">
-              <a:schemeClr val="accent1"/>
-            </a:lnRef>
-            <a:fillRef idx="0">
-              <a:schemeClr val="accent1"/>
-            </a:fillRef>
-            <a:effectRef idx="0">
-              <a:schemeClr val="accent1"/>
-            </a:effectRef>
-            <a:fontRef idx="minor">
-              <a:schemeClr val="tx1"/>
-            </a:fontRef>
-          </p:style>
-          <p:txBody>
-            <a:bodyPr rtlCol="0" anchor="ctr"/>
-            <a:lstStyle/>
-            <a:p>
-              <a:pPr algn="ctr"/>
-              <a:endParaRPr kumimoji="1" lang="ja-JP" altLang="en-US"/>
-            </a:p>
-          </p:txBody>
-        </p:sp>
-        <p:sp>
-          <p:nvSpPr>
-            <p:cNvPr id="30" name="円弧 29">
-              <a:extLst>
-                <a:ext uri="{FF2B5EF4-FFF2-40B4-BE49-F238E27FC236}">
-                  <a16:creationId xmlns:a16="http://schemas.microsoft.com/office/drawing/2014/main" id="{67C5C654-1A6F-9B82-6FDA-6AC030B48E05}"/>
-                </a:ext>
-              </a:extLst>
-            </p:cNvPr>
-            <p:cNvSpPr/>
-            <p:nvPr/>
-          </p:nvSpPr>
-          <p:spPr>
-            <a:xfrm rot="5400000">
-              <a:off x="5328084" y="2816932"/>
-              <a:ext cx="1152128" cy="504056"/>
-            </a:xfrm>
-            <a:prstGeom prst="arc">
-              <a:avLst>
-                <a:gd name="adj1" fmla="val 16069596"/>
-                <a:gd name="adj2" fmla="val 5514588"/>
-              </a:avLst>
-            </a:prstGeom>
-            <a:ln w="12700">
-              <a:solidFill>
-                <a:schemeClr val="tx1"/>
-              </a:solidFill>
-            </a:ln>
-          </p:spPr>
-          <p:style>
-            <a:lnRef idx="1">
-              <a:schemeClr val="accent1"/>
-            </a:lnRef>
-            <a:fillRef idx="0">
-              <a:schemeClr val="accent1"/>
-            </a:fillRef>
-            <a:effectRef idx="0">
-              <a:schemeClr val="accent1"/>
-            </a:effectRef>
-            <a:fontRef idx="minor">
-              <a:schemeClr val="tx1"/>
-            </a:fontRef>
-          </p:style>
-          <p:txBody>
-            <a:bodyPr rtlCol="0" anchor="ctr"/>
-            <a:lstStyle/>
-            <a:p>
-              <a:pPr algn="ctr"/>
-              <a:endParaRPr kumimoji="1" lang="ja-JP" altLang="en-US"/>
-            </a:p>
-          </p:txBody>
-        </p:sp>
-        <p:cxnSp>
-          <p:nvCxnSpPr>
-            <p:cNvPr id="31" name="直線コネクタ 30">
-              <a:extLst>
-                <a:ext uri="{FF2B5EF4-FFF2-40B4-BE49-F238E27FC236}">
-                  <a16:creationId xmlns:a16="http://schemas.microsoft.com/office/drawing/2014/main" id="{34BF8B87-1286-D5FF-42A0-98015354054C}"/>
+                  <a16:creationId xmlns:a16="http://schemas.microsoft.com/office/drawing/2014/main" id="{12568B87-5309-AB5A-B1CF-B8ADEAB051CD}"/>
                 </a:ext>
               </a:extLst>
             </p:cNvPr>
             <p:cNvCxnSpPr>
-              <a:stCxn id="19" idx="0"/>
+              <a:stCxn id="1026" idx="2"/>
+              <a:endCxn id="11" idx="2"/>
             </p:cNvCxnSpPr>
             <p:nvPr/>
           </p:nvCxnSpPr>
           <p:spPr>
-            <a:xfrm flipH="1">
-              <a:off x="899592" y="3068960"/>
-              <a:ext cx="864096" cy="0"/>
+            <a:xfrm rot="5400000">
+              <a:off x="8763971" y="1931606"/>
+              <a:ext cx="388228" cy="305307"/>
             </a:xfrm>
-            <a:prstGeom prst="line">
-              <a:avLst/>
+            <a:prstGeom prst="bentConnector4">
+              <a:avLst>
+                <a:gd name="adj1" fmla="val 17142"/>
+                <a:gd name="adj2" fmla="val 174875"/>
+              </a:avLst>
             </a:prstGeom>
-            <a:ln w="12700">
+            <a:ln w="19050">
               <a:solidFill>
                 <a:schemeClr val="tx1"/>
               </a:solidFill>
@@ -8656,25 +9223,31 @@
         </p:cxnSp>
         <p:cxnSp>
           <p:nvCxnSpPr>
-            <p:cNvPr id="32" name="直線コネクタ 31">
+            <p:cNvPr id="14" name="カギ線コネクタ 13">
               <a:extLst>
                 <a:ext uri="{FF2B5EF4-FFF2-40B4-BE49-F238E27FC236}">
-                  <a16:creationId xmlns:a16="http://schemas.microsoft.com/office/drawing/2014/main" id="{784B1EB6-E130-DA36-AC8D-1D8DD67903CD}"/>
+                  <a16:creationId xmlns:a16="http://schemas.microsoft.com/office/drawing/2014/main" id="{B88BDB9D-5A41-753C-405A-CA571AB65F19}"/>
                 </a:ext>
               </a:extLst>
             </p:cNvPr>
-            <p:cNvCxnSpPr/>
+            <p:cNvCxnSpPr>
+              <a:cxnSpLocks/>
+              <a:stCxn id="11" idx="0"/>
+              <a:endCxn id="38" idx="6"/>
+            </p:cNvCxnSpPr>
             <p:nvPr/>
           </p:nvCxnSpPr>
           <p:spPr>
-            <a:xfrm flipH="1">
-              <a:off x="6804248" y="3068960"/>
-              <a:ext cx="864096" cy="0"/>
+            <a:xfrm flipH="1" flipV="1">
+              <a:off x="9155915" y="1769139"/>
+              <a:ext cx="398310" cy="509234"/>
             </a:xfrm>
-            <a:prstGeom prst="line">
-              <a:avLst/>
+            <a:prstGeom prst="bentConnector3">
+              <a:avLst>
+                <a:gd name="adj1" fmla="val -24494"/>
+              </a:avLst>
             </a:prstGeom>
-            <a:ln w="12700">
+            <a:ln w="19050">
               <a:solidFill>
                 <a:schemeClr val="tx1"/>
               </a:solidFill>
@@ -8695,152 +9268,63 @@
             </a:fontRef>
           </p:style>
         </p:cxnSp>
+        <p:sp>
+          <p:nvSpPr>
+            <p:cNvPr id="38" name="円/楕円 37">
+              <a:extLst>
+                <a:ext uri="{FF2B5EF4-FFF2-40B4-BE49-F238E27FC236}">
+                  <a16:creationId xmlns:a16="http://schemas.microsoft.com/office/drawing/2014/main" id="{04456D64-C972-2AC6-7883-44E333CE045B}"/>
+                </a:ext>
+              </a:extLst>
+            </p:cNvPr>
+            <p:cNvSpPr/>
+            <p:nvPr/>
+          </p:nvSpPr>
+          <p:spPr>
+            <a:xfrm>
+              <a:off x="9019551" y="1700957"/>
+              <a:ext cx="136364" cy="136364"/>
+            </a:xfrm>
+            <a:prstGeom prst="ellipse">
+              <a:avLst/>
+            </a:prstGeom>
+            <a:noFill/>
+            <a:ln>
+              <a:noFill/>
+            </a:ln>
+          </p:spPr>
+          <p:style>
+            <a:lnRef idx="2">
+              <a:schemeClr val="accent1">
+                <a:shade val="50000"/>
+              </a:schemeClr>
+            </a:lnRef>
+            <a:fillRef idx="1">
+              <a:schemeClr val="accent1"/>
+            </a:fillRef>
+            <a:effectRef idx="0">
+              <a:schemeClr val="accent1"/>
+            </a:effectRef>
+            <a:fontRef idx="minor">
+              <a:schemeClr val="lt1"/>
+            </a:fontRef>
+          </p:style>
+          <p:txBody>
+            <a:bodyPr rtlCol="0" anchor="ctr"/>
+            <a:lstStyle/>
+            <a:p>
+              <a:pPr algn="ctr"/>
+              <a:endParaRPr kumimoji="1" lang="ja-JP" altLang="en-US"/>
+            </a:p>
+          </p:txBody>
+        </p:sp>
       </p:grpSp>
       <p:sp>
         <p:nvSpPr>
-          <p:cNvPr id="33" name="四角形: 角を丸くする 32">
+          <p:cNvPr id="46" name="テキスト ボックス 45">
             <a:extLst>
               <a:ext uri="{FF2B5EF4-FFF2-40B4-BE49-F238E27FC236}">
-                <a16:creationId xmlns:a16="http://schemas.microsoft.com/office/drawing/2014/main" id="{6613122C-A641-D4C0-6BD4-90EAB8912609}"/>
-              </a:ext>
-            </a:extLst>
-          </p:cNvPr>
-          <p:cNvSpPr/>
-          <p:nvPr/>
-        </p:nvSpPr>
-        <p:spPr>
-          <a:xfrm>
-            <a:off x="6096000" y="2368064"/>
-            <a:ext cx="792088" cy="792088"/>
-          </a:xfrm>
-          <a:prstGeom prst="roundRect">
-            <a:avLst/>
-          </a:prstGeom>
-        </p:spPr>
-        <p:style>
-          <a:lnRef idx="2">
-            <a:schemeClr val="accent1">
-              <a:shade val="50000"/>
-            </a:schemeClr>
-          </a:lnRef>
-          <a:fillRef idx="1">
-            <a:schemeClr val="accent1"/>
-          </a:fillRef>
-          <a:effectRef idx="0">
-            <a:schemeClr val="accent1"/>
-          </a:effectRef>
-          <a:fontRef idx="minor">
-            <a:schemeClr val="lt1"/>
-          </a:fontRef>
-        </p:style>
-        <p:txBody>
-          <a:bodyPr rtlCol="0" anchor="ctr"/>
-          <a:lstStyle/>
-          <a:p>
-            <a:pPr algn="ctr"/>
-            <a:endParaRPr kumimoji="1" lang="ja-JP" altLang="en-US"/>
-          </a:p>
-        </p:txBody>
-      </p:sp>
-      <p:sp>
-        <p:nvSpPr>
-          <p:cNvPr id="34" name="矢印: 右 33">
-            <a:extLst>
-              <a:ext uri="{FF2B5EF4-FFF2-40B4-BE49-F238E27FC236}">
-                <a16:creationId xmlns:a16="http://schemas.microsoft.com/office/drawing/2014/main" id="{CF1CD0BE-2221-59D4-6763-9C5A3E871CAB}"/>
-              </a:ext>
-            </a:extLst>
-          </p:cNvPr>
-          <p:cNvSpPr/>
-          <p:nvPr/>
-        </p:nvSpPr>
-        <p:spPr>
-          <a:xfrm rot="1800000">
-            <a:off x="3451913" y="3072500"/>
-            <a:ext cx="432048" cy="484632"/>
-          </a:xfrm>
-          <a:prstGeom prst="rightArrow">
-            <a:avLst/>
-          </a:prstGeom>
-        </p:spPr>
-        <p:style>
-          <a:lnRef idx="2">
-            <a:schemeClr val="accent1">
-              <a:shade val="50000"/>
-            </a:schemeClr>
-          </a:lnRef>
-          <a:fillRef idx="1">
-            <a:schemeClr val="accent1"/>
-          </a:fillRef>
-          <a:effectRef idx="0">
-            <a:schemeClr val="accent1"/>
-          </a:effectRef>
-          <a:fontRef idx="minor">
-            <a:schemeClr val="lt1"/>
-          </a:fontRef>
-        </p:style>
-        <p:txBody>
-          <a:bodyPr rtlCol="0" anchor="ctr"/>
-          <a:lstStyle/>
-          <a:p>
-            <a:pPr algn="ctr"/>
-            <a:endParaRPr kumimoji="1" lang="ja-JP" altLang="en-US"/>
-          </a:p>
-        </p:txBody>
-      </p:sp>
-      <p:pic>
-        <p:nvPicPr>
-          <p:cNvPr id="1028" name="Picture 4" descr="台車を押す人のイラスト（男性作業員・荷物あり）">
-            <a:extLst>
-              <a:ext uri="{FF2B5EF4-FFF2-40B4-BE49-F238E27FC236}">
-                <a16:creationId xmlns:a16="http://schemas.microsoft.com/office/drawing/2014/main" id="{0083E084-759C-A91D-CD46-0D3BEE25CB9C}"/>
-              </a:ext>
-            </a:extLst>
-          </p:cNvPr>
-          <p:cNvPicPr>
-            <a:picLocks noChangeAspect="1" noChangeArrowheads="1"/>
-          </p:cNvPicPr>
-          <p:nvPr/>
-        </p:nvPicPr>
-        <p:blipFill>
-          <a:blip r:embed="rId5">
-            <a:extLst>
-              <a:ext uri="{28A0092B-C50C-407E-A947-70E740481C1C}">
-                <a14:useLocalDpi xmlns:a14="http://schemas.microsoft.com/office/drawing/2010/main" val="0"/>
-              </a:ext>
-            </a:extLst>
-          </a:blip>
-          <a:srcRect/>
-          <a:stretch>
-            <a:fillRect/>
-          </a:stretch>
-        </p:blipFill>
-        <p:spPr bwMode="auto">
-          <a:xfrm>
-            <a:off x="2279576" y="2060848"/>
-            <a:ext cx="1187052" cy="1512168"/>
-          </a:xfrm>
-          <a:prstGeom prst="rect">
-            <a:avLst/>
-          </a:prstGeom>
-          <a:noFill/>
-          <a:extLst>
-            <a:ext uri="{909E8E84-426E-40DD-AFC4-6F175D3DCCD1}">
-              <a14:hiddenFill xmlns:a14="http://schemas.microsoft.com/office/drawing/2010/main">
-                <a:solidFill>
-                  <a:srgbClr val="FFFFFF"/>
-                </a:solidFill>
-              </a14:hiddenFill>
-            </a:ext>
-          </a:extLst>
-        </p:spPr>
-      </p:pic>
-      <p:sp>
-        <p:nvSpPr>
-          <p:cNvPr id="35" name="テキスト ボックス 34">
-            <a:extLst>
-              <a:ext uri="{FF2B5EF4-FFF2-40B4-BE49-F238E27FC236}">
-                <a16:creationId xmlns:a16="http://schemas.microsoft.com/office/drawing/2014/main" id="{0E9E297F-1B48-EA78-6316-4574E9EFF22A}"/>
+                <a16:creationId xmlns:a16="http://schemas.microsoft.com/office/drawing/2014/main" id="{4F13D76F-9CE0-2B63-1CB9-89C1DBBF4459}"/>
               </a:ext>
             </a:extLst>
           </p:cNvPr>
@@ -8849,8 +9333,8 @@
         </p:nvSpPr>
         <p:spPr>
           <a:xfrm>
-            <a:off x="839416" y="692696"/>
-            <a:ext cx="646331" cy="369332"/>
+            <a:off x="998699" y="3754133"/>
+            <a:ext cx="1617778" cy="369332"/>
           </a:xfrm>
           <a:prstGeom prst="rect">
             <a:avLst/>
@@ -8864,18 +9348,19 @@
           <a:lstStyle/>
           <a:p>
             <a:r>
-              <a:rPr kumimoji="1" lang="ja-JP" altLang="en-US" dirty="0"/>
-              <a:t>対象</a:t>
+              <a:rPr kumimoji="1" lang="ja-JP" altLang="en-US"/>
+              <a:t>外からの操作</a:t>
             </a:r>
+            <a:endParaRPr kumimoji="1" lang="ja-JP" altLang="en-US" dirty="0"/>
           </a:p>
         </p:txBody>
       </p:sp>
       <p:sp>
         <p:nvSpPr>
-          <p:cNvPr id="36" name="テキスト ボックス 35">
+          <p:cNvPr id="47" name="テキスト ボックス 46">
             <a:extLst>
               <a:ext uri="{FF2B5EF4-FFF2-40B4-BE49-F238E27FC236}">
-                <a16:creationId xmlns:a16="http://schemas.microsoft.com/office/drawing/2014/main" id="{D220F576-4EA3-68CA-4833-CBB9854999BB}"/>
+                <a16:creationId xmlns:a16="http://schemas.microsoft.com/office/drawing/2014/main" id="{2ADC2DB6-673F-8856-F914-49F4AD1AD4AA}"/>
               </a:ext>
             </a:extLst>
           </p:cNvPr>
@@ -8884,8 +9369,8 @@
         </p:nvSpPr>
         <p:spPr>
           <a:xfrm>
-            <a:off x="2711624" y="692696"/>
-            <a:ext cx="646331" cy="369332"/>
+            <a:off x="998699" y="4318086"/>
+            <a:ext cx="1617778" cy="369332"/>
           </a:xfrm>
           <a:prstGeom prst="rect">
             <a:avLst/>
@@ -8899,12 +9384,991 @@
           <a:lstStyle/>
           <a:p>
             <a:r>
-              <a:rPr kumimoji="1" lang="ja-JP" altLang="en-US" dirty="0"/>
-              <a:t>対象</a:t>
+              <a:rPr kumimoji="1" lang="ja-JP" altLang="en-US"/>
+              <a:t>対象の応答</a:t>
             </a:r>
+            <a:endParaRPr kumimoji="1" lang="ja-JP" altLang="en-US" dirty="0"/>
           </a:p>
         </p:txBody>
       </p:sp>
+      <p:sp>
+        <p:nvSpPr>
+          <p:cNvPr id="48" name="テキスト ボックス 47">
+            <a:extLst>
+              <a:ext uri="{FF2B5EF4-FFF2-40B4-BE49-F238E27FC236}">
+                <a16:creationId xmlns:a16="http://schemas.microsoft.com/office/drawing/2014/main" id="{E749ABA1-5604-A133-7231-D5AF19247088}"/>
+              </a:ext>
+            </a:extLst>
+          </p:cNvPr>
+          <p:cNvSpPr txBox="1"/>
+          <p:nvPr/>
+        </p:nvSpPr>
+        <p:spPr>
+          <a:xfrm>
+            <a:off x="808851" y="4829457"/>
+            <a:ext cx="1997474" cy="369332"/>
+          </a:xfrm>
+          <a:prstGeom prst="rect">
+            <a:avLst/>
+          </a:prstGeom>
+          <a:noFill/>
+        </p:spPr>
+        <p:txBody>
+          <a:bodyPr wrap="square" rtlCol="0">
+            <a:spAutoFit/>
+          </a:bodyPr>
+          <a:lstStyle/>
+          <a:p>
+            <a:r>
+              <a:rPr kumimoji="1" lang="ja-JP" altLang="en-US"/>
+              <a:t>応答のしにくさ</a:t>
+            </a:r>
+            <a:endParaRPr kumimoji="1" lang="ja-JP" altLang="en-US" dirty="0"/>
+          </a:p>
+        </p:txBody>
+      </p:sp>
+      <mc:AlternateContent xmlns:mc="http://schemas.openxmlformats.org/markup-compatibility/2006">
+        <mc:Choice xmlns:a14="http://schemas.microsoft.com/office/drawing/2010/main" Requires="a14">
+          <p:sp>
+            <p:nvSpPr>
+              <p:cNvPr id="49" name="テキスト ボックス 48">
+                <a:extLst>
+                  <a:ext uri="{FF2B5EF4-FFF2-40B4-BE49-F238E27FC236}">
+                    <a16:creationId xmlns:a16="http://schemas.microsoft.com/office/drawing/2014/main" id="{CF8C2370-55F0-F211-D50B-FA063626767A}"/>
+                  </a:ext>
+                </a:extLst>
+              </p:cNvPr>
+              <p:cNvSpPr txBox="1"/>
+              <p:nvPr/>
+            </p:nvSpPr>
+            <p:spPr>
+              <a:xfrm>
+                <a:off x="3590403" y="3800300"/>
+                <a:ext cx="485133" cy="276999"/>
+              </a:xfrm>
+              <a:prstGeom prst="rect">
+                <a:avLst/>
+              </a:prstGeom>
+              <a:noFill/>
+            </p:spPr>
+            <p:txBody>
+              <a:bodyPr wrap="none" lIns="0" tIns="0" rIns="0" bIns="0" rtlCol="0">
+                <a:spAutoFit/>
+              </a:bodyPr>
+              <a:lstStyle/>
+              <a:p>
+                <a:pPr/>
+                <a14:m>
+                  <m:oMathPara xmlns:m="http://schemas.openxmlformats.org/officeDocument/2006/math">
+                    <m:oMathParaPr>
+                      <m:jc m:val="centerGroup"/>
+                    </m:oMathParaPr>
+                    <m:oMath xmlns:m="http://schemas.openxmlformats.org/officeDocument/2006/math">
+                      <m:r>
+                        <a:rPr kumimoji="1" lang="ja-JP" altLang="en-US" i="1" smtClean="0">
+                          <a:latin typeface="Cambria Math" panose="02040503050406030204" pitchFamily="18" charset="0"/>
+                        </a:rPr>
+                        <m:t>力</m:t>
+                      </m:r>
+                      <m:r>
+                        <a:rPr kumimoji="1" lang="en-US" altLang="ja-JP" b="0" i="1" smtClean="0">
+                          <a:latin typeface="Cambria Math" panose="02040503050406030204" pitchFamily="18" charset="0"/>
+                        </a:rPr>
+                        <m:t> </m:t>
+                      </m:r>
+                      <m:r>
+                        <a:rPr kumimoji="1" lang="en-US" altLang="ja-JP" b="0" i="1" smtClean="0">
+                          <a:latin typeface="Cambria Math" panose="02040503050406030204" pitchFamily="18" charset="0"/>
+                        </a:rPr>
+                        <m:t>𝐹</m:t>
+                      </m:r>
+                    </m:oMath>
+                  </m:oMathPara>
+                </a14:m>
+                <a:endParaRPr kumimoji="1" lang="ja-JP" altLang="en-US" dirty="0"/>
+              </a:p>
+            </p:txBody>
+          </p:sp>
+        </mc:Choice>
+        <mc:Fallback>
+          <p:sp>
+            <p:nvSpPr>
+              <p:cNvPr id="49" name="テキスト ボックス 48">
+                <a:extLst>
+                  <a:ext uri="{FF2B5EF4-FFF2-40B4-BE49-F238E27FC236}">
+                    <a16:creationId xmlns:a16="http://schemas.microsoft.com/office/drawing/2014/main" id="{CF8C2370-55F0-F211-D50B-FA063626767A}"/>
+                  </a:ext>
+                </a:extLst>
+              </p:cNvPr>
+              <p:cNvSpPr txBox="1">
+                <a:spLocks noRot="1" noChangeAspect="1" noMove="1" noResize="1" noEditPoints="1" noAdjustHandles="1" noChangeArrowheads="1" noChangeShapeType="1" noTextEdit="1"/>
+              </p:cNvSpPr>
+              <p:nvPr/>
+            </p:nvSpPr>
+            <p:spPr>
+              <a:xfrm>
+                <a:off x="3590403" y="3800300"/>
+                <a:ext cx="485133" cy="276999"/>
+              </a:xfrm>
+              <a:prstGeom prst="rect">
+                <a:avLst/>
+              </a:prstGeom>
+              <a:blipFill>
+                <a:blip r:embed="rId8"/>
+                <a:stretch>
+                  <a:fillRect l="-15000" t="-8696" r="-5000" b="-34783"/>
+                </a:stretch>
+              </a:blipFill>
+            </p:spPr>
+            <p:txBody>
+              <a:bodyPr/>
+              <a:lstStyle/>
+              <a:p>
+                <a:r>
+                  <a:rPr lang="ja-JP" altLang="en-US">
+                    <a:noFill/>
+                  </a:rPr>
+                  <a:t> </a:t>
+                </a:r>
+              </a:p>
+            </p:txBody>
+          </p:sp>
+        </mc:Fallback>
+      </mc:AlternateContent>
+      <mc:AlternateContent xmlns:mc="http://schemas.openxmlformats.org/markup-compatibility/2006">
+        <mc:Choice xmlns:a14="http://schemas.microsoft.com/office/drawing/2010/main" Requires="a14">
+          <p:sp>
+            <p:nvSpPr>
+              <p:cNvPr id="50" name="テキスト ボックス 49">
+                <a:extLst>
+                  <a:ext uri="{FF2B5EF4-FFF2-40B4-BE49-F238E27FC236}">
+                    <a16:creationId xmlns:a16="http://schemas.microsoft.com/office/drawing/2014/main" id="{7BCBB4EA-36BE-44F4-23DA-41B5CD0D83D7}"/>
+                  </a:ext>
+                </a:extLst>
+              </p:cNvPr>
+              <p:cNvSpPr txBox="1"/>
+              <p:nvPr/>
+            </p:nvSpPr>
+            <p:spPr>
+              <a:xfrm>
+                <a:off x="3393329" y="4364253"/>
+                <a:ext cx="879280" cy="276999"/>
+              </a:xfrm>
+              <a:prstGeom prst="rect">
+                <a:avLst/>
+              </a:prstGeom>
+              <a:noFill/>
+            </p:spPr>
+            <p:txBody>
+              <a:bodyPr wrap="none" lIns="0" tIns="0" rIns="0" bIns="0" rtlCol="0">
+                <a:spAutoFit/>
+              </a:bodyPr>
+              <a:lstStyle/>
+              <a:p>
+                <a:pPr/>
+                <a:r>
+                  <a:rPr kumimoji="1" lang="ja-JP" altLang="en-US" b="0"/>
+                  <a:t>加速度</a:t>
+                </a:r>
+                <a:r>
+                  <a:rPr kumimoji="1" lang="en-US" altLang="ja-JP" b="0" dirty="0"/>
+                  <a:t> </a:t>
+                </a:r>
+                <a14:m>
+                  <m:oMath xmlns:m="http://schemas.openxmlformats.org/officeDocument/2006/math">
+                    <m:r>
+                      <a:rPr kumimoji="1" lang="en-US" altLang="ja-JP" b="0" i="1" smtClean="0">
+                        <a:latin typeface="Cambria Math" panose="02040503050406030204" pitchFamily="18" charset="0"/>
+                      </a:rPr>
+                      <m:t>𝑎</m:t>
+                    </m:r>
+                  </m:oMath>
+                </a14:m>
+                <a:endParaRPr kumimoji="1" lang="ja-JP" altLang="en-US" dirty="0"/>
+              </a:p>
+            </p:txBody>
+          </p:sp>
+        </mc:Choice>
+        <mc:Fallback>
+          <p:sp>
+            <p:nvSpPr>
+              <p:cNvPr id="50" name="テキスト ボックス 49">
+                <a:extLst>
+                  <a:ext uri="{FF2B5EF4-FFF2-40B4-BE49-F238E27FC236}">
+                    <a16:creationId xmlns:a16="http://schemas.microsoft.com/office/drawing/2014/main" id="{7BCBB4EA-36BE-44F4-23DA-41B5CD0D83D7}"/>
+                  </a:ext>
+                </a:extLst>
+              </p:cNvPr>
+              <p:cNvSpPr txBox="1">
+                <a:spLocks noRot="1" noChangeAspect="1" noMove="1" noResize="1" noEditPoints="1" noAdjustHandles="1" noChangeArrowheads="1" noChangeShapeType="1" noTextEdit="1"/>
+              </p:cNvSpPr>
+              <p:nvPr/>
+            </p:nvSpPr>
+            <p:spPr>
+              <a:xfrm>
+                <a:off x="3393329" y="4364253"/>
+                <a:ext cx="879280" cy="276999"/>
+              </a:xfrm>
+              <a:prstGeom prst="rect">
+                <a:avLst/>
+              </a:prstGeom>
+              <a:blipFill>
+                <a:blip r:embed="rId9"/>
+                <a:stretch>
+                  <a:fillRect l="-17143" t="-26087" r="-4286" b="-47826"/>
+                </a:stretch>
+              </a:blipFill>
+            </p:spPr>
+            <p:txBody>
+              <a:bodyPr/>
+              <a:lstStyle/>
+              <a:p>
+                <a:r>
+                  <a:rPr lang="ja-JP" altLang="en-US">
+                    <a:noFill/>
+                  </a:rPr>
+                  <a:t> </a:t>
+                </a:r>
+              </a:p>
+            </p:txBody>
+          </p:sp>
+        </mc:Fallback>
+      </mc:AlternateContent>
+      <mc:AlternateContent xmlns:mc="http://schemas.openxmlformats.org/markup-compatibility/2006">
+        <mc:Choice xmlns:a14="http://schemas.microsoft.com/office/drawing/2010/main" Requires="a14">
+          <p:sp>
+            <p:nvSpPr>
+              <p:cNvPr id="51" name="テキスト ボックス 50">
+                <a:extLst>
+                  <a:ext uri="{FF2B5EF4-FFF2-40B4-BE49-F238E27FC236}">
+                    <a16:creationId xmlns:a16="http://schemas.microsoft.com/office/drawing/2014/main" id="{8E22521D-4E04-A7A8-4DC3-8DC2D2508845}"/>
+                  </a:ext>
+                </a:extLst>
+              </p:cNvPr>
+              <p:cNvSpPr txBox="1"/>
+              <p:nvPr/>
+            </p:nvSpPr>
+            <p:spPr>
+              <a:xfrm>
+                <a:off x="3451070" y="4882053"/>
+                <a:ext cx="763799" cy="276999"/>
+              </a:xfrm>
+              <a:prstGeom prst="rect">
+                <a:avLst/>
+              </a:prstGeom>
+              <a:noFill/>
+            </p:spPr>
+            <p:txBody>
+              <a:bodyPr wrap="none" lIns="0" tIns="0" rIns="0" bIns="0" rtlCol="0">
+                <a:spAutoFit/>
+              </a:bodyPr>
+              <a:lstStyle/>
+              <a:p>
+                <a:pPr/>
+                <a14:m>
+                  <m:oMathPara xmlns:m="http://schemas.openxmlformats.org/officeDocument/2006/math">
+                    <m:oMathParaPr>
+                      <m:jc m:val="centerGroup"/>
+                    </m:oMathParaPr>
+                    <m:oMath xmlns:m="http://schemas.openxmlformats.org/officeDocument/2006/math">
+                      <m:r>
+                        <a:rPr kumimoji="1" lang="ja-JP" altLang="en-US" i="1" smtClean="0">
+                          <a:latin typeface="Cambria Math" panose="02040503050406030204" pitchFamily="18" charset="0"/>
+                        </a:rPr>
+                        <m:t>質量</m:t>
+                      </m:r>
+                      <m:r>
+                        <a:rPr kumimoji="1" lang="en-US" altLang="ja-JP" b="0" i="1" smtClean="0">
+                          <a:latin typeface="Cambria Math" panose="02040503050406030204" pitchFamily="18" charset="0"/>
+                        </a:rPr>
+                        <m:t> </m:t>
+                      </m:r>
+                      <m:r>
+                        <a:rPr kumimoji="1" lang="en-US" altLang="ja-JP" b="0" i="1" smtClean="0">
+                          <a:latin typeface="Cambria Math" panose="02040503050406030204" pitchFamily="18" charset="0"/>
+                        </a:rPr>
+                        <m:t>𝑚</m:t>
+                      </m:r>
+                    </m:oMath>
+                  </m:oMathPara>
+                </a14:m>
+                <a:endParaRPr kumimoji="1" lang="ja-JP" altLang="en-US" dirty="0"/>
+              </a:p>
+            </p:txBody>
+          </p:sp>
+        </mc:Choice>
+        <mc:Fallback>
+          <p:sp>
+            <p:nvSpPr>
+              <p:cNvPr id="51" name="テキスト ボックス 50">
+                <a:extLst>
+                  <a:ext uri="{FF2B5EF4-FFF2-40B4-BE49-F238E27FC236}">
+                    <a16:creationId xmlns:a16="http://schemas.microsoft.com/office/drawing/2014/main" id="{8E22521D-4E04-A7A8-4DC3-8DC2D2508845}"/>
+                  </a:ext>
+                </a:extLst>
+              </p:cNvPr>
+              <p:cNvSpPr txBox="1">
+                <a:spLocks noRot="1" noChangeAspect="1" noMove="1" noResize="1" noEditPoints="1" noAdjustHandles="1" noChangeArrowheads="1" noChangeShapeType="1" noTextEdit="1"/>
+              </p:cNvSpPr>
+              <p:nvPr/>
+            </p:nvSpPr>
+            <p:spPr>
+              <a:xfrm>
+                <a:off x="3451070" y="4882053"/>
+                <a:ext cx="763799" cy="276999"/>
+              </a:xfrm>
+              <a:prstGeom prst="rect">
+                <a:avLst/>
+              </a:prstGeom>
+              <a:blipFill>
+                <a:blip r:embed="rId10"/>
+                <a:stretch>
+                  <a:fillRect l="-9836" t="-8696" r="-4918" b="-34783"/>
+                </a:stretch>
+              </a:blipFill>
+            </p:spPr>
+            <p:txBody>
+              <a:bodyPr/>
+              <a:lstStyle/>
+              <a:p>
+                <a:r>
+                  <a:rPr lang="ja-JP" altLang="en-US">
+                    <a:noFill/>
+                  </a:rPr>
+                  <a:t> </a:t>
+                </a:r>
+              </a:p>
+            </p:txBody>
+          </p:sp>
+        </mc:Fallback>
+      </mc:AlternateContent>
+      <mc:AlternateContent xmlns:mc="http://schemas.openxmlformats.org/markup-compatibility/2006">
+        <mc:Choice xmlns:a14="http://schemas.microsoft.com/office/drawing/2010/main" Requires="a14">
+          <p:sp>
+            <p:nvSpPr>
+              <p:cNvPr id="52" name="テキスト ボックス 51">
+                <a:extLst>
+                  <a:ext uri="{FF2B5EF4-FFF2-40B4-BE49-F238E27FC236}">
+                    <a16:creationId xmlns:a16="http://schemas.microsoft.com/office/drawing/2014/main" id="{15DF7998-6305-9714-A52D-C1B8B22E5D42}"/>
+                  </a:ext>
+                </a:extLst>
+              </p:cNvPr>
+              <p:cNvSpPr txBox="1"/>
+              <p:nvPr/>
+            </p:nvSpPr>
+            <p:spPr>
+              <a:xfrm>
+                <a:off x="6233249" y="3800300"/>
+                <a:ext cx="433837" cy="276999"/>
+              </a:xfrm>
+              <a:prstGeom prst="rect">
+                <a:avLst/>
+              </a:prstGeom>
+              <a:noFill/>
+            </p:spPr>
+            <p:txBody>
+              <a:bodyPr wrap="none" lIns="0" tIns="0" rIns="0" bIns="0" rtlCol="0">
+                <a:spAutoFit/>
+              </a:bodyPr>
+              <a:lstStyle/>
+              <a:p>
+                <a:pPr/>
+                <a:r>
+                  <a:rPr kumimoji="1" lang="ja-JP" altLang="en-US" b="0"/>
+                  <a:t>力</a:t>
+                </a:r>
+                <a:r>
+                  <a:rPr kumimoji="1" lang="en-US" altLang="ja-JP" b="0" dirty="0"/>
+                  <a:t> </a:t>
+                </a:r>
+                <a14:m>
+                  <m:oMath xmlns:m="http://schemas.openxmlformats.org/officeDocument/2006/math">
+                    <m:r>
+                      <a:rPr kumimoji="1" lang="en-US" altLang="ja-JP" b="0" i="1" smtClean="0">
+                        <a:latin typeface="Cambria Math" panose="02040503050406030204" pitchFamily="18" charset="0"/>
+                      </a:rPr>
+                      <m:t>𝐹</m:t>
+                    </m:r>
+                  </m:oMath>
+                </a14:m>
+                <a:endParaRPr kumimoji="1" lang="ja-JP" altLang="en-US" dirty="0"/>
+              </a:p>
+            </p:txBody>
+          </p:sp>
+        </mc:Choice>
+        <mc:Fallback>
+          <p:sp>
+            <p:nvSpPr>
+              <p:cNvPr id="52" name="テキスト ボックス 51">
+                <a:extLst>
+                  <a:ext uri="{FF2B5EF4-FFF2-40B4-BE49-F238E27FC236}">
+                    <a16:creationId xmlns:a16="http://schemas.microsoft.com/office/drawing/2014/main" id="{15DF7998-6305-9714-A52D-C1B8B22E5D42}"/>
+                  </a:ext>
+                </a:extLst>
+              </p:cNvPr>
+              <p:cNvSpPr txBox="1">
+                <a:spLocks noRot="1" noChangeAspect="1" noMove="1" noResize="1" noEditPoints="1" noAdjustHandles="1" noChangeArrowheads="1" noChangeShapeType="1" noTextEdit="1"/>
+              </p:cNvSpPr>
+              <p:nvPr/>
+            </p:nvSpPr>
+            <p:spPr>
+              <a:xfrm>
+                <a:off x="6233249" y="3800300"/>
+                <a:ext cx="433837" cy="276999"/>
+              </a:xfrm>
+              <a:prstGeom prst="rect">
+                <a:avLst/>
+              </a:prstGeom>
+              <a:blipFill>
+                <a:blip r:embed="rId11"/>
+                <a:stretch>
+                  <a:fillRect l="-34286" t="-26087" r="-14286" b="-47826"/>
+                </a:stretch>
+              </a:blipFill>
+            </p:spPr>
+            <p:txBody>
+              <a:bodyPr/>
+              <a:lstStyle/>
+              <a:p>
+                <a:r>
+                  <a:rPr lang="ja-JP" altLang="en-US">
+                    <a:noFill/>
+                  </a:rPr>
+                  <a:t> </a:t>
+                </a:r>
+              </a:p>
+            </p:txBody>
+          </p:sp>
+        </mc:Fallback>
+      </mc:AlternateContent>
+      <mc:AlternateContent xmlns:mc="http://schemas.openxmlformats.org/markup-compatibility/2006">
+        <mc:Choice xmlns:a14="http://schemas.microsoft.com/office/drawing/2010/main" Requires="a14">
+          <p:sp>
+            <p:nvSpPr>
+              <p:cNvPr id="53" name="テキスト ボックス 52">
+                <a:extLst>
+                  <a:ext uri="{FF2B5EF4-FFF2-40B4-BE49-F238E27FC236}">
+                    <a16:creationId xmlns:a16="http://schemas.microsoft.com/office/drawing/2014/main" id="{27691586-9580-EF4B-F10E-AEF1910D4D3B}"/>
+                  </a:ext>
+                </a:extLst>
+              </p:cNvPr>
+              <p:cNvSpPr txBox="1"/>
+              <p:nvPr/>
+            </p:nvSpPr>
+            <p:spPr>
+              <a:xfrm>
+                <a:off x="5781426" y="4364253"/>
+                <a:ext cx="1337482" cy="276999"/>
+              </a:xfrm>
+              <a:prstGeom prst="rect">
+                <a:avLst/>
+              </a:prstGeom>
+              <a:noFill/>
+            </p:spPr>
+            <p:txBody>
+              <a:bodyPr wrap="none" lIns="0" tIns="0" rIns="0" bIns="0" rtlCol="0">
+                <a:spAutoFit/>
+              </a:bodyPr>
+              <a:lstStyle/>
+              <a:p>
+                <a:pPr/>
+                <a:r>
+                  <a:rPr kumimoji="1" lang="ja-JP" altLang="en-US" b="0"/>
+                  <a:t>バネの伸び</a:t>
+                </a:r>
+                <a:r>
+                  <a:rPr kumimoji="1" lang="en-US" altLang="ja-JP" b="0" dirty="0"/>
+                  <a:t> </a:t>
+                </a:r>
+                <a14:m>
+                  <m:oMath xmlns:m="http://schemas.openxmlformats.org/officeDocument/2006/math">
+                    <m:r>
+                      <a:rPr kumimoji="1" lang="en-US" altLang="ja-JP" b="0" i="1" smtClean="0">
+                        <a:latin typeface="Cambria Math" panose="02040503050406030204" pitchFamily="18" charset="0"/>
+                      </a:rPr>
+                      <m:t>𝑥</m:t>
+                    </m:r>
+                  </m:oMath>
+                </a14:m>
+                <a:endParaRPr kumimoji="1" lang="ja-JP" altLang="en-US" dirty="0"/>
+              </a:p>
+            </p:txBody>
+          </p:sp>
+        </mc:Choice>
+        <mc:Fallback>
+          <p:sp>
+            <p:nvSpPr>
+              <p:cNvPr id="53" name="テキスト ボックス 52">
+                <a:extLst>
+                  <a:ext uri="{FF2B5EF4-FFF2-40B4-BE49-F238E27FC236}">
+                    <a16:creationId xmlns:a16="http://schemas.microsoft.com/office/drawing/2014/main" id="{27691586-9580-EF4B-F10E-AEF1910D4D3B}"/>
+                  </a:ext>
+                </a:extLst>
+              </p:cNvPr>
+              <p:cNvSpPr txBox="1">
+                <a:spLocks noRot="1" noChangeAspect="1" noMove="1" noResize="1" noEditPoints="1" noAdjustHandles="1" noChangeArrowheads="1" noChangeShapeType="1" noTextEdit="1"/>
+              </p:cNvSpPr>
+              <p:nvPr/>
+            </p:nvSpPr>
+            <p:spPr>
+              <a:xfrm>
+                <a:off x="5781426" y="4364253"/>
+                <a:ext cx="1337482" cy="276999"/>
+              </a:xfrm>
+              <a:prstGeom prst="rect">
+                <a:avLst/>
+              </a:prstGeom>
+              <a:blipFill>
+                <a:blip r:embed="rId12"/>
+                <a:stretch>
+                  <a:fillRect l="-10377" t="-26087" r="-2830" b="-47826"/>
+                </a:stretch>
+              </a:blipFill>
+            </p:spPr>
+            <p:txBody>
+              <a:bodyPr/>
+              <a:lstStyle/>
+              <a:p>
+                <a:r>
+                  <a:rPr lang="ja-JP" altLang="en-US">
+                    <a:noFill/>
+                  </a:rPr>
+                  <a:t> </a:t>
+                </a:r>
+              </a:p>
+            </p:txBody>
+          </p:sp>
+        </mc:Fallback>
+      </mc:AlternateContent>
+      <mc:AlternateContent xmlns:mc="http://schemas.openxmlformats.org/markup-compatibility/2006">
+        <mc:Choice xmlns:a14="http://schemas.microsoft.com/office/drawing/2010/main" Requires="a14">
+          <p:sp>
+            <p:nvSpPr>
+              <p:cNvPr id="54" name="テキスト ボックス 53">
+                <a:extLst>
+                  <a:ext uri="{FF2B5EF4-FFF2-40B4-BE49-F238E27FC236}">
+                    <a16:creationId xmlns:a16="http://schemas.microsoft.com/office/drawing/2014/main" id="{D0C450D5-6A56-D262-0B49-28DEDFF86A09}"/>
+                  </a:ext>
+                </a:extLst>
+              </p:cNvPr>
+              <p:cNvSpPr txBox="1"/>
+              <p:nvPr/>
+            </p:nvSpPr>
+            <p:spPr>
+              <a:xfrm>
+                <a:off x="5869720" y="4882053"/>
+                <a:ext cx="1160894" cy="276999"/>
+              </a:xfrm>
+              <a:prstGeom prst="rect">
+                <a:avLst/>
+              </a:prstGeom>
+              <a:noFill/>
+            </p:spPr>
+            <p:txBody>
+              <a:bodyPr wrap="none" lIns="0" tIns="0" rIns="0" bIns="0" rtlCol="0">
+                <a:spAutoFit/>
+              </a:bodyPr>
+              <a:lstStyle/>
+              <a:p>
+                <a:pPr/>
+                <a14:m>
+                  <m:oMathPara xmlns:m="http://schemas.openxmlformats.org/officeDocument/2006/math">
+                    <m:oMathParaPr>
+                      <m:jc m:val="centerGroup"/>
+                    </m:oMathParaPr>
+                    <m:oMath xmlns:m="http://schemas.openxmlformats.org/officeDocument/2006/math">
+                      <m:r>
+                        <a:rPr kumimoji="1" lang="ja-JP" altLang="en-US" i="1" smtClean="0">
+                          <a:latin typeface="Cambria Math" panose="02040503050406030204" pitchFamily="18" charset="0"/>
+                        </a:rPr>
+                        <m:t>バネ</m:t>
+                      </m:r>
+                      <m:r>
+                        <a:rPr kumimoji="1" lang="ja-JP" altLang="en-US" i="1">
+                          <a:latin typeface="Cambria Math" panose="02040503050406030204" pitchFamily="18" charset="0"/>
+                        </a:rPr>
+                        <m:t>定数</m:t>
+                      </m:r>
+                      <m:r>
+                        <a:rPr kumimoji="1" lang="en-US" altLang="ja-JP" b="0" i="1" smtClean="0">
+                          <a:latin typeface="Cambria Math" panose="02040503050406030204" pitchFamily="18" charset="0"/>
+                        </a:rPr>
+                        <m:t> </m:t>
+                      </m:r>
+                      <m:r>
+                        <a:rPr kumimoji="1" lang="en-US" altLang="ja-JP" b="0" i="1" smtClean="0">
+                          <a:latin typeface="Cambria Math" panose="02040503050406030204" pitchFamily="18" charset="0"/>
+                        </a:rPr>
+                        <m:t>𝑘</m:t>
+                      </m:r>
+                    </m:oMath>
+                  </m:oMathPara>
+                </a14:m>
+                <a:endParaRPr kumimoji="1" lang="ja-JP" altLang="en-US" dirty="0"/>
+              </a:p>
+            </p:txBody>
+          </p:sp>
+        </mc:Choice>
+        <mc:Fallback>
+          <p:sp>
+            <p:nvSpPr>
+              <p:cNvPr id="54" name="テキスト ボックス 53">
+                <a:extLst>
+                  <a:ext uri="{FF2B5EF4-FFF2-40B4-BE49-F238E27FC236}">
+                    <a16:creationId xmlns:a16="http://schemas.microsoft.com/office/drawing/2014/main" id="{D0C450D5-6A56-D262-0B49-28DEDFF86A09}"/>
+                  </a:ext>
+                </a:extLst>
+              </p:cNvPr>
+              <p:cNvSpPr txBox="1">
+                <a:spLocks noRot="1" noChangeAspect="1" noMove="1" noResize="1" noEditPoints="1" noAdjustHandles="1" noChangeArrowheads="1" noChangeShapeType="1" noTextEdit="1"/>
+              </p:cNvSpPr>
+              <p:nvPr/>
+            </p:nvSpPr>
+            <p:spPr>
+              <a:xfrm>
+                <a:off x="5869720" y="4882053"/>
+                <a:ext cx="1160894" cy="276999"/>
+              </a:xfrm>
+              <a:prstGeom prst="rect">
+                <a:avLst/>
+              </a:prstGeom>
+              <a:blipFill>
+                <a:blip r:embed="rId13"/>
+                <a:stretch>
+                  <a:fillRect l="-6522" t="-8696" r="-4348" b="-34783"/>
+                </a:stretch>
+              </a:blipFill>
+            </p:spPr>
+            <p:txBody>
+              <a:bodyPr/>
+              <a:lstStyle/>
+              <a:p>
+                <a:r>
+                  <a:rPr lang="ja-JP" altLang="en-US">
+                    <a:noFill/>
+                  </a:rPr>
+                  <a:t> </a:t>
+                </a:r>
+              </a:p>
+            </p:txBody>
+          </p:sp>
+        </mc:Fallback>
+      </mc:AlternateContent>
+      <mc:AlternateContent xmlns:mc="http://schemas.openxmlformats.org/markup-compatibility/2006">
+        <mc:Choice xmlns:a14="http://schemas.microsoft.com/office/drawing/2010/main" Requires="a14">
+          <p:sp>
+            <p:nvSpPr>
+              <p:cNvPr id="55" name="テキスト ボックス 54">
+                <a:extLst>
+                  <a:ext uri="{FF2B5EF4-FFF2-40B4-BE49-F238E27FC236}">
+                    <a16:creationId xmlns:a16="http://schemas.microsoft.com/office/drawing/2014/main" id="{2E070ADA-4E93-306B-41CB-CB806EDAA1FC}"/>
+                  </a:ext>
+                </a:extLst>
+              </p:cNvPr>
+              <p:cNvSpPr txBox="1"/>
+              <p:nvPr/>
+            </p:nvSpPr>
+            <p:spPr>
+              <a:xfrm>
+                <a:off x="8968909" y="3800300"/>
+                <a:ext cx="717439" cy="276999"/>
+              </a:xfrm>
+              <a:prstGeom prst="rect">
+                <a:avLst/>
+              </a:prstGeom>
+              <a:noFill/>
+            </p:spPr>
+            <p:txBody>
+              <a:bodyPr wrap="none" lIns="0" tIns="0" rIns="0" bIns="0" rtlCol="0">
+                <a:spAutoFit/>
+              </a:bodyPr>
+              <a:lstStyle/>
+              <a:p>
+                <a:pPr/>
+                <a14:m>
+                  <m:oMathPara xmlns:m="http://schemas.openxmlformats.org/officeDocument/2006/math">
+                    <m:oMathParaPr>
+                      <m:jc m:val="centerGroup"/>
+                    </m:oMathParaPr>
+                    <m:oMath xmlns:m="http://schemas.openxmlformats.org/officeDocument/2006/math">
+                      <m:r>
+                        <a:rPr kumimoji="1" lang="ja-JP" altLang="en-US" i="1" smtClean="0">
+                          <a:latin typeface="Cambria Math" panose="02040503050406030204" pitchFamily="18" charset="0"/>
+                        </a:rPr>
+                        <m:t>電圧</m:t>
+                      </m:r>
+                      <m:r>
+                        <a:rPr kumimoji="1" lang="en-US" altLang="ja-JP" b="0" i="1" smtClean="0">
+                          <a:latin typeface="Cambria Math" panose="02040503050406030204" pitchFamily="18" charset="0"/>
+                        </a:rPr>
+                        <m:t> </m:t>
+                      </m:r>
+                      <m:r>
+                        <a:rPr kumimoji="1" lang="en-US" altLang="ja-JP" b="0" i="1" smtClean="0">
+                          <a:latin typeface="Cambria Math" panose="02040503050406030204" pitchFamily="18" charset="0"/>
+                        </a:rPr>
+                        <m:t>𝑉</m:t>
+                      </m:r>
+                    </m:oMath>
+                  </m:oMathPara>
+                </a14:m>
+                <a:endParaRPr kumimoji="1" lang="ja-JP" altLang="en-US" dirty="0"/>
+              </a:p>
+            </p:txBody>
+          </p:sp>
+        </mc:Choice>
+        <mc:Fallback>
+          <p:sp>
+            <p:nvSpPr>
+              <p:cNvPr id="55" name="テキスト ボックス 54">
+                <a:extLst>
+                  <a:ext uri="{FF2B5EF4-FFF2-40B4-BE49-F238E27FC236}">
+                    <a16:creationId xmlns:a16="http://schemas.microsoft.com/office/drawing/2014/main" id="{2E070ADA-4E93-306B-41CB-CB806EDAA1FC}"/>
+                  </a:ext>
+                </a:extLst>
+              </p:cNvPr>
+              <p:cNvSpPr txBox="1">
+                <a:spLocks noRot="1" noChangeAspect="1" noMove="1" noResize="1" noEditPoints="1" noAdjustHandles="1" noChangeArrowheads="1" noChangeShapeType="1" noTextEdit="1"/>
+              </p:cNvSpPr>
+              <p:nvPr/>
+            </p:nvSpPr>
+            <p:spPr>
+              <a:xfrm>
+                <a:off x="8968909" y="3800300"/>
+                <a:ext cx="717439" cy="276999"/>
+              </a:xfrm>
+              <a:prstGeom prst="rect">
+                <a:avLst/>
+              </a:prstGeom>
+              <a:blipFill>
+                <a:blip r:embed="rId14"/>
+                <a:stretch>
+                  <a:fillRect l="-10526" t="-8696" r="-7018" b="-34783"/>
+                </a:stretch>
+              </a:blipFill>
+            </p:spPr>
+            <p:txBody>
+              <a:bodyPr/>
+              <a:lstStyle/>
+              <a:p>
+                <a:r>
+                  <a:rPr lang="ja-JP" altLang="en-US">
+                    <a:noFill/>
+                  </a:rPr>
+                  <a:t> </a:t>
+                </a:r>
+              </a:p>
+            </p:txBody>
+          </p:sp>
+        </mc:Fallback>
+      </mc:AlternateContent>
+      <mc:AlternateContent xmlns:mc="http://schemas.openxmlformats.org/markup-compatibility/2006">
+        <mc:Choice xmlns:a14="http://schemas.microsoft.com/office/drawing/2010/main" Requires="a14">
+          <p:sp>
+            <p:nvSpPr>
+              <p:cNvPr id="56" name="テキスト ボックス 55">
+                <a:extLst>
+                  <a:ext uri="{FF2B5EF4-FFF2-40B4-BE49-F238E27FC236}">
+                    <a16:creationId xmlns:a16="http://schemas.microsoft.com/office/drawing/2014/main" id="{0736076F-B96E-B9EB-8BAA-DC107D81F14C}"/>
+                  </a:ext>
+                </a:extLst>
+              </p:cNvPr>
+              <p:cNvSpPr txBox="1"/>
+              <p:nvPr/>
+            </p:nvSpPr>
+            <p:spPr>
+              <a:xfrm>
+                <a:off x="9022609" y="4364253"/>
+                <a:ext cx="610039" cy="276999"/>
+              </a:xfrm>
+              <a:prstGeom prst="rect">
+                <a:avLst/>
+              </a:prstGeom>
+              <a:noFill/>
+            </p:spPr>
+            <p:txBody>
+              <a:bodyPr wrap="none" lIns="0" tIns="0" rIns="0" bIns="0" rtlCol="0">
+                <a:spAutoFit/>
+              </a:bodyPr>
+              <a:lstStyle/>
+              <a:p>
+                <a:pPr/>
+                <a:r>
+                  <a:rPr kumimoji="1" lang="ja-JP" altLang="en-US" b="0"/>
+                  <a:t>電流</a:t>
+                </a:r>
+                <a:r>
+                  <a:rPr kumimoji="1" lang="en-US" altLang="ja-JP" b="0" dirty="0"/>
+                  <a:t> </a:t>
+                </a:r>
+                <a14:m>
+                  <m:oMath xmlns:m="http://schemas.openxmlformats.org/officeDocument/2006/math">
+                    <m:r>
+                      <a:rPr kumimoji="1" lang="en-US" altLang="ja-JP" b="0" i="1" smtClean="0">
+                        <a:latin typeface="Cambria Math" panose="02040503050406030204" pitchFamily="18" charset="0"/>
+                      </a:rPr>
+                      <m:t>𝐼</m:t>
+                    </m:r>
+                  </m:oMath>
+                </a14:m>
+                <a:endParaRPr kumimoji="1" lang="ja-JP" altLang="en-US" dirty="0"/>
+              </a:p>
+            </p:txBody>
+          </p:sp>
+        </mc:Choice>
+        <mc:Fallback>
+          <p:sp>
+            <p:nvSpPr>
+              <p:cNvPr id="56" name="テキスト ボックス 55">
+                <a:extLst>
+                  <a:ext uri="{FF2B5EF4-FFF2-40B4-BE49-F238E27FC236}">
+                    <a16:creationId xmlns:a16="http://schemas.microsoft.com/office/drawing/2014/main" id="{0736076F-B96E-B9EB-8BAA-DC107D81F14C}"/>
+                  </a:ext>
+                </a:extLst>
+              </p:cNvPr>
+              <p:cNvSpPr txBox="1">
+                <a:spLocks noRot="1" noChangeAspect="1" noMove="1" noResize="1" noEditPoints="1" noAdjustHandles="1" noChangeArrowheads="1" noChangeShapeType="1" noTextEdit="1"/>
+              </p:cNvSpPr>
+              <p:nvPr/>
+            </p:nvSpPr>
+            <p:spPr>
+              <a:xfrm>
+                <a:off x="9022609" y="4364253"/>
+                <a:ext cx="610039" cy="276999"/>
+              </a:xfrm>
+              <a:prstGeom prst="rect">
+                <a:avLst/>
+              </a:prstGeom>
+              <a:blipFill>
+                <a:blip r:embed="rId15"/>
+                <a:stretch>
+                  <a:fillRect l="-22449" t="-26087" r="-10204" b="-47826"/>
+                </a:stretch>
+              </a:blipFill>
+            </p:spPr>
+            <p:txBody>
+              <a:bodyPr/>
+              <a:lstStyle/>
+              <a:p>
+                <a:r>
+                  <a:rPr lang="ja-JP" altLang="en-US">
+                    <a:noFill/>
+                  </a:rPr>
+                  <a:t> </a:t>
+                </a:r>
+              </a:p>
+            </p:txBody>
+          </p:sp>
+        </mc:Fallback>
+      </mc:AlternateContent>
+      <mc:AlternateContent xmlns:mc="http://schemas.openxmlformats.org/markup-compatibility/2006">
+        <mc:Choice xmlns:a14="http://schemas.microsoft.com/office/drawing/2010/main" Requires="a14">
+          <p:sp>
+            <p:nvSpPr>
+              <p:cNvPr id="57" name="テキスト ボックス 56">
+                <a:extLst>
+                  <a:ext uri="{FF2B5EF4-FFF2-40B4-BE49-F238E27FC236}">
+                    <a16:creationId xmlns:a16="http://schemas.microsoft.com/office/drawing/2014/main" id="{3D45FF27-4EE2-FB5E-D16E-3269BC0477F7}"/>
+                  </a:ext>
+                </a:extLst>
+              </p:cNvPr>
+              <p:cNvSpPr txBox="1"/>
+              <p:nvPr/>
+            </p:nvSpPr>
+            <p:spPr>
+              <a:xfrm>
+                <a:off x="8963939" y="4882053"/>
+                <a:ext cx="727379" cy="276999"/>
+              </a:xfrm>
+              <a:prstGeom prst="rect">
+                <a:avLst/>
+              </a:prstGeom>
+              <a:noFill/>
+            </p:spPr>
+            <p:txBody>
+              <a:bodyPr wrap="none" lIns="0" tIns="0" rIns="0" bIns="0" rtlCol="0">
+                <a:spAutoFit/>
+              </a:bodyPr>
+              <a:lstStyle/>
+              <a:p>
+                <a:pPr/>
+                <a14:m>
+                  <m:oMathPara xmlns:m="http://schemas.openxmlformats.org/officeDocument/2006/math">
+                    <m:oMathParaPr>
+                      <m:jc m:val="centerGroup"/>
+                    </m:oMathParaPr>
+                    <m:oMath xmlns:m="http://schemas.openxmlformats.org/officeDocument/2006/math">
+                      <m:r>
+                        <a:rPr kumimoji="1" lang="ja-JP" altLang="en-US" i="1" smtClean="0">
+                          <a:latin typeface="Cambria Math" panose="02040503050406030204" pitchFamily="18" charset="0"/>
+                        </a:rPr>
+                        <m:t>抵抗</m:t>
+                      </m:r>
+                      <m:r>
+                        <a:rPr kumimoji="1" lang="en-US" altLang="ja-JP" b="0" i="1" smtClean="0">
+                          <a:latin typeface="Cambria Math" panose="02040503050406030204" pitchFamily="18" charset="0"/>
+                        </a:rPr>
+                        <m:t> </m:t>
+                      </m:r>
+                      <m:r>
+                        <a:rPr kumimoji="1" lang="en-US" altLang="ja-JP" b="0" i="1" smtClean="0">
+                          <a:latin typeface="Cambria Math" panose="02040503050406030204" pitchFamily="18" charset="0"/>
+                        </a:rPr>
+                        <m:t>𝑅</m:t>
+                      </m:r>
+                    </m:oMath>
+                  </m:oMathPara>
+                </a14:m>
+                <a:endParaRPr kumimoji="1" lang="ja-JP" altLang="en-US" dirty="0"/>
+              </a:p>
+            </p:txBody>
+          </p:sp>
+        </mc:Choice>
+        <mc:Fallback>
+          <p:sp>
+            <p:nvSpPr>
+              <p:cNvPr id="57" name="テキスト ボックス 56">
+                <a:extLst>
+                  <a:ext uri="{FF2B5EF4-FFF2-40B4-BE49-F238E27FC236}">
+                    <a16:creationId xmlns:a16="http://schemas.microsoft.com/office/drawing/2014/main" id="{3D45FF27-4EE2-FB5E-D16E-3269BC0477F7}"/>
+                  </a:ext>
+                </a:extLst>
+              </p:cNvPr>
+              <p:cNvSpPr txBox="1">
+                <a:spLocks noRot="1" noChangeAspect="1" noMove="1" noResize="1" noEditPoints="1" noAdjustHandles="1" noChangeArrowheads="1" noChangeShapeType="1" noTextEdit="1"/>
+              </p:cNvSpPr>
+              <p:nvPr/>
+            </p:nvSpPr>
+            <p:spPr>
+              <a:xfrm>
+                <a:off x="8963939" y="4882053"/>
+                <a:ext cx="727379" cy="276999"/>
+              </a:xfrm>
+              <a:prstGeom prst="rect">
+                <a:avLst/>
+              </a:prstGeom>
+              <a:blipFill>
+                <a:blip r:embed="rId16"/>
+                <a:stretch>
+                  <a:fillRect l="-10169" t="-8696" r="-5085" b="-34783"/>
+                </a:stretch>
+              </a:blipFill>
+            </p:spPr>
+            <p:txBody>
+              <a:bodyPr/>
+              <a:lstStyle/>
+              <a:p>
+                <a:r>
+                  <a:rPr lang="ja-JP" altLang="en-US">
+                    <a:noFill/>
+                  </a:rPr>
+                  <a:t> </a:t>
+                </a:r>
+              </a:p>
+            </p:txBody>
+          </p:sp>
+        </mc:Fallback>
+      </mc:AlternateContent>
     </p:spTree>
     <p:extLst>
       <p:ext uri="{BB962C8B-B14F-4D97-AF65-F5344CB8AC3E}">
